--- a/Project File/직무과제 PT(오정택).pptx
+++ b/Project File/직무과제 PT(오정택).pptx
@@ -11608,124 +11608,6 @@
       </p:sp>
       <p:sp>
         <p:nvSpPr>
-          <p:cNvPr id="2" name="TextBox 1">
-            <a:extLst>
-              <a:ext uri="{FF2B5EF4-FFF2-40B4-BE49-F238E27FC236}">
-                <a16:creationId xmlns:a16="http://schemas.microsoft.com/office/drawing/2014/main" id="{76D2FFC2-2AF3-670D-D95A-57285DA6806D}"/>
-              </a:ext>
-            </a:extLst>
-          </p:cNvPr>
-          <p:cNvSpPr txBox="1"/>
-          <p:nvPr/>
-        </p:nvSpPr>
-        <p:spPr>
-          <a:xfrm>
-            <a:off x="2696475" y="1560288"/>
-            <a:ext cx="4546901" cy="407882"/>
-          </a:xfrm>
-          <a:prstGeom prst="rect">
-            <a:avLst/>
-          </a:prstGeom>
-          <a:solidFill>
-            <a:schemeClr val="bg1"/>
-          </a:solidFill>
-          <a:ln>
-            <a:noFill/>
-          </a:ln>
-          <a:effectLst>
-            <a:outerShdw blurRad="304800" dist="190500" dir="5400000" algn="t" rotWithShape="0">
-              <a:prstClr val="black">
-                <a:alpha val="12000"/>
-              </a:prstClr>
-            </a:outerShdw>
-          </a:effectLst>
-        </p:spPr>
-        <p:style>
-          <a:lnRef idx="2">
-            <a:schemeClr val="accent1">
-              <a:shade val="50000"/>
-            </a:schemeClr>
-          </a:lnRef>
-          <a:fillRef idx="1">
-            <a:schemeClr val="accent1"/>
-          </a:fillRef>
-          <a:effectRef idx="0">
-            <a:schemeClr val="accent1"/>
-          </a:effectRef>
-          <a:fontRef idx="minor">
-            <a:schemeClr val="lt1"/>
-          </a:fontRef>
-        </p:style>
-        <p:txBody>
-          <a:bodyPr rtlCol="0" anchor="ctr"/>
-          <a:lstStyle>
-            <a:defPPr>
-              <a:defRPr lang="en-US"/>
-            </a:defPPr>
-            <a:lvl1pPr algn="ctr" latinLnBrk="0">
-              <a:defRPr/>
-            </a:lvl1pPr>
-            <a:lvl2pPr latinLnBrk="0">
-              <a:defRPr/>
-            </a:lvl2pPr>
-            <a:lvl3pPr latinLnBrk="0">
-              <a:defRPr/>
-            </a:lvl3pPr>
-            <a:lvl4pPr latinLnBrk="0">
-              <a:defRPr/>
-            </a:lvl4pPr>
-            <a:lvl5pPr latinLnBrk="0">
-              <a:defRPr/>
-            </a:lvl5pPr>
-            <a:lvl6pPr latinLnBrk="0">
-              <a:defRPr/>
-            </a:lvl6pPr>
-            <a:lvl7pPr latinLnBrk="0">
-              <a:defRPr/>
-            </a:lvl7pPr>
-            <a:lvl8pPr latinLnBrk="0">
-              <a:defRPr/>
-            </a:lvl8pPr>
-            <a:lvl9pPr latinLnBrk="0">
-              <a:defRPr/>
-            </a:lvl9pPr>
-          </a:lstStyle>
-          <a:p>
-            <a:pPr algn="l"/>
-            <a:r>
-              <a:rPr kumimoji="1" lang="ko-KR" altLang="en-US" sz="1200" dirty="0">
-                <a:ln w="6350">
-                  <a:solidFill>
-                    <a:prstClr val="white">
-                      <a:alpha val="0"/>
-                    </a:prstClr>
-                  </a:solidFill>
-                </a:ln>
-                <a:solidFill>
-                  <a:schemeClr val="tx1"/>
-                </a:solidFill>
-                <a:ea typeface="KoPub돋움체 Medium" panose="02020603020101020101" pitchFamily="18" charset="-127"/>
-              </a:rPr>
-              <a:t>과제 선정 및 요구사랑 분석</a:t>
-            </a:r>
-            <a:endParaRPr kumimoji="1" lang="en-US" altLang="ko-KR" sz="1200" dirty="0">
-              <a:ln w="6350">
-                <a:solidFill>
-                  <a:prstClr val="white">
-                    <a:alpha val="0"/>
-                  </a:prstClr>
-                </a:solidFill>
-              </a:ln>
-              <a:solidFill>
-                <a:schemeClr val="tx1"/>
-              </a:solidFill>
-              <a:ea typeface="KoPub돋움체 Medium" panose="02020603020101020101" pitchFamily="18" charset="-127"/>
-            </a:endParaRPr>
-          </a:p>
-        </p:txBody>
-      </p:sp>
-      <p:sp>
-        <p:nvSpPr>
           <p:cNvPr id="3" name="TextBox 2">
             <a:extLst>
               <a:ext uri="{FF2B5EF4-FFF2-40B4-BE49-F238E27FC236}">
@@ -11811,7 +11693,7 @@
           <a:p>
             <a:pPr algn="l"/>
             <a:r>
-              <a:rPr kumimoji="1" lang="en-US" altLang="ko-KR" sz="1200" dirty="0" err="1">
+              <a:rPr kumimoji="1" lang="en-US" altLang="ko-KR" sz="1200" dirty="0" err="1" smtClean="0">
                 <a:ln w="6350">
                   <a:solidFill>
                     <a:prstClr val="white">
@@ -11828,7 +11710,7 @@
               <a:t>Naru</a:t>
             </a:r>
             <a:r>
-              <a:rPr kumimoji="1" lang="en-US" altLang="ko-KR" sz="1200" dirty="0">
+              <a:rPr kumimoji="1" lang="en-US" altLang="ko-KR" sz="1200" dirty="0" smtClean="0">
                 <a:ln w="6350">
                   <a:solidFill>
                     <a:prstClr val="white">
@@ -11845,7 +11727,7 @@
               <a:t>(SKT</a:t>
             </a:r>
             <a:r>
-              <a:rPr kumimoji="1" lang="ko-KR" altLang="en-US" sz="1200" dirty="0">
+              <a:rPr kumimoji="1" lang="ko-KR" altLang="en-US" sz="1200" dirty="0" smtClean="0">
                 <a:ln w="6350">
                   <a:solidFill>
                     <a:prstClr val="white">
@@ -11862,7 +11744,7 @@
               <a:t> </a:t>
             </a:r>
             <a:r>
-              <a:rPr kumimoji="1" lang="en-US" altLang="ko-KR" sz="1200" dirty="0">
+              <a:rPr kumimoji="1" lang="en-US" altLang="ko-KR" sz="1200" dirty="0" smtClean="0">
                 <a:ln w="6350">
                   <a:solidFill>
                     <a:prstClr val="white">
@@ -11879,7 +11761,7 @@
               <a:t>I/F</a:t>
             </a:r>
             <a:r>
-              <a:rPr kumimoji="1" lang="ko-KR" altLang="en-US" sz="1200" dirty="0">
+              <a:rPr kumimoji="1" lang="ko-KR" altLang="en-US" sz="1200" dirty="0" smtClean="0">
                 <a:ln w="6350">
                   <a:solidFill>
                     <a:prstClr val="white">
@@ -11896,7 +11778,7 @@
               <a:t> 관리 시스템</a:t>
             </a:r>
             <a:r>
-              <a:rPr kumimoji="1" lang="en-US" altLang="ko-KR" sz="1200" dirty="0">
+              <a:rPr kumimoji="1" lang="en-US" altLang="ko-KR" sz="1200" dirty="0" smtClean="0">
                 <a:ln w="6350">
                   <a:solidFill>
                     <a:prstClr val="white">
@@ -11913,7 +11795,7 @@
               <a:t>) </a:t>
             </a:r>
             <a:r>
-              <a:rPr kumimoji="1" lang="ko-KR" altLang="en-US" sz="1200" dirty="0">
+              <a:rPr kumimoji="1" lang="ko-KR" altLang="en-US" sz="1200" dirty="0" smtClean="0">
                 <a:ln w="6350">
                   <a:solidFill>
                     <a:prstClr val="white">
@@ -11930,7 +11812,7 @@
               <a:t>담당자 교육 및 </a:t>
             </a:r>
             <a:r>
-              <a:rPr kumimoji="1" lang="en-US" altLang="ko-KR" sz="1200" dirty="0">
+              <a:rPr kumimoji="1" lang="en-US" altLang="ko-KR" sz="1200" dirty="0" smtClean="0">
                 <a:ln w="6350">
                   <a:solidFill>
                     <a:prstClr val="white">
@@ -11947,7 +11829,7 @@
               <a:t>Layout</a:t>
             </a:r>
             <a:r>
-              <a:rPr kumimoji="1" lang="ko-KR" altLang="en-US" sz="1200" dirty="0">
+              <a:rPr kumimoji="1" lang="ko-KR" altLang="en-US" sz="1200" dirty="0" smtClean="0">
                 <a:ln w="6350">
                   <a:solidFill>
                     <a:prstClr val="white">
@@ -13672,6 +13554,125 @@
           </a:p>
         </p:txBody>
       </p:sp>
+      <p:sp>
+        <p:nvSpPr>
+          <p:cNvPr id="30" name="TextBox 29">
+            <a:extLst>
+              <a:ext uri="{FF2B5EF4-FFF2-40B4-BE49-F238E27FC236}">
+                <a16:creationId xmlns:a16="http://schemas.microsoft.com/office/drawing/2014/main" id="{BFA94509-FC62-D178-77DB-0468534A7A2E}"/>
+              </a:ext>
+            </a:extLst>
+          </p:cNvPr>
+          <p:cNvSpPr txBox="1"/>
+          <p:nvPr/>
+        </p:nvSpPr>
+        <p:spPr>
+          <a:xfrm>
+            <a:off x="2691869" y="1560288"/>
+            <a:ext cx="4546901" cy="407882"/>
+          </a:xfrm>
+          <a:prstGeom prst="rect">
+            <a:avLst/>
+          </a:prstGeom>
+          <a:solidFill>
+            <a:schemeClr val="bg1"/>
+          </a:solidFill>
+          <a:ln>
+            <a:noFill/>
+          </a:ln>
+          <a:effectLst>
+            <a:outerShdw blurRad="304800" dist="190500" dir="5400000" algn="t" rotWithShape="0">
+              <a:prstClr val="black">
+                <a:alpha val="12000"/>
+              </a:prstClr>
+            </a:outerShdw>
+          </a:effectLst>
+        </p:spPr>
+        <p:style>
+          <a:lnRef idx="2">
+            <a:schemeClr val="accent1">
+              <a:shade val="50000"/>
+            </a:schemeClr>
+          </a:lnRef>
+          <a:fillRef idx="1">
+            <a:schemeClr val="accent1"/>
+          </a:fillRef>
+          <a:effectRef idx="0">
+            <a:schemeClr val="accent1"/>
+          </a:effectRef>
+          <a:fontRef idx="minor">
+            <a:schemeClr val="lt1"/>
+          </a:fontRef>
+        </p:style>
+        <p:txBody>
+          <a:bodyPr rtlCol="0" anchor="ctr"/>
+          <a:lstStyle>
+            <a:defPPr>
+              <a:defRPr lang="en-US"/>
+            </a:defPPr>
+            <a:lvl1pPr algn="ctr" latinLnBrk="0">
+              <a:defRPr/>
+            </a:lvl1pPr>
+            <a:lvl2pPr latinLnBrk="0">
+              <a:defRPr/>
+            </a:lvl2pPr>
+            <a:lvl3pPr latinLnBrk="0">
+              <a:defRPr/>
+            </a:lvl3pPr>
+            <a:lvl4pPr latinLnBrk="0">
+              <a:defRPr/>
+            </a:lvl4pPr>
+            <a:lvl5pPr latinLnBrk="0">
+              <a:defRPr/>
+            </a:lvl5pPr>
+            <a:lvl6pPr latinLnBrk="0">
+              <a:defRPr/>
+            </a:lvl6pPr>
+            <a:lvl7pPr latinLnBrk="0">
+              <a:defRPr/>
+            </a:lvl7pPr>
+            <a:lvl8pPr latinLnBrk="0">
+              <a:defRPr/>
+            </a:lvl8pPr>
+            <a:lvl9pPr latinLnBrk="0">
+              <a:defRPr/>
+            </a:lvl9pPr>
+          </a:lstStyle>
+          <a:p>
+            <a:pPr algn="l"/>
+            <a:r>
+              <a:rPr kumimoji="1" lang="ko-KR" altLang="en-US" sz="1200" dirty="0" smtClean="0">
+                <a:ln w="6350">
+                  <a:solidFill>
+                    <a:prstClr val="white">
+                      <a:alpha val="0"/>
+                    </a:prstClr>
+                  </a:solidFill>
+                </a:ln>
+                <a:solidFill>
+                  <a:schemeClr val="tx1"/>
+                </a:solidFill>
+                <a:latin typeface="맑은 고딕" panose="020B0503020000020004" pitchFamily="50" charset="-127"/>
+                <a:ea typeface="맑은 고딕" panose="020B0503020000020004" pitchFamily="50" charset="-127"/>
+              </a:rPr>
+              <a:t>과제 선정 및 요구사항 분석</a:t>
+            </a:r>
+            <a:endParaRPr kumimoji="1" lang="en-US" altLang="ko-KR" sz="1200" dirty="0">
+              <a:ln w="6350">
+                <a:solidFill>
+                  <a:prstClr val="white">
+                    <a:alpha val="0"/>
+                  </a:prstClr>
+                </a:solidFill>
+              </a:ln>
+              <a:solidFill>
+                <a:schemeClr val="tx1"/>
+              </a:solidFill>
+              <a:ea typeface="KoPub돋움체 Medium" panose="02020603020101020101" pitchFamily="18" charset="-127"/>
+            </a:endParaRPr>
+          </a:p>
+        </p:txBody>
+      </p:sp>
     </p:spTree>
     <p:extLst>
       <p:ext uri="{BB962C8B-B14F-4D97-AF65-F5344CB8AC3E}">
@@ -13800,13 +13801,13 @@
             <p:nvPr/>
           </p:nvPicPr>
           <p:blipFill>
-            <a:blip r:embed="rId2">
+            <a:blip r:embed="rId2" cstate="hqprint">
               <a:extLst>
                 <a:ext uri="{28A0092B-C50C-407E-A947-70E740481C1C}">
                   <a14:useLocalDpi xmlns:a14="http://schemas.microsoft.com/office/drawing/2010/main" val="0"/>
                 </a:ext>
                 <a:ext uri="{837473B0-CC2E-450A-ABE3-18F120FF3D39}">
-                  <a1611:picAttrSrcUrl xmlns:a1611="http://schemas.microsoft.com/office/drawing/2016/11/main" r:id="rId3"/>
+                  <a1611:picAttrSrcUrl xmlns="" xmlns:a1611="http://schemas.microsoft.com/office/drawing/2016/11/main" r:id="rId3"/>
                 </a:ext>
               </a:extLst>
             </a:blip>
@@ -13839,13 +13840,13 @@
             <p:nvPr/>
           </p:nvPicPr>
           <p:blipFill>
-            <a:blip r:embed="rId4">
+            <a:blip r:embed="rId4" cstate="hqprint">
               <a:extLst>
                 <a:ext uri="{28A0092B-C50C-407E-A947-70E740481C1C}">
                   <a14:useLocalDpi xmlns:a14="http://schemas.microsoft.com/office/drawing/2010/main" val="0"/>
                 </a:ext>
                 <a:ext uri="{837473B0-CC2E-450A-ABE3-18F120FF3D39}">
-                  <a1611:picAttrSrcUrl xmlns:a1611="http://schemas.microsoft.com/office/drawing/2016/11/main" r:id="rId5"/>
+                  <a1611:picAttrSrcUrl xmlns="" xmlns:a1611="http://schemas.microsoft.com/office/drawing/2016/11/main" r:id="rId5"/>
                 </a:ext>
               </a:extLst>
             </a:blip>
@@ -14522,7 +14523,7 @@
         </p:nvSpPr>
         <p:spPr>
           <a:xfrm>
-            <a:off x="1307981" y="3766722"/>
+            <a:off x="1267417" y="3758333"/>
             <a:ext cx="617567" cy="180582"/>
           </a:xfrm>
           <a:prstGeom prst="rect">
@@ -14581,7 +14582,7 @@
         </p:nvSpPr>
         <p:spPr>
           <a:xfrm>
-            <a:off x="4242063" y="3720752"/>
+            <a:off x="4350405" y="3734647"/>
             <a:ext cx="653736" cy="180582"/>
           </a:xfrm>
           <a:prstGeom prst="rect">
@@ -14606,7 +14607,7 @@
               </a:spcBef>
             </a:pPr>
             <a:r>
-              <a:rPr lang="ko-KR" altLang="en-US" sz="1100" b="1" dirty="0">
+              <a:rPr lang="ko-KR" altLang="en-US" sz="1100" b="1" smtClean="0">
                 <a:ln>
                   <a:solidFill>
                     <a:schemeClr val="bg1">
@@ -14621,8 +14622,23 @@
                   </a:schemeClr>
                 </a:solidFill>
               </a:rPr>
-              <a:t>홈페이지</a:t>
+              <a:t>포탈</a:t>
             </a:r>
+            <a:endParaRPr lang="ko-KR" altLang="en-US" sz="1100" b="1" dirty="0">
+              <a:ln>
+                <a:solidFill>
+                  <a:schemeClr val="bg1">
+                    <a:lumMod val="85000"/>
+                    <a:alpha val="0"/>
+                  </a:schemeClr>
+                </a:solidFill>
+              </a:ln>
+              <a:solidFill>
+                <a:schemeClr val="accent6">
+                  <a:lumMod val="50000"/>
+                </a:schemeClr>
+              </a:solidFill>
+            </a:endParaRPr>
           </a:p>
         </p:txBody>
       </p:sp>
@@ -14921,7 +14937,7 @@
             <a:prstDash val="sysDash"/>
             <a:extLst>
               <a:ext uri="{C807C97D-BFC1-408E-A445-0C87EB9F89A2}">
-                <ask:lineSketchStyleProps xmlns:ask="http://schemas.microsoft.com/office/drawing/2018/sketchyshapes" sd="1219033472">
+                <ask:lineSketchStyleProps xmlns="" xmlns:ask="http://schemas.microsoft.com/office/drawing/2018/sketchyshapes" sd="1219033472">
                   <a:prstGeom prst="rect">
                     <a:avLst/>
                   </a:prstGeom>
@@ -21376,6 +21392,23 @@
 </file>
 
 <file path=customXml/item1.xml><?xml version="1.0" encoding="utf-8"?>
+<?mso-contentType ?>
+<FormTemplates xmlns="http://schemas.microsoft.com/sharepoint/v3/contenttype/forms">
+  <Display>DocumentLibraryForm</Display>
+  <Edit>DocumentLibraryForm</Edit>
+  <New>DocumentLibraryForm</New>
+</FormTemplates>
+</file>
+
+<file path=customXml/item2.xml><?xml version="1.0" encoding="utf-8"?>
+<p:properties xmlns:p="http://schemas.microsoft.com/office/2006/metadata/properties" xmlns:xsi="http://www.w3.org/2001/XMLSchema-instance" xmlns:pc="http://schemas.microsoft.com/office/infopath/2007/PartnerControls">
+  <documentManagement>
+    <_activity xmlns="004c3549-55d9-4609-8a36-cec1dcd634a5" xsi:nil="true"/>
+  </documentManagement>
+</p:properties>
+</file>
+
+<file path=customXml/item3.xml><?xml version="1.0" encoding="utf-8"?>
 <ct:contentTypeSchema xmlns:ct="http://schemas.microsoft.com/office/2006/metadata/contentType" xmlns:ma="http://schemas.microsoft.com/office/2006/metadata/properties/metaAttributes" ct:_="" ma:_="" ma:contentTypeName="Document" ma:contentTypeID="0x010100C5ECC120E6FB4F4F865CFEBC79383C10" ma:contentTypeVersion="14" ma:contentTypeDescription="Create a new document." ma:contentTypeScope="" ma:versionID="8e5941150d1d6034296ce6e2f4c30c5a">
   <xsd:schema xmlns:xsd="http://www.w3.org/2001/XMLSchema" xmlns:xs="http://www.w3.org/2001/XMLSchema" xmlns:p="http://schemas.microsoft.com/office/2006/metadata/properties" xmlns:ns3="004c3549-55d9-4609-8a36-cec1dcd634a5" xmlns:ns4="b8bbb838-277e-4a48-8250-7513e354bba9" targetNamespace="http://schemas.microsoft.com/office/2006/metadata/properties" ma:root="true" ma:fieldsID="8d50d5589407f2ef2102a8b2faab395c" ns3:_="" ns4:_="">
     <xsd:import namespace="004c3549-55d9-4609-8a36-cec1dcd634a5"/>
@@ -21604,24 +21637,32 @@
 </ct:contentTypeSchema>
 </file>
 
-<file path=customXml/item2.xml><?xml version="1.0" encoding="utf-8"?>
-<?mso-contentType ?>
-<FormTemplates xmlns="http://schemas.microsoft.com/sharepoint/v3/contenttype/forms">
-  <Display>DocumentLibraryForm</Display>
-  <Edit>DocumentLibraryForm</Edit>
-  <New>DocumentLibraryForm</New>
-</FormTemplates>
+<file path=customXml/itemProps1.xml><?xml version="1.0" encoding="utf-8"?>
+<ds:datastoreItem xmlns:ds="http://schemas.openxmlformats.org/officeDocument/2006/customXml" ds:itemID="{9560C613-0839-4018-A80A-662314AD1665}">
+  <ds:schemaRefs>
+    <ds:schemaRef ds:uri="http://schemas.microsoft.com/sharepoint/v3/contenttype/forms"/>
+  </ds:schemaRefs>
+</ds:datastoreItem>
 </file>
 
-<file path=customXml/item3.xml><?xml version="1.0" encoding="utf-8"?>
-<p:properties xmlns:p="http://schemas.microsoft.com/office/2006/metadata/properties" xmlns:xsi="http://www.w3.org/2001/XMLSchema-instance" xmlns:pc="http://schemas.microsoft.com/office/infopath/2007/PartnerControls">
-  <documentManagement>
-    <_activity xmlns="004c3549-55d9-4609-8a36-cec1dcd634a5" xsi:nil="true"/>
-  </documentManagement>
-</p:properties>
+<file path=customXml/itemProps2.xml><?xml version="1.0" encoding="utf-8"?>
+<ds:datastoreItem xmlns:ds="http://schemas.openxmlformats.org/officeDocument/2006/customXml" ds:itemID="{3FACAA09-AEDA-442F-A0FF-E7BAB4D6A425}">
+  <ds:schemaRefs>
+    <ds:schemaRef ds:uri="http://schemas.microsoft.com/office/2006/documentManagement/types"/>
+    <ds:schemaRef ds:uri="http://purl.org/dc/dcmitype/"/>
+    <ds:schemaRef ds:uri="b8bbb838-277e-4a48-8250-7513e354bba9"/>
+    <ds:schemaRef ds:uri="004c3549-55d9-4609-8a36-cec1dcd634a5"/>
+    <ds:schemaRef ds:uri="http://www.w3.org/XML/1998/namespace"/>
+    <ds:schemaRef ds:uri="http://schemas.microsoft.com/office/2006/metadata/properties"/>
+    <ds:schemaRef ds:uri="http://purl.org/dc/terms/"/>
+    <ds:schemaRef ds:uri="http://schemas.openxmlformats.org/package/2006/metadata/core-properties"/>
+    <ds:schemaRef ds:uri="http://purl.org/dc/elements/1.1/"/>
+    <ds:schemaRef ds:uri="http://schemas.microsoft.com/office/infopath/2007/PartnerControls"/>
+  </ds:schemaRefs>
+</ds:datastoreItem>
 </file>
 
-<file path=customXml/itemProps1.xml><?xml version="1.0" encoding="utf-8"?>
+<file path=customXml/itemProps3.xml><?xml version="1.0" encoding="utf-8"?>
 <ds:datastoreItem xmlns:ds="http://schemas.openxmlformats.org/officeDocument/2006/customXml" ds:itemID="{07447222-FAA1-459C-93D6-004820158AF1}">
   <ds:schemaRefs>
     <ds:schemaRef ds:uri="http://schemas.microsoft.com/office/2006/metadata/contentType"/>
@@ -21638,29 +21679,4 @@
     <ds:schemaRef ds:uri="http://schemas.microsoft.com/internal/obd"/>
   </ds:schemaRefs>
 </ds:datastoreItem>
-</file>
-
-<file path=customXml/itemProps2.xml><?xml version="1.0" encoding="utf-8"?>
-<ds:datastoreItem xmlns:ds="http://schemas.openxmlformats.org/officeDocument/2006/customXml" ds:itemID="{9560C613-0839-4018-A80A-662314AD1665}">
-  <ds:schemaRefs>
-    <ds:schemaRef ds:uri="http://schemas.microsoft.com/sharepoint/v3/contenttype/forms"/>
-  </ds:schemaRefs>
-</ds:datastoreItem>
-</file>
-
-<file path=customXml/itemProps3.xml><?xml version="1.0" encoding="utf-8"?>
-<ds:datastoreItem xmlns:ds="http://schemas.openxmlformats.org/officeDocument/2006/customXml" ds:itemID="{3FACAA09-AEDA-442F-A0FF-E7BAB4D6A425}">
-  <ds:schemaRefs>
-    <ds:schemaRef ds:uri="http://schemas.microsoft.com/office/2006/documentManagement/types"/>
-    <ds:schemaRef ds:uri="http://purl.org/dc/dcmitype/"/>
-    <ds:schemaRef ds:uri="b8bbb838-277e-4a48-8250-7513e354bba9"/>
-    <ds:schemaRef ds:uri="004c3549-55d9-4609-8a36-cec1dcd634a5"/>
-    <ds:schemaRef ds:uri="http://www.w3.org/XML/1998/namespace"/>
-    <ds:schemaRef ds:uri="http://schemas.microsoft.com/office/2006/metadata/properties"/>
-    <ds:schemaRef ds:uri="http://purl.org/dc/terms/"/>
-    <ds:schemaRef ds:uri="http://schemas.openxmlformats.org/package/2006/metadata/core-properties"/>
-    <ds:schemaRef ds:uri="http://purl.org/dc/elements/1.1/"/>
-    <ds:schemaRef ds:uri="http://schemas.microsoft.com/office/infopath/2007/PartnerControls"/>
-  </ds:schemaRefs>
-</ds:datastoreItem>
 </file>
--- a/Project File/직무과제 PT(오정택).pptx
+++ b/Project File/직무과제 PT(오정택).pptx
@@ -8,9 +8,9 @@
   <p:sldIdLst>
     <p:sldId id="262" r:id="rId6"/>
     <p:sldId id="324" r:id="rId7"/>
-    <p:sldId id="1621" r:id="rId8"/>
-    <p:sldId id="1620" r:id="rId9"/>
-    <p:sldId id="326" r:id="rId10"/>
+    <p:sldId id="326" r:id="rId8"/>
+    <p:sldId id="1621" r:id="rId9"/>
+    <p:sldId id="1620" r:id="rId10"/>
     <p:sldId id="323" r:id="rId11"/>
   </p:sldIdLst>
   <p:sldSz cx="12192000" cy="6858000"/>
@@ -9453,8 +9453,8 @@
         </p:nvSpPr>
         <p:spPr>
           <a:xfrm>
-            <a:off x="0" y="28053"/>
-            <a:ext cx="12192000" cy="6858000"/>
+            <a:off x="0" y="-5503"/>
+            <a:ext cx="12192000" cy="6863503"/>
           </a:xfrm>
           <a:prstGeom prst="rect">
             <a:avLst/>
@@ -11608,6 +11608,124 @@
       </p:sp>
       <p:sp>
         <p:nvSpPr>
+          <p:cNvPr id="2" name="TextBox 1">
+            <a:extLst>
+              <a:ext uri="{FF2B5EF4-FFF2-40B4-BE49-F238E27FC236}">
+                <a16:creationId xmlns:a16="http://schemas.microsoft.com/office/drawing/2014/main" id="{76D2FFC2-2AF3-670D-D95A-57285DA6806D}"/>
+              </a:ext>
+            </a:extLst>
+          </p:cNvPr>
+          <p:cNvSpPr txBox="1"/>
+          <p:nvPr/>
+        </p:nvSpPr>
+        <p:spPr>
+          <a:xfrm>
+            <a:off x="2696475" y="1560288"/>
+            <a:ext cx="4546901" cy="407882"/>
+          </a:xfrm>
+          <a:prstGeom prst="rect">
+            <a:avLst/>
+          </a:prstGeom>
+          <a:solidFill>
+            <a:schemeClr val="bg1"/>
+          </a:solidFill>
+          <a:ln>
+            <a:noFill/>
+          </a:ln>
+          <a:effectLst>
+            <a:outerShdw blurRad="304800" dist="190500" dir="5400000" algn="t" rotWithShape="0">
+              <a:prstClr val="black">
+                <a:alpha val="12000"/>
+              </a:prstClr>
+            </a:outerShdw>
+          </a:effectLst>
+        </p:spPr>
+        <p:style>
+          <a:lnRef idx="2">
+            <a:schemeClr val="accent1">
+              <a:shade val="50000"/>
+            </a:schemeClr>
+          </a:lnRef>
+          <a:fillRef idx="1">
+            <a:schemeClr val="accent1"/>
+          </a:fillRef>
+          <a:effectRef idx="0">
+            <a:schemeClr val="accent1"/>
+          </a:effectRef>
+          <a:fontRef idx="minor">
+            <a:schemeClr val="lt1"/>
+          </a:fontRef>
+        </p:style>
+        <p:txBody>
+          <a:bodyPr rtlCol="0" anchor="ctr"/>
+          <a:lstStyle>
+            <a:defPPr>
+              <a:defRPr lang="en-US"/>
+            </a:defPPr>
+            <a:lvl1pPr algn="ctr" latinLnBrk="0">
+              <a:defRPr/>
+            </a:lvl1pPr>
+            <a:lvl2pPr latinLnBrk="0">
+              <a:defRPr/>
+            </a:lvl2pPr>
+            <a:lvl3pPr latinLnBrk="0">
+              <a:defRPr/>
+            </a:lvl3pPr>
+            <a:lvl4pPr latinLnBrk="0">
+              <a:defRPr/>
+            </a:lvl4pPr>
+            <a:lvl5pPr latinLnBrk="0">
+              <a:defRPr/>
+            </a:lvl5pPr>
+            <a:lvl6pPr latinLnBrk="0">
+              <a:defRPr/>
+            </a:lvl6pPr>
+            <a:lvl7pPr latinLnBrk="0">
+              <a:defRPr/>
+            </a:lvl7pPr>
+            <a:lvl8pPr latinLnBrk="0">
+              <a:defRPr/>
+            </a:lvl8pPr>
+            <a:lvl9pPr latinLnBrk="0">
+              <a:defRPr/>
+            </a:lvl9pPr>
+          </a:lstStyle>
+          <a:p>
+            <a:pPr algn="l"/>
+            <a:r>
+              <a:rPr kumimoji="1" lang="ko-KR" altLang="en-US" sz="1200" dirty="0">
+                <a:ln w="6350">
+                  <a:solidFill>
+                    <a:prstClr val="white">
+                      <a:alpha val="0"/>
+                    </a:prstClr>
+                  </a:solidFill>
+                </a:ln>
+                <a:solidFill>
+                  <a:schemeClr val="tx1"/>
+                </a:solidFill>
+                <a:ea typeface="KoPub돋움체 Medium" panose="02020603020101020101" pitchFamily="18" charset="-127"/>
+              </a:rPr>
+              <a:t>과제 선정 및 요구사항 분석</a:t>
+            </a:r>
+            <a:endParaRPr kumimoji="1" lang="en-US" altLang="ko-KR" sz="1200" dirty="0">
+              <a:ln w="6350">
+                <a:solidFill>
+                  <a:prstClr val="white">
+                    <a:alpha val="0"/>
+                  </a:prstClr>
+                </a:solidFill>
+              </a:ln>
+              <a:solidFill>
+                <a:schemeClr val="tx1"/>
+              </a:solidFill>
+              <a:ea typeface="KoPub돋움체 Medium" panose="02020603020101020101" pitchFamily="18" charset="-127"/>
+            </a:endParaRPr>
+          </a:p>
+        </p:txBody>
+      </p:sp>
+      <p:sp>
+        <p:nvSpPr>
           <p:cNvPr id="3" name="TextBox 2">
             <a:extLst>
               <a:ext uri="{FF2B5EF4-FFF2-40B4-BE49-F238E27FC236}">
@@ -11693,7 +11811,7 @@
           <a:p>
             <a:pPr algn="l"/>
             <a:r>
-              <a:rPr kumimoji="1" lang="en-US" altLang="ko-KR" sz="1200" dirty="0" err="1" smtClean="0">
+              <a:rPr kumimoji="1" lang="en-US" altLang="ko-KR" sz="1200" dirty="0" err="1">
                 <a:ln w="6350">
                   <a:solidFill>
                     <a:prstClr val="white">
@@ -11710,7 +11828,7 @@
               <a:t>Naru</a:t>
             </a:r>
             <a:r>
-              <a:rPr kumimoji="1" lang="en-US" altLang="ko-KR" sz="1200" dirty="0" smtClean="0">
+              <a:rPr kumimoji="1" lang="en-US" altLang="ko-KR" sz="1200" dirty="0">
                 <a:ln w="6350">
                   <a:solidFill>
                     <a:prstClr val="white">
@@ -11727,7 +11845,7 @@
               <a:t>(SKT</a:t>
             </a:r>
             <a:r>
-              <a:rPr kumimoji="1" lang="ko-KR" altLang="en-US" sz="1200" dirty="0" smtClean="0">
+              <a:rPr kumimoji="1" lang="ko-KR" altLang="en-US" sz="1200" dirty="0">
                 <a:ln w="6350">
                   <a:solidFill>
                     <a:prstClr val="white">
@@ -11744,7 +11862,7 @@
               <a:t> </a:t>
             </a:r>
             <a:r>
-              <a:rPr kumimoji="1" lang="en-US" altLang="ko-KR" sz="1200" dirty="0" smtClean="0">
+              <a:rPr kumimoji="1" lang="en-US" altLang="ko-KR" sz="1200" dirty="0">
                 <a:ln w="6350">
                   <a:solidFill>
                     <a:prstClr val="white">
@@ -11761,7 +11879,7 @@
               <a:t>I/F</a:t>
             </a:r>
             <a:r>
-              <a:rPr kumimoji="1" lang="ko-KR" altLang="en-US" sz="1200" dirty="0" smtClean="0">
+              <a:rPr kumimoji="1" lang="ko-KR" altLang="en-US" sz="1200" dirty="0">
                 <a:ln w="6350">
                   <a:solidFill>
                     <a:prstClr val="white">
@@ -11778,7 +11896,7 @@
               <a:t> 관리 시스템</a:t>
             </a:r>
             <a:r>
-              <a:rPr kumimoji="1" lang="en-US" altLang="ko-KR" sz="1200" dirty="0" smtClean="0">
+              <a:rPr kumimoji="1" lang="en-US" altLang="ko-KR" sz="1200" dirty="0">
                 <a:ln w="6350">
                   <a:solidFill>
                     <a:prstClr val="white">
@@ -11795,7 +11913,7 @@
               <a:t>) </a:t>
             </a:r>
             <a:r>
-              <a:rPr kumimoji="1" lang="ko-KR" altLang="en-US" sz="1200" dirty="0" smtClean="0">
+              <a:rPr kumimoji="1" lang="ko-KR" altLang="en-US" sz="1200" dirty="0">
                 <a:ln w="6350">
                   <a:solidFill>
                     <a:prstClr val="white">
@@ -11812,7 +11930,7 @@
               <a:t>담당자 교육 및 </a:t>
             </a:r>
             <a:r>
-              <a:rPr kumimoji="1" lang="en-US" altLang="ko-KR" sz="1200" dirty="0" smtClean="0">
+              <a:rPr kumimoji="1" lang="en-US" altLang="ko-KR" sz="1200" dirty="0">
                 <a:ln w="6350">
                   <a:solidFill>
                     <a:prstClr val="white">
@@ -11829,7 +11947,7 @@
               <a:t>Layout</a:t>
             </a:r>
             <a:r>
-              <a:rPr kumimoji="1" lang="ko-KR" altLang="en-US" sz="1200" dirty="0" smtClean="0">
+              <a:rPr kumimoji="1" lang="ko-KR" altLang="en-US" sz="1200" dirty="0">
                 <a:ln w="6350">
                   <a:solidFill>
                     <a:prstClr val="white">
@@ -13554,36 +13672,70 @@
           </a:p>
         </p:txBody>
       </p:sp>
+    </p:spTree>
+    <p:extLst>
+      <p:ext uri="{BB962C8B-B14F-4D97-AF65-F5344CB8AC3E}">
+        <p14:creationId xmlns:p14="http://schemas.microsoft.com/office/powerpoint/2010/main" val="1849108187"/>
+      </p:ext>
+    </p:extLst>
+  </p:cSld>
+  <p:clrMapOvr>
+    <a:masterClrMapping/>
+  </p:clrMapOvr>
+</p:sld>
+</file>
+
+<file path=ppt/slides/slide3.xml><?xml version="1.0" encoding="utf-8"?>
+<p:sld xmlns:a="http://schemas.openxmlformats.org/drawingml/2006/main" xmlns:r="http://schemas.openxmlformats.org/officeDocument/2006/relationships" xmlns:p="http://schemas.openxmlformats.org/presentationml/2006/main">
+  <p:cSld>
+    <p:spTree>
+      <p:nvGrpSpPr>
+        <p:cNvPr id="1" name=""/>
+        <p:cNvGrpSpPr/>
+        <p:nvPr/>
+      </p:nvGrpSpPr>
+      <p:grpSpPr>
+        <a:xfrm>
+          <a:off x="0" y="0"/>
+          <a:ext cx="0" cy="0"/>
+          <a:chOff x="0" y="0"/>
+          <a:chExt cx="0" cy="0"/>
+        </a:xfrm>
+      </p:grpSpPr>
       <p:sp>
         <p:nvSpPr>
-          <p:cNvPr id="30" name="TextBox 29">
+          <p:cNvPr id="2" name="사각형: 둥근 모서리 1">
             <a:extLst>
               <a:ext uri="{FF2B5EF4-FFF2-40B4-BE49-F238E27FC236}">
-                <a16:creationId xmlns:a16="http://schemas.microsoft.com/office/drawing/2014/main" id="{BFA94509-FC62-D178-77DB-0468534A7A2E}"/>
+                <a16:creationId xmlns:a16="http://schemas.microsoft.com/office/drawing/2014/main" id="{EF5BFC4C-0EBE-E441-F07F-771C83072F8C}"/>
               </a:ext>
             </a:extLst>
           </p:cNvPr>
-          <p:cNvSpPr txBox="1"/>
+          <p:cNvSpPr/>
           <p:nvPr/>
         </p:nvSpPr>
         <p:spPr>
           <a:xfrm>
-            <a:off x="2691869" y="1560288"/>
-            <a:ext cx="4546901" cy="407882"/>
+            <a:off x="1883301" y="2119036"/>
+            <a:ext cx="3519851" cy="3107304"/>
           </a:xfrm>
-          <a:prstGeom prst="rect">
+          <a:prstGeom prst="roundRect">
             <a:avLst/>
           </a:prstGeom>
           <a:solidFill>
             <a:schemeClr val="bg1"/>
           </a:solidFill>
-          <a:ln>
-            <a:noFill/>
+          <a:ln w="25400">
+            <a:solidFill>
+              <a:schemeClr val="accent6">
+                <a:lumMod val="50000"/>
+              </a:schemeClr>
+            </a:solidFill>
           </a:ln>
           <a:effectLst>
-            <a:outerShdw blurRad="304800" dist="190500" dir="5400000" algn="t" rotWithShape="0">
+            <a:outerShdw blurRad="50800" dist="38100" dir="2700000" algn="tl" rotWithShape="0">
               <a:prstClr val="black">
-                <a:alpha val="12000"/>
+                <a:alpha val="40000"/>
               </a:prstClr>
             </a:outerShdw>
           </a:effectLst>
@@ -13606,43 +13758,812 @@
         </p:style>
         <p:txBody>
           <a:bodyPr rtlCol="0" anchor="ctr"/>
+          <a:lstStyle/>
+          <a:p>
+            <a:pPr>
+              <a:lnSpc>
+                <a:spcPct val="130000"/>
+              </a:lnSpc>
+              <a:spcBef>
+                <a:spcPts val="600"/>
+              </a:spcBef>
+            </a:pPr>
+            <a:r>
+              <a:rPr lang="en-US" altLang="ko-KR" sz="1200" b="1" dirty="0">
+                <a:ln>
+                  <a:solidFill>
+                    <a:schemeClr val="bg1">
+                      <a:lumMod val="85000"/>
+                      <a:alpha val="0"/>
+                    </a:schemeClr>
+                  </a:solidFill>
+                </a:ln>
+                <a:solidFill>
+                  <a:schemeClr val="tx1"/>
+                </a:solidFill>
+              </a:rPr>
+              <a:t>Frontend: </a:t>
+            </a:r>
+          </a:p>
+          <a:p>
+            <a:pPr>
+              <a:lnSpc>
+                <a:spcPct val="130000"/>
+              </a:lnSpc>
+              <a:spcBef>
+                <a:spcPts val="600"/>
+              </a:spcBef>
+            </a:pPr>
+            <a:r>
+              <a:rPr lang="en-US" altLang="ko-KR" sz="1200" dirty="0">
+                <a:ln>
+                  <a:solidFill>
+                    <a:schemeClr val="bg1">
+                      <a:lumMod val="85000"/>
+                      <a:alpha val="0"/>
+                    </a:schemeClr>
+                  </a:solidFill>
+                </a:ln>
+                <a:solidFill>
+                  <a:schemeClr val="tx1"/>
+                </a:solidFill>
+              </a:rPr>
+              <a:t>Vue.js (2.7.16), Node.js (20.15.0)</a:t>
+            </a:r>
+          </a:p>
+          <a:p>
+            <a:pPr>
+              <a:lnSpc>
+                <a:spcPct val="130000"/>
+              </a:lnSpc>
+              <a:spcBef>
+                <a:spcPts val="600"/>
+              </a:spcBef>
+            </a:pPr>
+            <a:endParaRPr lang="en-US" altLang="ko-KR" sz="1200" dirty="0">
+              <a:ln>
+                <a:solidFill>
+                  <a:schemeClr val="bg1">
+                    <a:lumMod val="85000"/>
+                    <a:alpha val="0"/>
+                  </a:schemeClr>
+                </a:solidFill>
+              </a:ln>
+              <a:solidFill>
+                <a:schemeClr val="tx1"/>
+              </a:solidFill>
+            </a:endParaRPr>
+          </a:p>
+          <a:p>
+            <a:pPr>
+              <a:lnSpc>
+                <a:spcPct val="130000"/>
+              </a:lnSpc>
+              <a:spcBef>
+                <a:spcPts val="600"/>
+              </a:spcBef>
+            </a:pPr>
+            <a:r>
+              <a:rPr lang="en-US" altLang="ko-KR" sz="1200" b="1" dirty="0">
+                <a:ln>
+                  <a:solidFill>
+                    <a:schemeClr val="bg1">
+                      <a:lumMod val="85000"/>
+                      <a:alpha val="0"/>
+                    </a:schemeClr>
+                  </a:solidFill>
+                </a:ln>
+                <a:solidFill>
+                  <a:schemeClr val="tx1"/>
+                </a:solidFill>
+              </a:rPr>
+              <a:t>Backend: </a:t>
+            </a:r>
+          </a:p>
+          <a:p>
+            <a:pPr>
+              <a:lnSpc>
+                <a:spcPct val="130000"/>
+              </a:lnSpc>
+              <a:spcBef>
+                <a:spcPts val="600"/>
+              </a:spcBef>
+            </a:pPr>
+            <a:r>
+              <a:rPr lang="en-US" altLang="ko-KR" sz="1200" dirty="0" err="1">
+                <a:ln>
+                  <a:solidFill>
+                    <a:schemeClr val="bg1">
+                      <a:lumMod val="85000"/>
+                      <a:alpha val="0"/>
+                    </a:schemeClr>
+                  </a:solidFill>
+                </a:ln>
+                <a:solidFill>
+                  <a:schemeClr val="tx1"/>
+                </a:solidFill>
+              </a:rPr>
+              <a:t>SpringBoot</a:t>
+            </a:r>
+            <a:r>
+              <a:rPr lang="en-US" altLang="ko-KR" sz="1200" dirty="0">
+                <a:ln>
+                  <a:solidFill>
+                    <a:schemeClr val="bg1">
+                      <a:lumMod val="85000"/>
+                      <a:alpha val="0"/>
+                    </a:schemeClr>
+                  </a:solidFill>
+                </a:ln>
+                <a:solidFill>
+                  <a:schemeClr val="tx1"/>
+                </a:solidFill>
+              </a:rPr>
+              <a:t> (3.0.3), Java (17</a:t>
+            </a:r>
+            <a:r>
+              <a:rPr lang="en-US" altLang="zh-CN" sz="1200" dirty="0">
+                <a:ln>
+                  <a:solidFill>
+                    <a:schemeClr val="bg1">
+                      <a:lumMod val="85000"/>
+                      <a:alpha val="0"/>
+                    </a:schemeClr>
+                  </a:solidFill>
+                </a:ln>
+                <a:solidFill>
+                  <a:schemeClr val="tx1"/>
+                </a:solidFill>
+              </a:rPr>
+              <a:t>)</a:t>
+            </a:r>
+            <a:r>
+              <a:rPr lang="en-US" altLang="ko-KR" sz="1200" dirty="0">
+                <a:ln>
+                  <a:solidFill>
+                    <a:schemeClr val="bg1">
+                      <a:lumMod val="85000"/>
+                      <a:alpha val="0"/>
+                    </a:schemeClr>
+                  </a:solidFill>
+                </a:ln>
+                <a:solidFill>
+                  <a:schemeClr val="tx1"/>
+                </a:solidFill>
+              </a:rPr>
+              <a:t>, Tomcat (9.0.9) </a:t>
+            </a:r>
+          </a:p>
+          <a:p>
+            <a:pPr>
+              <a:lnSpc>
+                <a:spcPct val="130000"/>
+              </a:lnSpc>
+              <a:spcBef>
+                <a:spcPts val="600"/>
+              </a:spcBef>
+            </a:pPr>
+            <a:endParaRPr lang="en-US" altLang="ko-KR" sz="1200" dirty="0">
+              <a:ln>
+                <a:solidFill>
+                  <a:schemeClr val="bg1">
+                    <a:lumMod val="85000"/>
+                    <a:alpha val="0"/>
+                  </a:schemeClr>
+                </a:solidFill>
+              </a:ln>
+              <a:solidFill>
+                <a:schemeClr val="tx1"/>
+              </a:solidFill>
+            </a:endParaRPr>
+          </a:p>
+          <a:p>
+            <a:pPr>
+              <a:lnSpc>
+                <a:spcPct val="130000"/>
+              </a:lnSpc>
+              <a:spcBef>
+                <a:spcPts val="600"/>
+              </a:spcBef>
+            </a:pPr>
+            <a:r>
+              <a:rPr lang="en-US" altLang="ko-KR" sz="1200" b="1" dirty="0">
+                <a:ln>
+                  <a:solidFill>
+                    <a:schemeClr val="bg1">
+                      <a:lumMod val="85000"/>
+                      <a:alpha val="0"/>
+                    </a:schemeClr>
+                  </a:solidFill>
+                </a:ln>
+                <a:solidFill>
+                  <a:schemeClr val="tx1"/>
+                </a:solidFill>
+              </a:rPr>
+              <a:t>Database: </a:t>
+            </a:r>
+          </a:p>
+          <a:p>
+            <a:pPr>
+              <a:lnSpc>
+                <a:spcPct val="130000"/>
+              </a:lnSpc>
+              <a:spcBef>
+                <a:spcPts val="600"/>
+              </a:spcBef>
+            </a:pPr>
+            <a:r>
+              <a:rPr lang="en-US" altLang="ko-KR" sz="1200" dirty="0">
+                <a:ln>
+                  <a:solidFill>
+                    <a:schemeClr val="bg1">
+                      <a:lumMod val="85000"/>
+                      <a:alpha val="0"/>
+                    </a:schemeClr>
+                  </a:solidFill>
+                </a:ln>
+                <a:solidFill>
+                  <a:schemeClr val="tx1"/>
+                </a:solidFill>
+              </a:rPr>
+              <a:t>MariaDB (12.8.0)</a:t>
+            </a:r>
+          </a:p>
+        </p:txBody>
+      </p:sp>
+      <p:sp>
+        <p:nvSpPr>
+          <p:cNvPr id="22" name="사각형: 둥근 모서리 21">
+            <a:extLst>
+              <a:ext uri="{FF2B5EF4-FFF2-40B4-BE49-F238E27FC236}">
+                <a16:creationId xmlns:a16="http://schemas.microsoft.com/office/drawing/2014/main" id="{7AA59955-E8B4-8C76-A598-2E705E76B262}"/>
+              </a:ext>
+            </a:extLst>
+          </p:cNvPr>
+          <p:cNvSpPr/>
+          <p:nvPr/>
+        </p:nvSpPr>
+        <p:spPr>
+          <a:xfrm>
+            <a:off x="6614375" y="2119036"/>
+            <a:ext cx="3519851" cy="3107304"/>
+          </a:xfrm>
+          <a:prstGeom prst="roundRect">
+            <a:avLst/>
+          </a:prstGeom>
+          <a:solidFill>
+            <a:schemeClr val="bg1"/>
+          </a:solidFill>
+          <a:ln w="25400">
+            <a:solidFill>
+              <a:schemeClr val="accent6">
+                <a:lumMod val="50000"/>
+              </a:schemeClr>
+            </a:solidFill>
+          </a:ln>
+          <a:effectLst>
+            <a:outerShdw blurRad="50800" dist="38100" dir="2700000" algn="tl" rotWithShape="0">
+              <a:prstClr val="black">
+                <a:alpha val="40000"/>
+              </a:prstClr>
+            </a:outerShdw>
+          </a:effectLst>
+        </p:spPr>
+        <p:style>
+          <a:lnRef idx="2">
+            <a:schemeClr val="accent1">
+              <a:shade val="50000"/>
+            </a:schemeClr>
+          </a:lnRef>
+          <a:fillRef idx="1">
+            <a:schemeClr val="accent1"/>
+          </a:fillRef>
+          <a:effectRef idx="0">
+            <a:schemeClr val="accent1"/>
+          </a:effectRef>
+          <a:fontRef idx="minor">
+            <a:schemeClr val="lt1"/>
+          </a:fontRef>
+        </p:style>
+        <p:txBody>
+          <a:bodyPr rtlCol="0" anchor="ctr"/>
+          <a:lstStyle/>
+          <a:p>
+            <a:pPr>
+              <a:lnSpc>
+                <a:spcPct val="130000"/>
+              </a:lnSpc>
+              <a:spcBef>
+                <a:spcPts val="600"/>
+              </a:spcBef>
+            </a:pPr>
+            <a:r>
+              <a:rPr lang="en-US" altLang="ko-KR" sz="1200" b="1" dirty="0">
+                <a:ln>
+                  <a:solidFill>
+                    <a:schemeClr val="bg1">
+                      <a:lumMod val="85000"/>
+                      <a:alpha val="0"/>
+                    </a:schemeClr>
+                  </a:solidFill>
+                </a:ln>
+                <a:solidFill>
+                  <a:schemeClr val="tx1"/>
+                </a:solidFill>
+              </a:rPr>
+              <a:t>Layout: </a:t>
+            </a:r>
+          </a:p>
+          <a:p>
+            <a:pPr>
+              <a:lnSpc>
+                <a:spcPct val="130000"/>
+              </a:lnSpc>
+              <a:spcBef>
+                <a:spcPts val="600"/>
+              </a:spcBef>
+            </a:pPr>
+            <a:r>
+              <a:rPr lang="en-US" altLang="ko-KR" sz="1200" dirty="0">
+                <a:ln>
+                  <a:solidFill>
+                    <a:schemeClr val="bg1">
+                      <a:lumMod val="85000"/>
+                      <a:alpha val="0"/>
+                    </a:schemeClr>
+                  </a:solidFill>
+                </a:ln>
+                <a:solidFill>
+                  <a:schemeClr val="tx1"/>
+                </a:solidFill>
+              </a:rPr>
+              <a:t>NARU (SKT I/F </a:t>
+            </a:r>
+            <a:r>
+              <a:rPr lang="ko-KR" altLang="en-US" sz="1200" dirty="0">
+                <a:ln>
+                  <a:solidFill>
+                    <a:schemeClr val="bg1">
+                      <a:lumMod val="85000"/>
+                      <a:alpha val="0"/>
+                    </a:schemeClr>
+                  </a:solidFill>
+                </a:ln>
+                <a:solidFill>
+                  <a:schemeClr val="tx1"/>
+                </a:solidFill>
+              </a:rPr>
+              <a:t>관리 시스템</a:t>
+            </a:r>
+            <a:r>
+              <a:rPr lang="en-US" altLang="ko-KR" sz="1200" dirty="0">
+                <a:ln>
+                  <a:solidFill>
+                    <a:schemeClr val="bg1">
+                      <a:lumMod val="85000"/>
+                      <a:alpha val="0"/>
+                    </a:schemeClr>
+                  </a:solidFill>
+                </a:ln>
+                <a:solidFill>
+                  <a:schemeClr val="tx1"/>
+                </a:solidFill>
+              </a:rPr>
+              <a:t>)</a:t>
+            </a:r>
+          </a:p>
+          <a:p>
+            <a:pPr>
+              <a:lnSpc>
+                <a:spcPct val="130000"/>
+              </a:lnSpc>
+              <a:spcBef>
+                <a:spcPts val="600"/>
+              </a:spcBef>
+            </a:pPr>
+            <a:endParaRPr lang="en-US" altLang="ko-KR" sz="1200" dirty="0">
+              <a:ln>
+                <a:solidFill>
+                  <a:schemeClr val="bg1">
+                    <a:lumMod val="85000"/>
+                    <a:alpha val="0"/>
+                  </a:schemeClr>
+                </a:solidFill>
+              </a:ln>
+              <a:solidFill>
+                <a:schemeClr val="tx1"/>
+              </a:solidFill>
+            </a:endParaRPr>
+          </a:p>
+          <a:p>
+            <a:pPr>
+              <a:lnSpc>
+                <a:spcPct val="130000"/>
+              </a:lnSpc>
+              <a:spcBef>
+                <a:spcPts val="600"/>
+              </a:spcBef>
+            </a:pPr>
+            <a:r>
+              <a:rPr lang="ko-KR" altLang="en-US" sz="1200" b="1" dirty="0">
+                <a:ln>
+                  <a:solidFill>
+                    <a:schemeClr val="bg1">
+                      <a:lumMod val="85000"/>
+                      <a:alpha val="0"/>
+                    </a:schemeClr>
+                  </a:solidFill>
+                </a:ln>
+                <a:solidFill>
+                  <a:schemeClr val="tx1"/>
+                </a:solidFill>
+              </a:rPr>
+              <a:t>실시간 검색</a:t>
+            </a:r>
+            <a:r>
+              <a:rPr lang="en-US" altLang="ko-KR" sz="1200" b="1" dirty="0">
+                <a:ln>
+                  <a:solidFill>
+                    <a:schemeClr val="bg1">
+                      <a:lumMod val="85000"/>
+                      <a:alpha val="0"/>
+                    </a:schemeClr>
+                  </a:solidFill>
+                </a:ln>
+                <a:solidFill>
+                  <a:schemeClr val="tx1"/>
+                </a:solidFill>
+              </a:rPr>
+              <a:t>: </a:t>
+            </a:r>
+          </a:p>
+          <a:p>
+            <a:pPr>
+              <a:lnSpc>
+                <a:spcPct val="130000"/>
+              </a:lnSpc>
+              <a:spcBef>
+                <a:spcPts val="600"/>
+              </a:spcBef>
+            </a:pPr>
+            <a:r>
+              <a:rPr lang="en-US" altLang="ko-KR" sz="1200" dirty="0">
+                <a:ln>
+                  <a:solidFill>
+                    <a:schemeClr val="bg1">
+                      <a:lumMod val="85000"/>
+                      <a:alpha val="0"/>
+                    </a:schemeClr>
+                  </a:solidFill>
+                </a:ln>
+                <a:solidFill>
+                  <a:schemeClr val="tx1"/>
+                </a:solidFill>
+              </a:rPr>
+              <a:t>Ajax</a:t>
+            </a:r>
+          </a:p>
+          <a:p>
+            <a:pPr>
+              <a:lnSpc>
+                <a:spcPct val="130000"/>
+              </a:lnSpc>
+              <a:spcBef>
+                <a:spcPts val="600"/>
+              </a:spcBef>
+            </a:pPr>
+            <a:endParaRPr lang="en-US" altLang="ko-KR" sz="1200" dirty="0">
+              <a:ln>
+                <a:solidFill>
+                  <a:schemeClr val="bg1">
+                    <a:lumMod val="85000"/>
+                    <a:alpha val="0"/>
+                  </a:schemeClr>
+                </a:solidFill>
+              </a:ln>
+              <a:solidFill>
+                <a:schemeClr val="tx1"/>
+              </a:solidFill>
+            </a:endParaRPr>
+          </a:p>
+          <a:p>
+            <a:pPr>
+              <a:lnSpc>
+                <a:spcPct val="130000"/>
+              </a:lnSpc>
+              <a:spcBef>
+                <a:spcPts val="600"/>
+              </a:spcBef>
+            </a:pPr>
+            <a:r>
+              <a:rPr lang="ko-KR" altLang="en-US" sz="1200" b="1" dirty="0">
+                <a:ln>
+                  <a:solidFill>
+                    <a:schemeClr val="bg1">
+                      <a:lumMod val="85000"/>
+                      <a:alpha val="0"/>
+                    </a:schemeClr>
+                  </a:solidFill>
+                </a:ln>
+                <a:solidFill>
+                  <a:schemeClr val="tx1"/>
+                </a:solidFill>
+              </a:rPr>
+              <a:t>접근 권한 </a:t>
+            </a:r>
+            <a:r>
+              <a:rPr lang="en-US" altLang="ko-KR" sz="1200" b="1" dirty="0">
+                <a:ln>
+                  <a:solidFill>
+                    <a:schemeClr val="bg1">
+                      <a:lumMod val="85000"/>
+                      <a:alpha val="0"/>
+                    </a:schemeClr>
+                  </a:solidFill>
+                </a:ln>
+                <a:solidFill>
+                  <a:schemeClr val="tx1"/>
+                </a:solidFill>
+              </a:rPr>
+              <a:t>&amp; </a:t>
+            </a:r>
+            <a:r>
+              <a:rPr lang="ko-KR" altLang="en-US" sz="1200" b="1" dirty="0" err="1">
+                <a:ln>
+                  <a:solidFill>
+                    <a:schemeClr val="bg1">
+                      <a:lumMod val="85000"/>
+                      <a:alpha val="0"/>
+                    </a:schemeClr>
+                  </a:solidFill>
+                </a:ln>
+                <a:solidFill>
+                  <a:schemeClr val="tx1"/>
+                </a:solidFill>
+              </a:rPr>
+              <a:t>인터셉터</a:t>
+            </a:r>
+            <a:r>
+              <a:rPr lang="ko-KR" altLang="en-US" sz="1200" b="1" dirty="0">
+                <a:ln>
+                  <a:solidFill>
+                    <a:schemeClr val="bg1">
+                      <a:lumMod val="85000"/>
+                      <a:alpha val="0"/>
+                    </a:schemeClr>
+                  </a:solidFill>
+                </a:ln>
+                <a:solidFill>
+                  <a:schemeClr val="tx1"/>
+                </a:solidFill>
+              </a:rPr>
+              <a:t> </a:t>
+            </a:r>
+            <a:r>
+              <a:rPr lang="en-US" altLang="ko-KR" sz="1200" b="1" dirty="0">
+                <a:ln>
+                  <a:solidFill>
+                    <a:schemeClr val="bg1">
+                      <a:lumMod val="85000"/>
+                      <a:alpha val="0"/>
+                    </a:schemeClr>
+                  </a:solidFill>
+                </a:ln>
+                <a:solidFill>
+                  <a:schemeClr val="tx1"/>
+                </a:solidFill>
+              </a:rPr>
+              <a:t>: </a:t>
+            </a:r>
+          </a:p>
+          <a:p>
+            <a:pPr>
+              <a:lnSpc>
+                <a:spcPct val="130000"/>
+              </a:lnSpc>
+              <a:spcBef>
+                <a:spcPts val="600"/>
+              </a:spcBef>
+            </a:pPr>
+            <a:r>
+              <a:rPr lang="en-US" altLang="ko-KR" sz="1200" dirty="0" err="1">
+                <a:ln>
+                  <a:solidFill>
+                    <a:schemeClr val="bg1">
+                      <a:lumMod val="85000"/>
+                      <a:alpha val="0"/>
+                    </a:schemeClr>
+                  </a:solidFill>
+                </a:ln>
+                <a:solidFill>
+                  <a:schemeClr val="tx1"/>
+                </a:solidFill>
+              </a:rPr>
+              <a:t>Json</a:t>
+            </a:r>
+            <a:r>
+              <a:rPr lang="en-US" altLang="ko-KR" sz="1200" dirty="0">
+                <a:ln>
+                  <a:solidFill>
+                    <a:schemeClr val="bg1">
+                      <a:lumMod val="85000"/>
+                      <a:alpha val="0"/>
+                    </a:schemeClr>
+                  </a:solidFill>
+                </a:ln>
+                <a:solidFill>
+                  <a:schemeClr val="tx1"/>
+                </a:solidFill>
+              </a:rPr>
+              <a:t> Web Token + Route Guards </a:t>
+            </a:r>
+          </a:p>
+        </p:txBody>
+      </p:sp>
+      <p:sp>
+        <p:nvSpPr>
+          <p:cNvPr id="23" name="TextBox 22">
+            <a:extLst>
+              <a:ext uri="{FF2B5EF4-FFF2-40B4-BE49-F238E27FC236}">
+                <a16:creationId xmlns:a16="http://schemas.microsoft.com/office/drawing/2014/main" id="{06101AFB-6965-E288-CD27-8A9466207B48}"/>
+              </a:ext>
+            </a:extLst>
+          </p:cNvPr>
+          <p:cNvSpPr txBox="1"/>
+          <p:nvPr/>
+        </p:nvSpPr>
+        <p:spPr>
+          <a:xfrm>
+            <a:off x="2778793" y="1562971"/>
+            <a:ext cx="1728868" cy="282768"/>
+          </a:xfrm>
+          <a:prstGeom prst="rect">
+            <a:avLst/>
+          </a:prstGeom>
+          <a:solidFill>
+            <a:schemeClr val="accent6">
+              <a:lumMod val="20000"/>
+              <a:lumOff val="80000"/>
+            </a:schemeClr>
+          </a:solidFill>
+          <a:ln w="19050">
+            <a:noFill/>
+          </a:ln>
+        </p:spPr>
+        <p:style>
+          <a:lnRef idx="2">
+            <a:schemeClr val="accent1">
+              <a:shade val="50000"/>
+            </a:schemeClr>
+          </a:lnRef>
+          <a:fillRef idx="1">
+            <a:schemeClr val="accent1"/>
+          </a:fillRef>
+          <a:effectRef idx="0">
+            <a:schemeClr val="accent1"/>
+          </a:effectRef>
+          <a:fontRef idx="minor">
+            <a:schemeClr val="lt1"/>
+          </a:fontRef>
+        </p:style>
+        <p:txBody>
+          <a:bodyPr lIns="0" rIns="0" rtlCol="0" anchor="ctr">
+            <a:scene3d>
+              <a:camera prst="orthographicFront"/>
+              <a:lightRig rig="threePt" dir="t"/>
+            </a:scene3d>
+            <a:sp3d>
+              <a:bevelT w="0" h="0"/>
+              <a:bevelB w="0" h="0"/>
+              <a:contourClr>
+                <a:schemeClr val="tx1">
+                  <a:lumMod val="65000"/>
+                  <a:lumOff val="35000"/>
+                </a:schemeClr>
+              </a:contourClr>
+            </a:sp3d>
+          </a:bodyPr>
           <a:lstStyle>
             <a:defPPr>
-              <a:defRPr lang="en-US"/>
+              <a:defRPr lang="ko-KR"/>
             </a:defPPr>
-            <a:lvl1pPr algn="ctr" latinLnBrk="0">
-              <a:defRPr/>
+            <a:lvl1pPr defTabSz="1090422">
+              <a:defRPr sz="2100">
+                <a:solidFill>
+                  <a:schemeClr val="lt1"/>
+                </a:solidFill>
+              </a:defRPr>
             </a:lvl1pPr>
-            <a:lvl2pPr latinLnBrk="0">
-              <a:defRPr/>
+            <a:lvl2pPr marL="0" lvl="1" algn="ctr" defTabSz="1067426">
+              <a:lnSpc>
+                <a:spcPct val="90000"/>
+              </a:lnSpc>
+              <a:buClr>
+                <a:srgbClr val="3271AA"/>
+              </a:buClr>
+              <a:buSzPct val="140000"/>
+              <a:tabLst>
+                <a:tab pos="814888" algn="l"/>
+              </a:tabLst>
+              <a:defRPr sz="1200">
+                <a:ln>
+                  <a:noFill/>
+                </a:ln>
+                <a:solidFill>
+                  <a:schemeClr val="tx1">
+                    <a:lumMod val="85000"/>
+                    <a:lumOff val="15000"/>
+                  </a:schemeClr>
+                </a:solidFill>
+                <a:latin typeface="Arial" pitchFamily="34" charset="0"/>
+                <a:ea typeface="맑은 고딕" pitchFamily="50" charset="-127"/>
+                <a:cs typeface="Arial" pitchFamily="34" charset="0"/>
+              </a:defRPr>
             </a:lvl2pPr>
-            <a:lvl3pPr latinLnBrk="0">
-              <a:defRPr/>
+            <a:lvl3pPr marL="1090422" defTabSz="1090422">
+              <a:defRPr sz="2100">
+                <a:solidFill>
+                  <a:schemeClr val="lt1"/>
+                </a:solidFill>
+              </a:defRPr>
             </a:lvl3pPr>
-            <a:lvl4pPr latinLnBrk="0">
-              <a:defRPr/>
+            <a:lvl4pPr marL="1635633" defTabSz="1090422">
+              <a:defRPr sz="2100">
+                <a:solidFill>
+                  <a:schemeClr val="lt1"/>
+                </a:solidFill>
+              </a:defRPr>
             </a:lvl4pPr>
-            <a:lvl5pPr latinLnBrk="0">
-              <a:defRPr/>
+            <a:lvl5pPr marL="2180844" defTabSz="1090422">
+              <a:defRPr sz="2100">
+                <a:solidFill>
+                  <a:schemeClr val="lt1"/>
+                </a:solidFill>
+              </a:defRPr>
             </a:lvl5pPr>
-            <a:lvl6pPr latinLnBrk="0">
-              <a:defRPr/>
+            <a:lvl6pPr marL="2726055" defTabSz="1090422">
+              <a:defRPr sz="2100">
+                <a:solidFill>
+                  <a:schemeClr val="lt1"/>
+                </a:solidFill>
+              </a:defRPr>
             </a:lvl6pPr>
-            <a:lvl7pPr latinLnBrk="0">
-              <a:defRPr/>
+            <a:lvl7pPr marL="3271266" defTabSz="1090422">
+              <a:defRPr sz="2100">
+                <a:solidFill>
+                  <a:schemeClr val="lt1"/>
+                </a:solidFill>
+              </a:defRPr>
             </a:lvl7pPr>
-            <a:lvl8pPr latinLnBrk="0">
-              <a:defRPr/>
+            <a:lvl8pPr marL="3816477" defTabSz="1090422">
+              <a:defRPr sz="2100">
+                <a:solidFill>
+                  <a:schemeClr val="lt1"/>
+                </a:solidFill>
+              </a:defRPr>
             </a:lvl8pPr>
-            <a:lvl9pPr latinLnBrk="0">
-              <a:defRPr/>
+            <a:lvl9pPr marL="4361688" defTabSz="1090422">
+              <a:defRPr sz="2100">
+                <a:solidFill>
+                  <a:schemeClr val="lt1"/>
+                </a:solidFill>
+              </a:defRPr>
             </a:lvl9pPr>
           </a:lstStyle>
           <a:p>
-            <a:pPr algn="l"/>
+            <a:pPr indent="-96471" algn="ctr" defTabSz="945888" fontAlgn="base" latinLnBrk="0">
+              <a:spcBef>
+                <a:spcPct val="0"/>
+              </a:spcBef>
+              <a:buSzPct val="80000"/>
+              <a:tabLst>
+                <a:tab pos="5461679" algn="l"/>
+              </a:tabLst>
+              <a:defRPr/>
+            </a:pPr>
             <a:r>
-              <a:rPr kumimoji="1" lang="ko-KR" altLang="en-US" sz="1200" dirty="0" smtClean="0">
-                <a:ln w="6350">
+              <a:rPr kumimoji="1" lang="ko-KR" altLang="en-US" sz="1200" b="1" dirty="0">
+                <a:ln>
                   <a:solidFill>
                     <a:prstClr val="white">
                       <a:alpha val="0"/>
@@ -13650,33 +14571,273 @@
                   </a:solidFill>
                 </a:ln>
                 <a:solidFill>
+                  <a:prstClr val="black">
+                    <a:lumMod val="85000"/>
+                    <a:lumOff val="15000"/>
+                  </a:prstClr>
+                </a:solidFill>
+                <a:latin typeface="KoPub돋움체 Bold" panose="02020603020101020101" pitchFamily="18" charset="-127"/>
+                <a:ea typeface="KoPub돋움체 Bold" panose="02020603020101020101" pitchFamily="18" charset="-127"/>
+                <a:sym typeface="KoPub돋움체 Medium"/>
+              </a:rPr>
+              <a:t>기술 스택</a:t>
+            </a:r>
+          </a:p>
+        </p:txBody>
+      </p:sp>
+      <p:sp>
+        <p:nvSpPr>
+          <p:cNvPr id="24" name="TextBox 23">
+            <a:extLst>
+              <a:ext uri="{FF2B5EF4-FFF2-40B4-BE49-F238E27FC236}">
+                <a16:creationId xmlns:a16="http://schemas.microsoft.com/office/drawing/2014/main" id="{92DDD7B0-59BC-9489-5A36-628246639B32}"/>
+              </a:ext>
+            </a:extLst>
+          </p:cNvPr>
+          <p:cNvSpPr txBox="1"/>
+          <p:nvPr/>
+        </p:nvSpPr>
+        <p:spPr>
+          <a:xfrm>
+            <a:off x="7509867" y="1562971"/>
+            <a:ext cx="1728868" cy="282768"/>
+          </a:xfrm>
+          <a:prstGeom prst="rect">
+            <a:avLst/>
+          </a:prstGeom>
+          <a:solidFill>
+            <a:schemeClr val="accent6">
+              <a:lumMod val="20000"/>
+              <a:lumOff val="80000"/>
+            </a:schemeClr>
+          </a:solidFill>
+          <a:ln w="19050">
+            <a:noFill/>
+          </a:ln>
+        </p:spPr>
+        <p:style>
+          <a:lnRef idx="2">
+            <a:schemeClr val="accent1">
+              <a:shade val="50000"/>
+            </a:schemeClr>
+          </a:lnRef>
+          <a:fillRef idx="1">
+            <a:schemeClr val="accent1"/>
+          </a:fillRef>
+          <a:effectRef idx="0">
+            <a:schemeClr val="accent1"/>
+          </a:effectRef>
+          <a:fontRef idx="minor">
+            <a:schemeClr val="lt1"/>
+          </a:fontRef>
+        </p:style>
+        <p:txBody>
+          <a:bodyPr lIns="0" rIns="0" rtlCol="0" anchor="ctr">
+            <a:scene3d>
+              <a:camera prst="orthographicFront"/>
+              <a:lightRig rig="threePt" dir="t"/>
+            </a:scene3d>
+            <a:sp3d>
+              <a:bevelT w="0" h="0"/>
+              <a:bevelB w="0" h="0"/>
+              <a:contourClr>
+                <a:schemeClr val="tx1">
+                  <a:lumMod val="65000"/>
+                  <a:lumOff val="35000"/>
+                </a:schemeClr>
+              </a:contourClr>
+            </a:sp3d>
+          </a:bodyPr>
+          <a:lstStyle>
+            <a:defPPr>
+              <a:defRPr lang="ko-KR"/>
+            </a:defPPr>
+            <a:lvl1pPr defTabSz="1090422">
+              <a:defRPr sz="2100">
+                <a:solidFill>
+                  <a:schemeClr val="lt1"/>
+                </a:solidFill>
+              </a:defRPr>
+            </a:lvl1pPr>
+            <a:lvl2pPr marL="0" lvl="1" algn="ctr" defTabSz="1067426">
+              <a:lnSpc>
+                <a:spcPct val="90000"/>
+              </a:lnSpc>
+              <a:buClr>
+                <a:srgbClr val="3271AA"/>
+              </a:buClr>
+              <a:buSzPct val="140000"/>
+              <a:tabLst>
+                <a:tab pos="814888" algn="l"/>
+              </a:tabLst>
+              <a:defRPr sz="1200">
+                <a:ln>
+                  <a:noFill/>
+                </a:ln>
+                <a:solidFill>
+                  <a:schemeClr val="tx1">
+                    <a:lumMod val="85000"/>
+                    <a:lumOff val="15000"/>
+                  </a:schemeClr>
+                </a:solidFill>
+                <a:latin typeface="Arial" pitchFamily="34" charset="0"/>
+                <a:ea typeface="맑은 고딕" pitchFamily="50" charset="-127"/>
+                <a:cs typeface="Arial" pitchFamily="34" charset="0"/>
+              </a:defRPr>
+            </a:lvl2pPr>
+            <a:lvl3pPr marL="1090422" defTabSz="1090422">
+              <a:defRPr sz="2100">
+                <a:solidFill>
+                  <a:schemeClr val="lt1"/>
+                </a:solidFill>
+              </a:defRPr>
+            </a:lvl3pPr>
+            <a:lvl4pPr marL="1635633" defTabSz="1090422">
+              <a:defRPr sz="2100">
+                <a:solidFill>
+                  <a:schemeClr val="lt1"/>
+                </a:solidFill>
+              </a:defRPr>
+            </a:lvl4pPr>
+            <a:lvl5pPr marL="2180844" defTabSz="1090422">
+              <a:defRPr sz="2100">
+                <a:solidFill>
+                  <a:schemeClr val="lt1"/>
+                </a:solidFill>
+              </a:defRPr>
+            </a:lvl5pPr>
+            <a:lvl6pPr marL="2726055" defTabSz="1090422">
+              <a:defRPr sz="2100">
+                <a:solidFill>
+                  <a:schemeClr val="lt1"/>
+                </a:solidFill>
+              </a:defRPr>
+            </a:lvl6pPr>
+            <a:lvl7pPr marL="3271266" defTabSz="1090422">
+              <a:defRPr sz="2100">
+                <a:solidFill>
+                  <a:schemeClr val="lt1"/>
+                </a:solidFill>
+              </a:defRPr>
+            </a:lvl7pPr>
+            <a:lvl8pPr marL="3816477" defTabSz="1090422">
+              <a:defRPr sz="2100">
+                <a:solidFill>
+                  <a:schemeClr val="lt1"/>
+                </a:solidFill>
+              </a:defRPr>
+            </a:lvl8pPr>
+            <a:lvl9pPr marL="4361688" defTabSz="1090422">
+              <a:defRPr sz="2100">
+                <a:solidFill>
+                  <a:schemeClr val="lt1"/>
+                </a:solidFill>
+              </a:defRPr>
+            </a:lvl9pPr>
+          </a:lstStyle>
+          <a:p>
+            <a:pPr indent="-96471" algn="ctr" defTabSz="945888" fontAlgn="base" latinLnBrk="0">
+              <a:spcBef>
+                <a:spcPct val="0"/>
+              </a:spcBef>
+              <a:buSzPct val="80000"/>
+              <a:tabLst>
+                <a:tab pos="5461679" algn="l"/>
+              </a:tabLst>
+              <a:defRPr/>
+            </a:pPr>
+            <a:r>
+              <a:rPr kumimoji="1" lang="ko-KR" altLang="en-US" sz="1200" b="1" dirty="0">
+                <a:ln>
+                  <a:solidFill>
+                    <a:prstClr val="white">
+                      <a:alpha val="0"/>
+                    </a:prstClr>
+                  </a:solidFill>
+                </a:ln>
+                <a:solidFill>
+                  <a:prstClr val="black">
+                    <a:lumMod val="85000"/>
+                    <a:lumOff val="15000"/>
+                  </a:prstClr>
+                </a:solidFill>
+                <a:latin typeface="KoPub돋움체 Bold" panose="02020603020101020101" pitchFamily="18" charset="-127"/>
+                <a:ea typeface="KoPub돋움체 Bold" panose="02020603020101020101" pitchFamily="18" charset="-127"/>
+                <a:sym typeface="KoPub돋움체 Medium"/>
+              </a:rPr>
+              <a:t>주요 포인트</a:t>
+            </a:r>
+          </a:p>
+        </p:txBody>
+      </p:sp>
+      <p:sp>
+        <p:nvSpPr>
+          <p:cNvPr id="5" name="제목 1">
+            <a:extLst>
+              <a:ext uri="{FF2B5EF4-FFF2-40B4-BE49-F238E27FC236}">
+                <a16:creationId xmlns:a16="http://schemas.microsoft.com/office/drawing/2014/main" id="{EC90B7E9-6825-74CB-BDEE-73443EAA70D8}"/>
+              </a:ext>
+            </a:extLst>
+          </p:cNvPr>
+          <p:cNvSpPr txBox="1">
+            <a:spLocks/>
+          </p:cNvSpPr>
+          <p:nvPr/>
+        </p:nvSpPr>
+        <p:spPr>
+          <a:xfrm>
+            <a:off x="215845" y="173587"/>
+            <a:ext cx="3048593" cy="363854"/>
+          </a:xfrm>
+          <a:prstGeom prst="rect">
+            <a:avLst/>
+          </a:prstGeom>
+          <a:solidFill>
+            <a:schemeClr val="accent6">
+              <a:lumMod val="50000"/>
+            </a:schemeClr>
+          </a:solidFill>
+        </p:spPr>
+        <p:txBody>
+          <a:bodyPr vert="horz" lIns="91440" tIns="45720" rIns="91440" bIns="45720" rtlCol="0" anchor="ctr">
+            <a:normAutofit/>
+          </a:bodyPr>
+          <a:lstStyle>
+            <a:lvl1pPr algn="l" defTabSz="914400" rtl="0" eaLnBrk="1" latinLnBrk="1" hangingPunct="1">
+              <a:lnSpc>
+                <a:spcPct val="90000"/>
+              </a:lnSpc>
+              <a:spcBef>
+                <a:spcPct val="0"/>
+              </a:spcBef>
+              <a:buNone/>
+              <a:defRPr sz="4400" kern="1200">
+                <a:solidFill>
                   <a:schemeClr val="tx1"/>
                 </a:solidFill>
-                <a:latin typeface="맑은 고딕" panose="020B0503020000020004" pitchFamily="50" charset="-127"/>
-                <a:ea typeface="맑은 고딕" panose="020B0503020000020004" pitchFamily="50" charset="-127"/>
+                <a:latin typeface="+mj-lt"/>
+                <a:ea typeface="+mj-ea"/>
+                <a:cs typeface="+mj-cs"/>
+              </a:defRPr>
+            </a:lvl1pPr>
+          </a:lstStyle>
+          <a:p>
+            <a:pPr algn="ctr"/>
+            <a:r>
+              <a:rPr lang="ko-KR" altLang="en-US" sz="1400" b="1" dirty="0">
+                <a:solidFill>
+                  <a:schemeClr val="bg1"/>
+                </a:solidFill>
               </a:rPr>
-              <a:t>과제 선정 및 요구사항 분석</a:t>
+              <a:t>주요 기술</a:t>
             </a:r>
-            <a:endParaRPr kumimoji="1" lang="en-US" altLang="ko-KR" sz="1200" dirty="0">
-              <a:ln w="6350">
-                <a:solidFill>
-                  <a:prstClr val="white">
-                    <a:alpha val="0"/>
-                  </a:prstClr>
-                </a:solidFill>
-              </a:ln>
-              <a:solidFill>
-                <a:schemeClr val="tx1"/>
-              </a:solidFill>
-              <a:ea typeface="KoPub돋움체 Medium" panose="02020603020101020101" pitchFamily="18" charset="-127"/>
-            </a:endParaRPr>
           </a:p>
         </p:txBody>
       </p:sp>
     </p:spTree>
     <p:extLst>
       <p:ext uri="{BB962C8B-B14F-4D97-AF65-F5344CB8AC3E}">
-        <p14:creationId xmlns:p14="http://schemas.microsoft.com/office/powerpoint/2010/main" val="1849108187"/>
+        <p14:creationId xmlns:p14="http://schemas.microsoft.com/office/powerpoint/2010/main" val="698554361"/>
       </p:ext>
     </p:extLst>
   </p:cSld>
@@ -13686,7 +14847,7 @@
 </p:sld>
 </file>
 
-<file path=ppt/slides/slide3.xml><?xml version="1.0" encoding="utf-8"?>
+<file path=ppt/slides/slide4.xml><?xml version="1.0" encoding="utf-8"?>
 <p:sld xmlns:a="http://schemas.openxmlformats.org/drawingml/2006/main" xmlns:r="http://schemas.openxmlformats.org/officeDocument/2006/relationships" xmlns:p="http://schemas.openxmlformats.org/presentationml/2006/main">
   <p:cSld>
     <p:spTree>
@@ -13801,13 +14962,13 @@
             <p:nvPr/>
           </p:nvPicPr>
           <p:blipFill>
-            <a:blip r:embed="rId2" cstate="hqprint">
+            <a:blip r:embed="rId2">
               <a:extLst>
                 <a:ext uri="{28A0092B-C50C-407E-A947-70E740481C1C}">
                   <a14:useLocalDpi xmlns:a14="http://schemas.microsoft.com/office/drawing/2010/main" val="0"/>
                 </a:ext>
                 <a:ext uri="{837473B0-CC2E-450A-ABE3-18F120FF3D39}">
-                  <a1611:picAttrSrcUrl xmlns="" xmlns:a1611="http://schemas.microsoft.com/office/drawing/2016/11/main" r:id="rId3"/>
+                  <a1611:picAttrSrcUrl xmlns:a1611="http://schemas.microsoft.com/office/drawing/2016/11/main" r:id="rId3"/>
                 </a:ext>
               </a:extLst>
             </a:blip>
@@ -13840,13 +15001,13 @@
             <p:nvPr/>
           </p:nvPicPr>
           <p:blipFill>
-            <a:blip r:embed="rId4" cstate="hqprint">
+            <a:blip r:embed="rId4">
               <a:extLst>
                 <a:ext uri="{28A0092B-C50C-407E-A947-70E740481C1C}">
                   <a14:useLocalDpi xmlns:a14="http://schemas.microsoft.com/office/drawing/2010/main" val="0"/>
                 </a:ext>
                 <a:ext uri="{837473B0-CC2E-450A-ABE3-18F120FF3D39}">
-                  <a1611:picAttrSrcUrl xmlns="" xmlns:a1611="http://schemas.microsoft.com/office/drawing/2016/11/main" r:id="rId5"/>
+                  <a1611:picAttrSrcUrl xmlns:a1611="http://schemas.microsoft.com/office/drawing/2016/11/main" r:id="rId5"/>
                 </a:ext>
               </a:extLst>
             </a:blip>
@@ -14190,24 +15351,6 @@
               <a:t>Feng </a:t>
             </a:r>
             <a:r>
-              <a:rPr lang="en-US" altLang="zh-CN" sz="1100" b="1" dirty="0" err="1">
-                <a:ln>
-                  <a:solidFill>
-                    <a:schemeClr val="bg1">
-                      <a:lumMod val="85000"/>
-                      <a:alpha val="0"/>
-                    </a:schemeClr>
-                  </a:solidFill>
-                </a:ln>
-                <a:solidFill>
-                  <a:schemeClr val="accent6">
-                    <a:lumMod val="50000"/>
-                  </a:schemeClr>
-                </a:solidFill>
-              </a:rPr>
-              <a:t>Shui</a:t>
-            </a:r>
-            <a:r>
               <a:rPr lang="en-US" altLang="zh-CN" sz="1100" b="1" dirty="0">
                 <a:ln>
                   <a:solidFill>
@@ -14223,61 +15366,7 @@
                   </a:schemeClr>
                 </a:solidFill>
               </a:rPr>
-              <a:t>(</a:t>
-            </a:r>
-            <a:r>
-              <a:rPr lang="ko-KR" altLang="en-US" sz="1100" b="1" dirty="0">
-                <a:ln>
-                  <a:solidFill>
-                    <a:schemeClr val="bg1">
-                      <a:lumMod val="85000"/>
-                      <a:alpha val="0"/>
-                    </a:schemeClr>
-                  </a:solidFill>
-                </a:ln>
-                <a:solidFill>
-                  <a:schemeClr val="accent6">
-                    <a:lumMod val="50000"/>
-                  </a:schemeClr>
-                </a:solidFill>
-              </a:rPr>
-              <a:t>풍수</a:t>
-            </a:r>
-            <a:r>
-              <a:rPr lang="en-US" altLang="ko-KR" sz="1100" b="1" dirty="0">
-                <a:ln>
-                  <a:solidFill>
-                    <a:schemeClr val="bg1">
-                      <a:lumMod val="85000"/>
-                      <a:alpha val="0"/>
-                    </a:schemeClr>
-                  </a:solidFill>
-                </a:ln>
-                <a:solidFill>
-                  <a:schemeClr val="accent6">
-                    <a:lumMod val="50000"/>
-                  </a:schemeClr>
-                </a:solidFill>
-              </a:rPr>
-              <a:t>)</a:t>
-            </a:r>
-            <a:r>
-              <a:rPr lang="en-US" altLang="zh-CN" sz="1100" b="1" dirty="0">
-                <a:ln>
-                  <a:solidFill>
-                    <a:schemeClr val="bg1">
-                      <a:lumMod val="85000"/>
-                      <a:alpha val="0"/>
-                    </a:schemeClr>
-                  </a:solidFill>
-                </a:ln>
-                <a:solidFill>
-                  <a:schemeClr val="accent6">
-                    <a:lumMod val="50000"/>
-                  </a:schemeClr>
-                </a:solidFill>
-              </a:rPr>
-              <a:t> Series</a:t>
+              <a:t>Shui Series</a:t>
             </a:r>
             <a:endParaRPr lang="ko-KR" altLang="en-US" sz="1100" b="1" dirty="0">
               <a:ln>
@@ -14523,7 +15612,7 @@
         </p:nvSpPr>
         <p:spPr>
           <a:xfrm>
-            <a:off x="1267417" y="3758333"/>
+            <a:off x="1307981" y="3766722"/>
             <a:ext cx="617567" cy="180582"/>
           </a:xfrm>
           <a:prstGeom prst="rect">
@@ -14582,7 +15671,7 @@
         </p:nvSpPr>
         <p:spPr>
           <a:xfrm>
-            <a:off x="4350405" y="3734647"/>
+            <a:off x="4368044" y="3734647"/>
             <a:ext cx="653736" cy="180582"/>
           </a:xfrm>
           <a:prstGeom prst="rect">
@@ -14607,7 +15696,7 @@
               </a:spcBef>
             </a:pPr>
             <a:r>
-              <a:rPr lang="ko-KR" altLang="en-US" sz="1100" b="1" smtClean="0">
+              <a:rPr lang="ko-KR" altLang="en-US" sz="1100" b="1" dirty="0">
                 <a:ln>
                   <a:solidFill>
                     <a:schemeClr val="bg1">
@@ -14624,21 +15713,6 @@
               </a:rPr>
               <a:t>포탈</a:t>
             </a:r>
-            <a:endParaRPr lang="ko-KR" altLang="en-US" sz="1100" b="1" dirty="0">
-              <a:ln>
-                <a:solidFill>
-                  <a:schemeClr val="bg1">
-                    <a:lumMod val="85000"/>
-                    <a:alpha val="0"/>
-                  </a:schemeClr>
-                </a:solidFill>
-              </a:ln>
-              <a:solidFill>
-                <a:schemeClr val="accent6">
-                  <a:lumMod val="50000"/>
-                </a:schemeClr>
-              </a:solidFill>
-            </a:endParaRPr>
           </a:p>
         </p:txBody>
       </p:sp>
@@ -14937,7 +16011,7 @@
             <a:prstDash val="sysDash"/>
             <a:extLst>
               <a:ext uri="{C807C97D-BFC1-408E-A445-0C87EB9F89A2}">
-                <ask:lineSketchStyleProps xmlns="" xmlns:ask="http://schemas.microsoft.com/office/drawing/2018/sketchyshapes" sd="1219033472">
+                <ask:lineSketchStyleProps xmlns:ask="http://schemas.microsoft.com/office/drawing/2018/sketchyshapes" sd="1219033472">
                   <a:prstGeom prst="rect">
                     <a:avLst/>
                   </a:prstGeom>
@@ -16259,7 +17333,7 @@
 </p:sld>
 </file>
 
-<file path=ppt/slides/slide4.xml><?xml version="1.0" encoding="utf-8"?>
+<file path=ppt/slides/slide5.xml><?xml version="1.0" encoding="utf-8"?>
 <p:sld xmlns:a="http://schemas.openxmlformats.org/drawingml/2006/main" xmlns:r="http://schemas.openxmlformats.org/officeDocument/2006/relationships" xmlns:p="http://schemas.openxmlformats.org/presentationml/2006/main">
   <p:cSld>
     <p:spTree>
@@ -19440,1168 +20514,6 @@
 </p:sld>
 </file>
 
-<file path=ppt/slides/slide5.xml><?xml version="1.0" encoding="utf-8"?>
-<p:sld xmlns:a="http://schemas.openxmlformats.org/drawingml/2006/main" xmlns:r="http://schemas.openxmlformats.org/officeDocument/2006/relationships" xmlns:p="http://schemas.openxmlformats.org/presentationml/2006/main">
-  <p:cSld>
-    <p:spTree>
-      <p:nvGrpSpPr>
-        <p:cNvPr id="1" name=""/>
-        <p:cNvGrpSpPr/>
-        <p:nvPr/>
-      </p:nvGrpSpPr>
-      <p:grpSpPr>
-        <a:xfrm>
-          <a:off x="0" y="0"/>
-          <a:ext cx="0" cy="0"/>
-          <a:chOff x="0" y="0"/>
-          <a:chExt cx="0" cy="0"/>
-        </a:xfrm>
-      </p:grpSpPr>
-      <p:sp>
-        <p:nvSpPr>
-          <p:cNvPr id="2" name="사각형: 둥근 모서리 1">
-            <a:extLst>
-              <a:ext uri="{FF2B5EF4-FFF2-40B4-BE49-F238E27FC236}">
-                <a16:creationId xmlns:a16="http://schemas.microsoft.com/office/drawing/2014/main" id="{EF5BFC4C-0EBE-E441-F07F-771C83072F8C}"/>
-              </a:ext>
-            </a:extLst>
-          </p:cNvPr>
-          <p:cNvSpPr/>
-          <p:nvPr/>
-        </p:nvSpPr>
-        <p:spPr>
-          <a:xfrm>
-            <a:off x="1883301" y="2119036"/>
-            <a:ext cx="3519851" cy="3107304"/>
-          </a:xfrm>
-          <a:prstGeom prst="roundRect">
-            <a:avLst/>
-          </a:prstGeom>
-          <a:solidFill>
-            <a:schemeClr val="bg1"/>
-          </a:solidFill>
-          <a:ln w="25400">
-            <a:solidFill>
-              <a:schemeClr val="accent6">
-                <a:lumMod val="50000"/>
-              </a:schemeClr>
-            </a:solidFill>
-          </a:ln>
-          <a:effectLst>
-            <a:outerShdw blurRad="50800" dist="38100" dir="2700000" algn="tl" rotWithShape="0">
-              <a:prstClr val="black">
-                <a:alpha val="40000"/>
-              </a:prstClr>
-            </a:outerShdw>
-          </a:effectLst>
-        </p:spPr>
-        <p:style>
-          <a:lnRef idx="2">
-            <a:schemeClr val="accent1">
-              <a:shade val="50000"/>
-            </a:schemeClr>
-          </a:lnRef>
-          <a:fillRef idx="1">
-            <a:schemeClr val="accent1"/>
-          </a:fillRef>
-          <a:effectRef idx="0">
-            <a:schemeClr val="accent1"/>
-          </a:effectRef>
-          <a:fontRef idx="minor">
-            <a:schemeClr val="lt1"/>
-          </a:fontRef>
-        </p:style>
-        <p:txBody>
-          <a:bodyPr rtlCol="0" anchor="ctr"/>
-          <a:lstStyle/>
-          <a:p>
-            <a:pPr>
-              <a:lnSpc>
-                <a:spcPct val="130000"/>
-              </a:lnSpc>
-              <a:spcBef>
-                <a:spcPts val="600"/>
-              </a:spcBef>
-            </a:pPr>
-            <a:r>
-              <a:rPr lang="en-US" altLang="ko-KR" sz="1200" b="1" dirty="0">
-                <a:ln>
-                  <a:solidFill>
-                    <a:schemeClr val="bg1">
-                      <a:lumMod val="85000"/>
-                      <a:alpha val="0"/>
-                    </a:schemeClr>
-                  </a:solidFill>
-                </a:ln>
-                <a:solidFill>
-                  <a:schemeClr val="tx1"/>
-                </a:solidFill>
-              </a:rPr>
-              <a:t>Frontend: </a:t>
-            </a:r>
-          </a:p>
-          <a:p>
-            <a:pPr>
-              <a:lnSpc>
-                <a:spcPct val="130000"/>
-              </a:lnSpc>
-              <a:spcBef>
-                <a:spcPts val="600"/>
-              </a:spcBef>
-            </a:pPr>
-            <a:r>
-              <a:rPr lang="en-US" altLang="ko-KR" sz="1200" dirty="0">
-                <a:ln>
-                  <a:solidFill>
-                    <a:schemeClr val="bg1">
-                      <a:lumMod val="85000"/>
-                      <a:alpha val="0"/>
-                    </a:schemeClr>
-                  </a:solidFill>
-                </a:ln>
-                <a:solidFill>
-                  <a:schemeClr val="tx1"/>
-                </a:solidFill>
-              </a:rPr>
-              <a:t>Vue.js (2.7.16), Node.js (20.15.0)</a:t>
-            </a:r>
-          </a:p>
-          <a:p>
-            <a:pPr>
-              <a:lnSpc>
-                <a:spcPct val="130000"/>
-              </a:lnSpc>
-              <a:spcBef>
-                <a:spcPts val="600"/>
-              </a:spcBef>
-            </a:pPr>
-            <a:endParaRPr lang="en-US" altLang="ko-KR" sz="1200" dirty="0">
-              <a:ln>
-                <a:solidFill>
-                  <a:schemeClr val="bg1">
-                    <a:lumMod val="85000"/>
-                    <a:alpha val="0"/>
-                  </a:schemeClr>
-                </a:solidFill>
-              </a:ln>
-              <a:solidFill>
-                <a:schemeClr val="tx1"/>
-              </a:solidFill>
-            </a:endParaRPr>
-          </a:p>
-          <a:p>
-            <a:pPr>
-              <a:lnSpc>
-                <a:spcPct val="130000"/>
-              </a:lnSpc>
-              <a:spcBef>
-                <a:spcPts val="600"/>
-              </a:spcBef>
-            </a:pPr>
-            <a:r>
-              <a:rPr lang="en-US" altLang="ko-KR" sz="1200" b="1" dirty="0">
-                <a:ln>
-                  <a:solidFill>
-                    <a:schemeClr val="bg1">
-                      <a:lumMod val="85000"/>
-                      <a:alpha val="0"/>
-                    </a:schemeClr>
-                  </a:solidFill>
-                </a:ln>
-                <a:solidFill>
-                  <a:schemeClr val="tx1"/>
-                </a:solidFill>
-              </a:rPr>
-              <a:t>Backend: </a:t>
-            </a:r>
-          </a:p>
-          <a:p>
-            <a:pPr>
-              <a:lnSpc>
-                <a:spcPct val="130000"/>
-              </a:lnSpc>
-              <a:spcBef>
-                <a:spcPts val="600"/>
-              </a:spcBef>
-            </a:pPr>
-            <a:r>
-              <a:rPr lang="en-US" altLang="ko-KR" sz="1200" dirty="0" err="1">
-                <a:ln>
-                  <a:solidFill>
-                    <a:schemeClr val="bg1">
-                      <a:lumMod val="85000"/>
-                      <a:alpha val="0"/>
-                    </a:schemeClr>
-                  </a:solidFill>
-                </a:ln>
-                <a:solidFill>
-                  <a:schemeClr val="tx1"/>
-                </a:solidFill>
-              </a:rPr>
-              <a:t>SpringBoot</a:t>
-            </a:r>
-            <a:r>
-              <a:rPr lang="en-US" altLang="ko-KR" sz="1200" dirty="0">
-                <a:ln>
-                  <a:solidFill>
-                    <a:schemeClr val="bg1">
-                      <a:lumMod val="85000"/>
-                      <a:alpha val="0"/>
-                    </a:schemeClr>
-                  </a:solidFill>
-                </a:ln>
-                <a:solidFill>
-                  <a:schemeClr val="tx1"/>
-                </a:solidFill>
-              </a:rPr>
-              <a:t> (3.0.3), Java (17</a:t>
-            </a:r>
-            <a:r>
-              <a:rPr lang="en-US" altLang="zh-CN" sz="1200" dirty="0">
-                <a:ln>
-                  <a:solidFill>
-                    <a:schemeClr val="bg1">
-                      <a:lumMod val="85000"/>
-                      <a:alpha val="0"/>
-                    </a:schemeClr>
-                  </a:solidFill>
-                </a:ln>
-                <a:solidFill>
-                  <a:schemeClr val="tx1"/>
-                </a:solidFill>
-              </a:rPr>
-              <a:t>)</a:t>
-            </a:r>
-            <a:r>
-              <a:rPr lang="en-US" altLang="ko-KR" sz="1200" dirty="0">
-                <a:ln>
-                  <a:solidFill>
-                    <a:schemeClr val="bg1">
-                      <a:lumMod val="85000"/>
-                      <a:alpha val="0"/>
-                    </a:schemeClr>
-                  </a:solidFill>
-                </a:ln>
-                <a:solidFill>
-                  <a:schemeClr val="tx1"/>
-                </a:solidFill>
-              </a:rPr>
-              <a:t>, Tomcat (9.0.9) </a:t>
-            </a:r>
-          </a:p>
-          <a:p>
-            <a:pPr>
-              <a:lnSpc>
-                <a:spcPct val="130000"/>
-              </a:lnSpc>
-              <a:spcBef>
-                <a:spcPts val="600"/>
-              </a:spcBef>
-            </a:pPr>
-            <a:endParaRPr lang="en-US" altLang="ko-KR" sz="1200" dirty="0">
-              <a:ln>
-                <a:solidFill>
-                  <a:schemeClr val="bg1">
-                    <a:lumMod val="85000"/>
-                    <a:alpha val="0"/>
-                  </a:schemeClr>
-                </a:solidFill>
-              </a:ln>
-              <a:solidFill>
-                <a:schemeClr val="tx1"/>
-              </a:solidFill>
-            </a:endParaRPr>
-          </a:p>
-          <a:p>
-            <a:pPr>
-              <a:lnSpc>
-                <a:spcPct val="130000"/>
-              </a:lnSpc>
-              <a:spcBef>
-                <a:spcPts val="600"/>
-              </a:spcBef>
-            </a:pPr>
-            <a:r>
-              <a:rPr lang="en-US" altLang="ko-KR" sz="1200" b="1" dirty="0">
-                <a:ln>
-                  <a:solidFill>
-                    <a:schemeClr val="bg1">
-                      <a:lumMod val="85000"/>
-                      <a:alpha val="0"/>
-                    </a:schemeClr>
-                  </a:solidFill>
-                </a:ln>
-                <a:solidFill>
-                  <a:schemeClr val="tx1"/>
-                </a:solidFill>
-              </a:rPr>
-              <a:t>Database: </a:t>
-            </a:r>
-          </a:p>
-          <a:p>
-            <a:pPr>
-              <a:lnSpc>
-                <a:spcPct val="130000"/>
-              </a:lnSpc>
-              <a:spcBef>
-                <a:spcPts val="600"/>
-              </a:spcBef>
-            </a:pPr>
-            <a:r>
-              <a:rPr lang="en-US" altLang="ko-KR" sz="1200" dirty="0">
-                <a:ln>
-                  <a:solidFill>
-                    <a:schemeClr val="bg1">
-                      <a:lumMod val="85000"/>
-                      <a:alpha val="0"/>
-                    </a:schemeClr>
-                  </a:solidFill>
-                </a:ln>
-                <a:solidFill>
-                  <a:schemeClr val="tx1"/>
-                </a:solidFill>
-              </a:rPr>
-              <a:t>MariaDB (12.8.0)</a:t>
-            </a:r>
-          </a:p>
-        </p:txBody>
-      </p:sp>
-      <p:sp>
-        <p:nvSpPr>
-          <p:cNvPr id="22" name="사각형: 둥근 모서리 21">
-            <a:extLst>
-              <a:ext uri="{FF2B5EF4-FFF2-40B4-BE49-F238E27FC236}">
-                <a16:creationId xmlns:a16="http://schemas.microsoft.com/office/drawing/2014/main" id="{7AA59955-E8B4-8C76-A598-2E705E76B262}"/>
-              </a:ext>
-            </a:extLst>
-          </p:cNvPr>
-          <p:cNvSpPr/>
-          <p:nvPr/>
-        </p:nvSpPr>
-        <p:spPr>
-          <a:xfrm>
-            <a:off x="6614375" y="2119036"/>
-            <a:ext cx="3519851" cy="3107304"/>
-          </a:xfrm>
-          <a:prstGeom prst="roundRect">
-            <a:avLst/>
-          </a:prstGeom>
-          <a:solidFill>
-            <a:schemeClr val="bg1"/>
-          </a:solidFill>
-          <a:ln w="25400">
-            <a:solidFill>
-              <a:schemeClr val="accent6">
-                <a:lumMod val="50000"/>
-              </a:schemeClr>
-            </a:solidFill>
-          </a:ln>
-          <a:effectLst>
-            <a:outerShdw blurRad="50800" dist="38100" dir="2700000" algn="tl" rotWithShape="0">
-              <a:prstClr val="black">
-                <a:alpha val="40000"/>
-              </a:prstClr>
-            </a:outerShdw>
-          </a:effectLst>
-        </p:spPr>
-        <p:style>
-          <a:lnRef idx="2">
-            <a:schemeClr val="accent1">
-              <a:shade val="50000"/>
-            </a:schemeClr>
-          </a:lnRef>
-          <a:fillRef idx="1">
-            <a:schemeClr val="accent1"/>
-          </a:fillRef>
-          <a:effectRef idx="0">
-            <a:schemeClr val="accent1"/>
-          </a:effectRef>
-          <a:fontRef idx="minor">
-            <a:schemeClr val="lt1"/>
-          </a:fontRef>
-        </p:style>
-        <p:txBody>
-          <a:bodyPr rtlCol="0" anchor="ctr"/>
-          <a:lstStyle/>
-          <a:p>
-            <a:pPr>
-              <a:lnSpc>
-                <a:spcPct val="130000"/>
-              </a:lnSpc>
-              <a:spcBef>
-                <a:spcPts val="600"/>
-              </a:spcBef>
-            </a:pPr>
-            <a:r>
-              <a:rPr lang="en-US" altLang="ko-KR" sz="1200" b="1" dirty="0">
-                <a:ln>
-                  <a:solidFill>
-                    <a:schemeClr val="bg1">
-                      <a:lumMod val="85000"/>
-                      <a:alpha val="0"/>
-                    </a:schemeClr>
-                  </a:solidFill>
-                </a:ln>
-                <a:solidFill>
-                  <a:schemeClr val="tx1"/>
-                </a:solidFill>
-              </a:rPr>
-              <a:t>Layout: </a:t>
-            </a:r>
-          </a:p>
-          <a:p>
-            <a:pPr>
-              <a:lnSpc>
-                <a:spcPct val="130000"/>
-              </a:lnSpc>
-              <a:spcBef>
-                <a:spcPts val="600"/>
-              </a:spcBef>
-            </a:pPr>
-            <a:r>
-              <a:rPr lang="en-US" altLang="ko-KR" sz="1200" dirty="0">
-                <a:ln>
-                  <a:solidFill>
-                    <a:schemeClr val="bg1">
-                      <a:lumMod val="85000"/>
-                      <a:alpha val="0"/>
-                    </a:schemeClr>
-                  </a:solidFill>
-                </a:ln>
-                <a:solidFill>
-                  <a:schemeClr val="tx1"/>
-                </a:solidFill>
-              </a:rPr>
-              <a:t>NARU (SKT I/F </a:t>
-            </a:r>
-            <a:r>
-              <a:rPr lang="ko-KR" altLang="en-US" sz="1200" dirty="0">
-                <a:ln>
-                  <a:solidFill>
-                    <a:schemeClr val="bg1">
-                      <a:lumMod val="85000"/>
-                      <a:alpha val="0"/>
-                    </a:schemeClr>
-                  </a:solidFill>
-                </a:ln>
-                <a:solidFill>
-                  <a:schemeClr val="tx1"/>
-                </a:solidFill>
-              </a:rPr>
-              <a:t>관리 포탈</a:t>
-            </a:r>
-            <a:r>
-              <a:rPr lang="en-US" altLang="ko-KR" sz="1200" dirty="0">
-                <a:ln>
-                  <a:solidFill>
-                    <a:schemeClr val="bg1">
-                      <a:lumMod val="85000"/>
-                      <a:alpha val="0"/>
-                    </a:schemeClr>
-                  </a:solidFill>
-                </a:ln>
-                <a:solidFill>
-                  <a:schemeClr val="tx1"/>
-                </a:solidFill>
-              </a:rPr>
-              <a:t>)</a:t>
-            </a:r>
-          </a:p>
-          <a:p>
-            <a:pPr>
-              <a:lnSpc>
-                <a:spcPct val="130000"/>
-              </a:lnSpc>
-              <a:spcBef>
-                <a:spcPts val="600"/>
-              </a:spcBef>
-            </a:pPr>
-            <a:endParaRPr lang="en-US" altLang="ko-KR" sz="1200" dirty="0">
-              <a:ln>
-                <a:solidFill>
-                  <a:schemeClr val="bg1">
-                    <a:lumMod val="85000"/>
-                    <a:alpha val="0"/>
-                  </a:schemeClr>
-                </a:solidFill>
-              </a:ln>
-              <a:solidFill>
-                <a:schemeClr val="tx1"/>
-              </a:solidFill>
-            </a:endParaRPr>
-          </a:p>
-          <a:p>
-            <a:pPr>
-              <a:lnSpc>
-                <a:spcPct val="130000"/>
-              </a:lnSpc>
-              <a:spcBef>
-                <a:spcPts val="600"/>
-              </a:spcBef>
-            </a:pPr>
-            <a:r>
-              <a:rPr lang="ko-KR" altLang="en-US" sz="1200" b="1" dirty="0">
-                <a:ln>
-                  <a:solidFill>
-                    <a:schemeClr val="bg1">
-                      <a:lumMod val="85000"/>
-                      <a:alpha val="0"/>
-                    </a:schemeClr>
-                  </a:solidFill>
-                </a:ln>
-                <a:solidFill>
-                  <a:schemeClr val="tx1"/>
-                </a:solidFill>
-              </a:rPr>
-              <a:t>실시간 검색</a:t>
-            </a:r>
-            <a:r>
-              <a:rPr lang="en-US" altLang="ko-KR" sz="1200" b="1" dirty="0">
-                <a:ln>
-                  <a:solidFill>
-                    <a:schemeClr val="bg1">
-                      <a:lumMod val="85000"/>
-                      <a:alpha val="0"/>
-                    </a:schemeClr>
-                  </a:solidFill>
-                </a:ln>
-                <a:solidFill>
-                  <a:schemeClr val="tx1"/>
-                </a:solidFill>
-              </a:rPr>
-              <a:t>: </a:t>
-            </a:r>
-          </a:p>
-          <a:p>
-            <a:pPr>
-              <a:lnSpc>
-                <a:spcPct val="130000"/>
-              </a:lnSpc>
-              <a:spcBef>
-                <a:spcPts val="600"/>
-              </a:spcBef>
-            </a:pPr>
-            <a:r>
-              <a:rPr lang="en-US" altLang="ko-KR" sz="1200" dirty="0">
-                <a:ln>
-                  <a:solidFill>
-                    <a:schemeClr val="bg1">
-                      <a:lumMod val="85000"/>
-                      <a:alpha val="0"/>
-                    </a:schemeClr>
-                  </a:solidFill>
-                </a:ln>
-                <a:solidFill>
-                  <a:schemeClr val="tx1"/>
-                </a:solidFill>
-              </a:rPr>
-              <a:t>Ajax</a:t>
-            </a:r>
-          </a:p>
-          <a:p>
-            <a:pPr>
-              <a:lnSpc>
-                <a:spcPct val="130000"/>
-              </a:lnSpc>
-              <a:spcBef>
-                <a:spcPts val="600"/>
-              </a:spcBef>
-            </a:pPr>
-            <a:endParaRPr lang="en-US" altLang="ko-KR" sz="1200" dirty="0">
-              <a:ln>
-                <a:solidFill>
-                  <a:schemeClr val="bg1">
-                    <a:lumMod val="85000"/>
-                    <a:alpha val="0"/>
-                  </a:schemeClr>
-                </a:solidFill>
-              </a:ln>
-              <a:solidFill>
-                <a:schemeClr val="tx1"/>
-              </a:solidFill>
-            </a:endParaRPr>
-          </a:p>
-          <a:p>
-            <a:pPr>
-              <a:lnSpc>
-                <a:spcPct val="130000"/>
-              </a:lnSpc>
-              <a:spcBef>
-                <a:spcPts val="600"/>
-              </a:spcBef>
-            </a:pPr>
-            <a:r>
-              <a:rPr lang="ko-KR" altLang="en-US" sz="1200" b="1" dirty="0">
-                <a:ln>
-                  <a:solidFill>
-                    <a:schemeClr val="bg1">
-                      <a:lumMod val="85000"/>
-                      <a:alpha val="0"/>
-                    </a:schemeClr>
-                  </a:solidFill>
-                </a:ln>
-                <a:solidFill>
-                  <a:schemeClr val="tx1"/>
-                </a:solidFill>
-              </a:rPr>
-              <a:t>접근 권한 </a:t>
-            </a:r>
-            <a:r>
-              <a:rPr lang="en-US" altLang="ko-KR" sz="1200" b="1" dirty="0">
-                <a:ln>
-                  <a:solidFill>
-                    <a:schemeClr val="bg1">
-                      <a:lumMod val="85000"/>
-                      <a:alpha val="0"/>
-                    </a:schemeClr>
-                  </a:solidFill>
-                </a:ln>
-                <a:solidFill>
-                  <a:schemeClr val="tx1"/>
-                </a:solidFill>
-              </a:rPr>
-              <a:t>&amp; </a:t>
-            </a:r>
-            <a:r>
-              <a:rPr lang="ko-KR" altLang="en-US" sz="1200" b="1" dirty="0" err="1">
-                <a:ln>
-                  <a:solidFill>
-                    <a:schemeClr val="bg1">
-                      <a:lumMod val="85000"/>
-                      <a:alpha val="0"/>
-                    </a:schemeClr>
-                  </a:solidFill>
-                </a:ln>
-                <a:solidFill>
-                  <a:schemeClr val="tx1"/>
-                </a:solidFill>
-              </a:rPr>
-              <a:t>인터셉터</a:t>
-            </a:r>
-            <a:r>
-              <a:rPr lang="ko-KR" altLang="en-US" sz="1200" b="1" dirty="0">
-                <a:ln>
-                  <a:solidFill>
-                    <a:schemeClr val="bg1">
-                      <a:lumMod val="85000"/>
-                      <a:alpha val="0"/>
-                    </a:schemeClr>
-                  </a:solidFill>
-                </a:ln>
-                <a:solidFill>
-                  <a:schemeClr val="tx1"/>
-                </a:solidFill>
-              </a:rPr>
-              <a:t> </a:t>
-            </a:r>
-            <a:r>
-              <a:rPr lang="en-US" altLang="ko-KR" sz="1200" b="1" dirty="0">
-                <a:ln>
-                  <a:solidFill>
-                    <a:schemeClr val="bg1">
-                      <a:lumMod val="85000"/>
-                      <a:alpha val="0"/>
-                    </a:schemeClr>
-                  </a:solidFill>
-                </a:ln>
-                <a:solidFill>
-                  <a:schemeClr val="tx1"/>
-                </a:solidFill>
-              </a:rPr>
-              <a:t>: </a:t>
-            </a:r>
-          </a:p>
-          <a:p>
-            <a:pPr>
-              <a:lnSpc>
-                <a:spcPct val="130000"/>
-              </a:lnSpc>
-              <a:spcBef>
-                <a:spcPts val="600"/>
-              </a:spcBef>
-            </a:pPr>
-            <a:r>
-              <a:rPr lang="en-US" altLang="ko-KR" sz="1200" dirty="0" err="1">
-                <a:ln>
-                  <a:solidFill>
-                    <a:schemeClr val="bg1">
-                      <a:lumMod val="85000"/>
-                      <a:alpha val="0"/>
-                    </a:schemeClr>
-                  </a:solidFill>
-                </a:ln>
-                <a:solidFill>
-                  <a:schemeClr val="tx1"/>
-                </a:solidFill>
-              </a:rPr>
-              <a:t>Json</a:t>
-            </a:r>
-            <a:r>
-              <a:rPr lang="en-US" altLang="ko-KR" sz="1200" dirty="0">
-                <a:ln>
-                  <a:solidFill>
-                    <a:schemeClr val="bg1">
-                      <a:lumMod val="85000"/>
-                      <a:alpha val="0"/>
-                    </a:schemeClr>
-                  </a:solidFill>
-                </a:ln>
-                <a:solidFill>
-                  <a:schemeClr val="tx1"/>
-                </a:solidFill>
-              </a:rPr>
-              <a:t> Web Token + Route Guards </a:t>
-            </a:r>
-          </a:p>
-        </p:txBody>
-      </p:sp>
-      <p:sp>
-        <p:nvSpPr>
-          <p:cNvPr id="23" name="TextBox 22">
-            <a:extLst>
-              <a:ext uri="{FF2B5EF4-FFF2-40B4-BE49-F238E27FC236}">
-                <a16:creationId xmlns:a16="http://schemas.microsoft.com/office/drawing/2014/main" id="{06101AFB-6965-E288-CD27-8A9466207B48}"/>
-              </a:ext>
-            </a:extLst>
-          </p:cNvPr>
-          <p:cNvSpPr txBox="1"/>
-          <p:nvPr/>
-        </p:nvSpPr>
-        <p:spPr>
-          <a:xfrm>
-            <a:off x="2778793" y="1562971"/>
-            <a:ext cx="1728868" cy="282768"/>
-          </a:xfrm>
-          <a:prstGeom prst="rect">
-            <a:avLst/>
-          </a:prstGeom>
-          <a:solidFill>
-            <a:schemeClr val="accent6">
-              <a:lumMod val="20000"/>
-              <a:lumOff val="80000"/>
-            </a:schemeClr>
-          </a:solidFill>
-          <a:ln w="19050">
-            <a:noFill/>
-          </a:ln>
-        </p:spPr>
-        <p:style>
-          <a:lnRef idx="2">
-            <a:schemeClr val="accent1">
-              <a:shade val="50000"/>
-            </a:schemeClr>
-          </a:lnRef>
-          <a:fillRef idx="1">
-            <a:schemeClr val="accent1"/>
-          </a:fillRef>
-          <a:effectRef idx="0">
-            <a:schemeClr val="accent1"/>
-          </a:effectRef>
-          <a:fontRef idx="minor">
-            <a:schemeClr val="lt1"/>
-          </a:fontRef>
-        </p:style>
-        <p:txBody>
-          <a:bodyPr lIns="0" rIns="0" rtlCol="0" anchor="ctr">
-            <a:scene3d>
-              <a:camera prst="orthographicFront"/>
-              <a:lightRig rig="threePt" dir="t"/>
-            </a:scene3d>
-            <a:sp3d>
-              <a:bevelT w="0" h="0"/>
-              <a:bevelB w="0" h="0"/>
-              <a:contourClr>
-                <a:schemeClr val="tx1">
-                  <a:lumMod val="65000"/>
-                  <a:lumOff val="35000"/>
-                </a:schemeClr>
-              </a:contourClr>
-            </a:sp3d>
-          </a:bodyPr>
-          <a:lstStyle>
-            <a:defPPr>
-              <a:defRPr lang="ko-KR"/>
-            </a:defPPr>
-            <a:lvl1pPr defTabSz="1090422">
-              <a:defRPr sz="2100">
-                <a:solidFill>
-                  <a:schemeClr val="lt1"/>
-                </a:solidFill>
-              </a:defRPr>
-            </a:lvl1pPr>
-            <a:lvl2pPr marL="0" lvl="1" algn="ctr" defTabSz="1067426">
-              <a:lnSpc>
-                <a:spcPct val="90000"/>
-              </a:lnSpc>
-              <a:buClr>
-                <a:srgbClr val="3271AA"/>
-              </a:buClr>
-              <a:buSzPct val="140000"/>
-              <a:tabLst>
-                <a:tab pos="814888" algn="l"/>
-              </a:tabLst>
-              <a:defRPr sz="1200">
-                <a:ln>
-                  <a:noFill/>
-                </a:ln>
-                <a:solidFill>
-                  <a:schemeClr val="tx1">
-                    <a:lumMod val="85000"/>
-                    <a:lumOff val="15000"/>
-                  </a:schemeClr>
-                </a:solidFill>
-                <a:latin typeface="Arial" pitchFamily="34" charset="0"/>
-                <a:ea typeface="맑은 고딕" pitchFamily="50" charset="-127"/>
-                <a:cs typeface="Arial" pitchFamily="34" charset="0"/>
-              </a:defRPr>
-            </a:lvl2pPr>
-            <a:lvl3pPr marL="1090422" defTabSz="1090422">
-              <a:defRPr sz="2100">
-                <a:solidFill>
-                  <a:schemeClr val="lt1"/>
-                </a:solidFill>
-              </a:defRPr>
-            </a:lvl3pPr>
-            <a:lvl4pPr marL="1635633" defTabSz="1090422">
-              <a:defRPr sz="2100">
-                <a:solidFill>
-                  <a:schemeClr val="lt1"/>
-                </a:solidFill>
-              </a:defRPr>
-            </a:lvl4pPr>
-            <a:lvl5pPr marL="2180844" defTabSz="1090422">
-              <a:defRPr sz="2100">
-                <a:solidFill>
-                  <a:schemeClr val="lt1"/>
-                </a:solidFill>
-              </a:defRPr>
-            </a:lvl5pPr>
-            <a:lvl6pPr marL="2726055" defTabSz="1090422">
-              <a:defRPr sz="2100">
-                <a:solidFill>
-                  <a:schemeClr val="lt1"/>
-                </a:solidFill>
-              </a:defRPr>
-            </a:lvl6pPr>
-            <a:lvl7pPr marL="3271266" defTabSz="1090422">
-              <a:defRPr sz="2100">
-                <a:solidFill>
-                  <a:schemeClr val="lt1"/>
-                </a:solidFill>
-              </a:defRPr>
-            </a:lvl7pPr>
-            <a:lvl8pPr marL="3816477" defTabSz="1090422">
-              <a:defRPr sz="2100">
-                <a:solidFill>
-                  <a:schemeClr val="lt1"/>
-                </a:solidFill>
-              </a:defRPr>
-            </a:lvl8pPr>
-            <a:lvl9pPr marL="4361688" defTabSz="1090422">
-              <a:defRPr sz="2100">
-                <a:solidFill>
-                  <a:schemeClr val="lt1"/>
-                </a:solidFill>
-              </a:defRPr>
-            </a:lvl9pPr>
-          </a:lstStyle>
-          <a:p>
-            <a:pPr indent="-96471" algn="ctr" defTabSz="945888" fontAlgn="base" latinLnBrk="0">
-              <a:spcBef>
-                <a:spcPct val="0"/>
-              </a:spcBef>
-              <a:buSzPct val="80000"/>
-              <a:tabLst>
-                <a:tab pos="5461679" algn="l"/>
-              </a:tabLst>
-              <a:defRPr/>
-            </a:pPr>
-            <a:r>
-              <a:rPr kumimoji="1" lang="ko-KR" altLang="en-US" sz="1200" b="1" dirty="0">
-                <a:ln>
-                  <a:solidFill>
-                    <a:prstClr val="white">
-                      <a:alpha val="0"/>
-                    </a:prstClr>
-                  </a:solidFill>
-                </a:ln>
-                <a:solidFill>
-                  <a:prstClr val="black">
-                    <a:lumMod val="85000"/>
-                    <a:lumOff val="15000"/>
-                  </a:prstClr>
-                </a:solidFill>
-                <a:latin typeface="KoPub돋움체 Bold" panose="02020603020101020101" pitchFamily="18" charset="-127"/>
-                <a:ea typeface="KoPub돋움체 Bold" panose="02020603020101020101" pitchFamily="18" charset="-127"/>
-                <a:sym typeface="KoPub돋움체 Medium"/>
-              </a:rPr>
-              <a:t>기술 스택</a:t>
-            </a:r>
-          </a:p>
-        </p:txBody>
-      </p:sp>
-      <p:sp>
-        <p:nvSpPr>
-          <p:cNvPr id="24" name="TextBox 23">
-            <a:extLst>
-              <a:ext uri="{FF2B5EF4-FFF2-40B4-BE49-F238E27FC236}">
-                <a16:creationId xmlns:a16="http://schemas.microsoft.com/office/drawing/2014/main" id="{92DDD7B0-59BC-9489-5A36-628246639B32}"/>
-              </a:ext>
-            </a:extLst>
-          </p:cNvPr>
-          <p:cNvSpPr txBox="1"/>
-          <p:nvPr/>
-        </p:nvSpPr>
-        <p:spPr>
-          <a:xfrm>
-            <a:off x="7509867" y="1562971"/>
-            <a:ext cx="1728868" cy="282768"/>
-          </a:xfrm>
-          <a:prstGeom prst="rect">
-            <a:avLst/>
-          </a:prstGeom>
-          <a:solidFill>
-            <a:schemeClr val="accent6">
-              <a:lumMod val="20000"/>
-              <a:lumOff val="80000"/>
-            </a:schemeClr>
-          </a:solidFill>
-          <a:ln w="19050">
-            <a:noFill/>
-          </a:ln>
-        </p:spPr>
-        <p:style>
-          <a:lnRef idx="2">
-            <a:schemeClr val="accent1">
-              <a:shade val="50000"/>
-            </a:schemeClr>
-          </a:lnRef>
-          <a:fillRef idx="1">
-            <a:schemeClr val="accent1"/>
-          </a:fillRef>
-          <a:effectRef idx="0">
-            <a:schemeClr val="accent1"/>
-          </a:effectRef>
-          <a:fontRef idx="minor">
-            <a:schemeClr val="lt1"/>
-          </a:fontRef>
-        </p:style>
-        <p:txBody>
-          <a:bodyPr lIns="0" rIns="0" rtlCol="0" anchor="ctr">
-            <a:scene3d>
-              <a:camera prst="orthographicFront"/>
-              <a:lightRig rig="threePt" dir="t"/>
-            </a:scene3d>
-            <a:sp3d>
-              <a:bevelT w="0" h="0"/>
-              <a:bevelB w="0" h="0"/>
-              <a:contourClr>
-                <a:schemeClr val="tx1">
-                  <a:lumMod val="65000"/>
-                  <a:lumOff val="35000"/>
-                </a:schemeClr>
-              </a:contourClr>
-            </a:sp3d>
-          </a:bodyPr>
-          <a:lstStyle>
-            <a:defPPr>
-              <a:defRPr lang="ko-KR"/>
-            </a:defPPr>
-            <a:lvl1pPr defTabSz="1090422">
-              <a:defRPr sz="2100">
-                <a:solidFill>
-                  <a:schemeClr val="lt1"/>
-                </a:solidFill>
-              </a:defRPr>
-            </a:lvl1pPr>
-            <a:lvl2pPr marL="0" lvl="1" algn="ctr" defTabSz="1067426">
-              <a:lnSpc>
-                <a:spcPct val="90000"/>
-              </a:lnSpc>
-              <a:buClr>
-                <a:srgbClr val="3271AA"/>
-              </a:buClr>
-              <a:buSzPct val="140000"/>
-              <a:tabLst>
-                <a:tab pos="814888" algn="l"/>
-              </a:tabLst>
-              <a:defRPr sz="1200">
-                <a:ln>
-                  <a:noFill/>
-                </a:ln>
-                <a:solidFill>
-                  <a:schemeClr val="tx1">
-                    <a:lumMod val="85000"/>
-                    <a:lumOff val="15000"/>
-                  </a:schemeClr>
-                </a:solidFill>
-                <a:latin typeface="Arial" pitchFamily="34" charset="0"/>
-                <a:ea typeface="맑은 고딕" pitchFamily="50" charset="-127"/>
-                <a:cs typeface="Arial" pitchFamily="34" charset="0"/>
-              </a:defRPr>
-            </a:lvl2pPr>
-            <a:lvl3pPr marL="1090422" defTabSz="1090422">
-              <a:defRPr sz="2100">
-                <a:solidFill>
-                  <a:schemeClr val="lt1"/>
-                </a:solidFill>
-              </a:defRPr>
-            </a:lvl3pPr>
-            <a:lvl4pPr marL="1635633" defTabSz="1090422">
-              <a:defRPr sz="2100">
-                <a:solidFill>
-                  <a:schemeClr val="lt1"/>
-                </a:solidFill>
-              </a:defRPr>
-            </a:lvl4pPr>
-            <a:lvl5pPr marL="2180844" defTabSz="1090422">
-              <a:defRPr sz="2100">
-                <a:solidFill>
-                  <a:schemeClr val="lt1"/>
-                </a:solidFill>
-              </a:defRPr>
-            </a:lvl5pPr>
-            <a:lvl6pPr marL="2726055" defTabSz="1090422">
-              <a:defRPr sz="2100">
-                <a:solidFill>
-                  <a:schemeClr val="lt1"/>
-                </a:solidFill>
-              </a:defRPr>
-            </a:lvl6pPr>
-            <a:lvl7pPr marL="3271266" defTabSz="1090422">
-              <a:defRPr sz="2100">
-                <a:solidFill>
-                  <a:schemeClr val="lt1"/>
-                </a:solidFill>
-              </a:defRPr>
-            </a:lvl7pPr>
-            <a:lvl8pPr marL="3816477" defTabSz="1090422">
-              <a:defRPr sz="2100">
-                <a:solidFill>
-                  <a:schemeClr val="lt1"/>
-                </a:solidFill>
-              </a:defRPr>
-            </a:lvl8pPr>
-            <a:lvl9pPr marL="4361688" defTabSz="1090422">
-              <a:defRPr sz="2100">
-                <a:solidFill>
-                  <a:schemeClr val="lt1"/>
-                </a:solidFill>
-              </a:defRPr>
-            </a:lvl9pPr>
-          </a:lstStyle>
-          <a:p>
-            <a:pPr indent="-96471" algn="ctr" defTabSz="945888" fontAlgn="base" latinLnBrk="0">
-              <a:spcBef>
-                <a:spcPct val="0"/>
-              </a:spcBef>
-              <a:buSzPct val="80000"/>
-              <a:tabLst>
-                <a:tab pos="5461679" algn="l"/>
-              </a:tabLst>
-              <a:defRPr/>
-            </a:pPr>
-            <a:r>
-              <a:rPr kumimoji="1" lang="ko-KR" altLang="en-US" sz="1200" b="1" dirty="0">
-                <a:ln>
-                  <a:solidFill>
-                    <a:prstClr val="white">
-                      <a:alpha val="0"/>
-                    </a:prstClr>
-                  </a:solidFill>
-                </a:ln>
-                <a:solidFill>
-                  <a:prstClr val="black">
-                    <a:lumMod val="85000"/>
-                    <a:lumOff val="15000"/>
-                  </a:prstClr>
-                </a:solidFill>
-                <a:latin typeface="KoPub돋움체 Bold" panose="02020603020101020101" pitchFamily="18" charset="-127"/>
-                <a:ea typeface="KoPub돋움체 Bold" panose="02020603020101020101" pitchFamily="18" charset="-127"/>
-                <a:sym typeface="KoPub돋움체 Medium"/>
-              </a:rPr>
-              <a:t>주요 포인트</a:t>
-            </a:r>
-          </a:p>
-        </p:txBody>
-      </p:sp>
-      <p:sp>
-        <p:nvSpPr>
-          <p:cNvPr id="5" name="제목 1">
-            <a:extLst>
-              <a:ext uri="{FF2B5EF4-FFF2-40B4-BE49-F238E27FC236}">
-                <a16:creationId xmlns:a16="http://schemas.microsoft.com/office/drawing/2014/main" id="{EC90B7E9-6825-74CB-BDEE-73443EAA70D8}"/>
-              </a:ext>
-            </a:extLst>
-          </p:cNvPr>
-          <p:cNvSpPr txBox="1">
-            <a:spLocks/>
-          </p:cNvSpPr>
-          <p:nvPr/>
-        </p:nvSpPr>
-        <p:spPr>
-          <a:xfrm>
-            <a:off x="215845" y="173587"/>
-            <a:ext cx="3048593" cy="363854"/>
-          </a:xfrm>
-          <a:prstGeom prst="rect">
-            <a:avLst/>
-          </a:prstGeom>
-          <a:solidFill>
-            <a:schemeClr val="accent6">
-              <a:lumMod val="50000"/>
-            </a:schemeClr>
-          </a:solidFill>
-        </p:spPr>
-        <p:txBody>
-          <a:bodyPr vert="horz" lIns="91440" tIns="45720" rIns="91440" bIns="45720" rtlCol="0" anchor="ctr">
-            <a:normAutofit/>
-          </a:bodyPr>
-          <a:lstStyle>
-            <a:lvl1pPr algn="l" defTabSz="914400" rtl="0" eaLnBrk="1" latinLnBrk="1" hangingPunct="1">
-              <a:lnSpc>
-                <a:spcPct val="90000"/>
-              </a:lnSpc>
-              <a:spcBef>
-                <a:spcPct val="0"/>
-              </a:spcBef>
-              <a:buNone/>
-              <a:defRPr sz="4400" kern="1200">
-                <a:solidFill>
-                  <a:schemeClr val="tx1"/>
-                </a:solidFill>
-                <a:latin typeface="+mj-lt"/>
-                <a:ea typeface="+mj-ea"/>
-                <a:cs typeface="+mj-cs"/>
-              </a:defRPr>
-            </a:lvl1pPr>
-          </a:lstStyle>
-          <a:p>
-            <a:pPr algn="ctr"/>
-            <a:r>
-              <a:rPr lang="ko-KR" altLang="en-US" sz="1400" b="1" dirty="0">
-                <a:solidFill>
-                  <a:schemeClr val="bg1"/>
-                </a:solidFill>
-              </a:rPr>
-              <a:t>주요 기술</a:t>
-            </a:r>
-          </a:p>
-        </p:txBody>
-      </p:sp>
-    </p:spTree>
-    <p:extLst>
-      <p:ext uri="{BB962C8B-B14F-4D97-AF65-F5344CB8AC3E}">
-        <p14:creationId xmlns:p14="http://schemas.microsoft.com/office/powerpoint/2010/main" val="698554361"/>
-      </p:ext>
-    </p:extLst>
-  </p:cSld>
-  <p:clrMapOvr>
-    <a:masterClrMapping/>
-  </p:clrMapOvr>
-</p:sld>
-</file>
-
 <file path=ppt/slides/slide6.xml><?xml version="1.0" encoding="utf-8"?>
 <p:sld xmlns:a="http://schemas.openxmlformats.org/drawingml/2006/main" xmlns:r="http://schemas.openxmlformats.org/officeDocument/2006/relationships" xmlns:p="http://schemas.openxmlformats.org/presentationml/2006/main">
   <p:cSld>
@@ -21392,23 +21304,6 @@
 </file>
 
 <file path=customXml/item1.xml><?xml version="1.0" encoding="utf-8"?>
-<?mso-contentType ?>
-<FormTemplates xmlns="http://schemas.microsoft.com/sharepoint/v3/contenttype/forms">
-  <Display>DocumentLibraryForm</Display>
-  <Edit>DocumentLibraryForm</Edit>
-  <New>DocumentLibraryForm</New>
-</FormTemplates>
-</file>
-
-<file path=customXml/item2.xml><?xml version="1.0" encoding="utf-8"?>
-<p:properties xmlns:p="http://schemas.microsoft.com/office/2006/metadata/properties" xmlns:xsi="http://www.w3.org/2001/XMLSchema-instance" xmlns:pc="http://schemas.microsoft.com/office/infopath/2007/PartnerControls">
-  <documentManagement>
-    <_activity xmlns="004c3549-55d9-4609-8a36-cec1dcd634a5" xsi:nil="true"/>
-  </documentManagement>
-</p:properties>
-</file>
-
-<file path=customXml/item3.xml><?xml version="1.0" encoding="utf-8"?>
 <ct:contentTypeSchema xmlns:ct="http://schemas.microsoft.com/office/2006/metadata/contentType" xmlns:ma="http://schemas.microsoft.com/office/2006/metadata/properties/metaAttributes" ct:_="" ma:_="" ma:contentTypeName="Document" ma:contentTypeID="0x010100C5ECC120E6FB4F4F865CFEBC79383C10" ma:contentTypeVersion="14" ma:contentTypeDescription="Create a new document." ma:contentTypeScope="" ma:versionID="8e5941150d1d6034296ce6e2f4c30c5a">
   <xsd:schema xmlns:xsd="http://www.w3.org/2001/XMLSchema" xmlns:xs="http://www.w3.org/2001/XMLSchema" xmlns:p="http://schemas.microsoft.com/office/2006/metadata/properties" xmlns:ns3="004c3549-55d9-4609-8a36-cec1dcd634a5" xmlns:ns4="b8bbb838-277e-4a48-8250-7513e354bba9" targetNamespace="http://schemas.microsoft.com/office/2006/metadata/properties" ma:root="true" ma:fieldsID="8d50d5589407f2ef2102a8b2faab395c" ns3:_="" ns4:_="">
     <xsd:import namespace="004c3549-55d9-4609-8a36-cec1dcd634a5"/>
@@ -21637,10 +21532,38 @@
 </ct:contentTypeSchema>
 </file>
 
+<file path=customXml/item2.xml><?xml version="1.0" encoding="utf-8"?>
+<p:properties xmlns:p="http://schemas.microsoft.com/office/2006/metadata/properties" xmlns:xsi="http://www.w3.org/2001/XMLSchema-instance" xmlns:pc="http://schemas.microsoft.com/office/infopath/2007/PartnerControls">
+  <documentManagement>
+    <_activity xmlns="004c3549-55d9-4609-8a36-cec1dcd634a5" xsi:nil="true"/>
+  </documentManagement>
+</p:properties>
+</file>
+
+<file path=customXml/item3.xml><?xml version="1.0" encoding="utf-8"?>
+<?mso-contentType ?>
+<FormTemplates xmlns="http://schemas.microsoft.com/sharepoint/v3/contenttype/forms">
+  <Display>DocumentLibraryForm</Display>
+  <Edit>DocumentLibraryForm</Edit>
+  <New>DocumentLibraryForm</New>
+</FormTemplates>
+</file>
+
 <file path=customXml/itemProps1.xml><?xml version="1.0" encoding="utf-8"?>
-<ds:datastoreItem xmlns:ds="http://schemas.openxmlformats.org/officeDocument/2006/customXml" ds:itemID="{9560C613-0839-4018-A80A-662314AD1665}">
+<ds:datastoreItem xmlns:ds="http://schemas.openxmlformats.org/officeDocument/2006/customXml" ds:itemID="{07447222-FAA1-459C-93D6-004820158AF1}">
   <ds:schemaRefs>
-    <ds:schemaRef ds:uri="http://schemas.microsoft.com/sharepoint/v3/contenttype/forms"/>
+    <ds:schemaRef ds:uri="http://schemas.microsoft.com/office/2006/metadata/contentType"/>
+    <ds:schemaRef ds:uri="http://schemas.microsoft.com/office/2006/metadata/properties/metaAttributes"/>
+    <ds:schemaRef ds:uri="http://www.w3.org/2001/XMLSchema"/>
+    <ds:schemaRef ds:uri="http://schemas.microsoft.com/office/2006/metadata/properties"/>
+    <ds:schemaRef ds:uri="004c3549-55d9-4609-8a36-cec1dcd634a5"/>
+    <ds:schemaRef ds:uri="b8bbb838-277e-4a48-8250-7513e354bba9"/>
+    <ds:schemaRef ds:uri="http://schemas.microsoft.com/office/2006/documentManagement/types"/>
+    <ds:schemaRef ds:uri="http://schemas.microsoft.com/office/infopath/2007/PartnerControls"/>
+    <ds:schemaRef ds:uri="http://schemas.openxmlformats.org/package/2006/metadata/core-properties"/>
+    <ds:schemaRef ds:uri="http://purl.org/dc/elements/1.1/"/>
+    <ds:schemaRef ds:uri="http://purl.org/dc/terms/"/>
+    <ds:schemaRef ds:uri="http://schemas.microsoft.com/internal/obd"/>
   </ds:schemaRefs>
 </ds:datastoreItem>
 </file>
@@ -21663,20 +21586,9 @@
 </file>
 
 <file path=customXml/itemProps3.xml><?xml version="1.0" encoding="utf-8"?>
-<ds:datastoreItem xmlns:ds="http://schemas.openxmlformats.org/officeDocument/2006/customXml" ds:itemID="{07447222-FAA1-459C-93D6-004820158AF1}">
+<ds:datastoreItem xmlns:ds="http://schemas.openxmlformats.org/officeDocument/2006/customXml" ds:itemID="{9560C613-0839-4018-A80A-662314AD1665}">
   <ds:schemaRefs>
-    <ds:schemaRef ds:uri="http://schemas.microsoft.com/office/2006/metadata/contentType"/>
-    <ds:schemaRef ds:uri="http://schemas.microsoft.com/office/2006/metadata/properties/metaAttributes"/>
-    <ds:schemaRef ds:uri="http://www.w3.org/2001/XMLSchema"/>
-    <ds:schemaRef ds:uri="http://schemas.microsoft.com/office/2006/metadata/properties"/>
-    <ds:schemaRef ds:uri="004c3549-55d9-4609-8a36-cec1dcd634a5"/>
-    <ds:schemaRef ds:uri="b8bbb838-277e-4a48-8250-7513e354bba9"/>
-    <ds:schemaRef ds:uri="http://schemas.microsoft.com/office/2006/documentManagement/types"/>
-    <ds:schemaRef ds:uri="http://schemas.microsoft.com/office/infopath/2007/PartnerControls"/>
-    <ds:schemaRef ds:uri="http://schemas.openxmlformats.org/package/2006/metadata/core-properties"/>
-    <ds:schemaRef ds:uri="http://purl.org/dc/elements/1.1/"/>
-    <ds:schemaRef ds:uri="http://purl.org/dc/terms/"/>
-    <ds:schemaRef ds:uri="http://schemas.microsoft.com/internal/obd"/>
+    <ds:schemaRef ds:uri="http://schemas.microsoft.com/sharepoint/v3/contenttype/forms"/>
   </ds:schemaRefs>
 </ds:datastoreItem>
 </file>
--- a/Project File/직무과제 PT(오정택).pptx
+++ b/Project File/직무과제 PT(오정택).pptx
@@ -276,7 +276,7 @@
           <a:p>
             <a:fld id="{D32A8F23-F622-4E24-8181-9A3099D67E5E}" type="datetimeFigureOut">
               <a:rPr lang="ko-KR" altLang="en-US" smtClean="0"/>
-              <a:t>2024-08-19</a:t>
+              <a:t>2024-08-20</a:t>
             </a:fld>
             <a:endParaRPr lang="ko-KR" altLang="en-US"/>
           </a:p>
@@ -474,7 +474,7 @@
           <a:p>
             <a:fld id="{D32A8F23-F622-4E24-8181-9A3099D67E5E}" type="datetimeFigureOut">
               <a:rPr lang="ko-KR" altLang="en-US" smtClean="0"/>
-              <a:t>2024-08-19</a:t>
+              <a:t>2024-08-20</a:t>
             </a:fld>
             <a:endParaRPr lang="ko-KR" altLang="en-US"/>
           </a:p>
@@ -682,7 +682,7 @@
           <a:p>
             <a:fld id="{D32A8F23-F622-4E24-8181-9A3099D67E5E}" type="datetimeFigureOut">
               <a:rPr lang="ko-KR" altLang="en-US" smtClean="0"/>
-              <a:t>2024-08-19</a:t>
+              <a:t>2024-08-20</a:t>
             </a:fld>
             <a:endParaRPr lang="ko-KR" altLang="en-US"/>
           </a:p>
@@ -1028,7 +1028,7 @@
           <a:p>
             <a:fld id="{57616B50-8008-49EF-BD82-D5470949F668}" type="datetimeFigureOut">
               <a:rPr lang="id-ID" smtClean="0"/>
-              <a:t>19/08/2024</a:t>
+              <a:t>20/08/2024</a:t>
             </a:fld>
             <a:endParaRPr lang="id-ID"/>
           </a:p>
@@ -1830,7 +1830,7 @@
           <a:p>
             <a:fld id="{D32A8F23-F622-4E24-8181-9A3099D67E5E}" type="datetimeFigureOut">
               <a:rPr lang="ko-KR" altLang="en-US" smtClean="0"/>
-              <a:t>2024-08-19</a:t>
+              <a:t>2024-08-20</a:t>
             </a:fld>
             <a:endParaRPr lang="ko-KR" altLang="en-US"/>
           </a:p>
@@ -3502,7 +3502,7 @@
           <a:p>
             <a:fld id="{D32A8F23-F622-4E24-8181-9A3099D67E5E}" type="datetimeFigureOut">
               <a:rPr lang="ko-KR" altLang="en-US" smtClean="0"/>
-              <a:t>2024-08-19</a:t>
+              <a:t>2024-08-20</a:t>
             </a:fld>
             <a:endParaRPr lang="ko-KR" altLang="en-US"/>
           </a:p>
@@ -5989,7 +5989,7 @@
           <a:p>
             <a:fld id="{D32A8F23-F622-4E24-8181-9A3099D67E5E}" type="datetimeFigureOut">
               <a:rPr lang="ko-KR" altLang="en-US" smtClean="0"/>
-              <a:t>2024-08-19</a:t>
+              <a:t>2024-08-20</a:t>
             </a:fld>
             <a:endParaRPr lang="ko-KR" altLang="en-US"/>
           </a:p>
@@ -6811,7 +6811,7 @@
           <a:p>
             <a:fld id="{0CFBFFA7-ADD7-4C28-B547-E969BA18F691}" type="datetimeFigureOut">
               <a:rPr lang="en-US" smtClean="0"/>
-              <a:t>8/19/2024</a:t>
+              <a:t>8/20/2024</a:t>
             </a:fld>
             <a:endParaRPr lang="en-US" dirty="0"/>
           </a:p>
@@ -7223,7 +7223,7 @@
           <a:p>
             <a:fld id="{D32A8F23-F622-4E24-8181-9A3099D67E5E}" type="datetimeFigureOut">
               <a:rPr lang="ko-KR" altLang="en-US" smtClean="0"/>
-              <a:t>2024-08-19</a:t>
+              <a:t>2024-08-20</a:t>
             </a:fld>
             <a:endParaRPr lang="ko-KR" altLang="en-US"/>
           </a:p>
@@ -7364,7 +7364,7 @@
           <a:p>
             <a:fld id="{D32A8F23-F622-4E24-8181-9A3099D67E5E}" type="datetimeFigureOut">
               <a:rPr lang="ko-KR" altLang="en-US" smtClean="0"/>
-              <a:t>2024-08-19</a:t>
+              <a:t>2024-08-20</a:t>
             </a:fld>
             <a:endParaRPr lang="ko-KR" altLang="en-US"/>
           </a:p>
@@ -7477,7 +7477,7 @@
           <a:p>
             <a:fld id="{D32A8F23-F622-4E24-8181-9A3099D67E5E}" type="datetimeFigureOut">
               <a:rPr lang="ko-KR" altLang="en-US" smtClean="0"/>
-              <a:t>2024-08-19</a:t>
+              <a:t>2024-08-20</a:t>
             </a:fld>
             <a:endParaRPr lang="ko-KR" altLang="en-US"/>
           </a:p>
@@ -7788,7 +7788,7 @@
           <a:p>
             <a:fld id="{D32A8F23-F622-4E24-8181-9A3099D67E5E}" type="datetimeFigureOut">
               <a:rPr lang="ko-KR" altLang="en-US" smtClean="0"/>
-              <a:t>2024-08-19</a:t>
+              <a:t>2024-08-20</a:t>
             </a:fld>
             <a:endParaRPr lang="ko-KR" altLang="en-US"/>
           </a:p>
@@ -8076,7 +8076,7 @@
           <a:p>
             <a:fld id="{D32A8F23-F622-4E24-8181-9A3099D67E5E}" type="datetimeFigureOut">
               <a:rPr lang="ko-KR" altLang="en-US" smtClean="0"/>
-              <a:t>2024-08-19</a:t>
+              <a:t>2024-08-20</a:t>
             </a:fld>
             <a:endParaRPr lang="ko-KR" altLang="en-US"/>
           </a:p>
@@ -8317,7 +8317,7 @@
           <a:p>
             <a:fld id="{D32A8F23-F622-4E24-8181-9A3099D67E5E}" type="datetimeFigureOut">
               <a:rPr lang="ko-KR" altLang="en-US" smtClean="0"/>
-              <a:t>2024-08-19</a:t>
+              <a:t>2024-08-20</a:t>
             </a:fld>
             <a:endParaRPr lang="ko-KR" altLang="en-US"/>
           </a:p>
@@ -8912,7 +8912,7 @@
           <a:p>
             <a:fld id="{57616B50-8008-49EF-BD82-D5470949F668}" type="datetimeFigureOut">
               <a:rPr lang="id-ID" smtClean="0"/>
-              <a:t>19/08/2024</a:t>
+              <a:t>20/08/2024</a:t>
             </a:fld>
             <a:endParaRPr lang="id-ID"/>
           </a:p>
@@ -9533,8 +9533,7 @@
                     <a:lumMod val="75000"/>
                   </a:schemeClr>
                 </a:solidFill>
-                <a:latin typeface="KoPub돋움체 Medium" panose="02020603020101020101" pitchFamily="18" charset="-127"/>
-                <a:ea typeface="KoPub돋움체 Medium" panose="02020603020101020101" pitchFamily="18" charset="-127"/>
+                <a:latin typeface="+mn-ea"/>
               </a:rPr>
               <a:t>’24 </a:t>
             </a:r>
@@ -9552,8 +9551,7 @@
                     <a:lumMod val="75000"/>
                   </a:schemeClr>
                 </a:solidFill>
-                <a:latin typeface="KoPub돋움체 Medium" panose="02020603020101020101" pitchFamily="18" charset="-127"/>
-                <a:ea typeface="KoPub돋움체 Medium" panose="02020603020101020101" pitchFamily="18" charset="-127"/>
+                <a:latin typeface="+mn-ea"/>
               </a:rPr>
               <a:t>하계 인턴 전환면접</a:t>
             </a:r>
@@ -9649,8 +9647,7 @@
                 <a:solidFill>
                   <a:schemeClr val="bg1"/>
                 </a:solidFill>
-                <a:latin typeface="KoPub돋움체 Medium" panose="02020603020101020101" pitchFamily="18" charset="-127"/>
-                <a:ea typeface="KoPub돋움체 Medium" panose="02020603020101020101" pitchFamily="18" charset="-127"/>
+                <a:latin typeface="+mn-ea"/>
               </a:rPr>
               <a:t>직무과제 </a:t>
             </a:r>
@@ -9666,8 +9663,7 @@
                 <a:solidFill>
                   <a:schemeClr val="bg1"/>
                 </a:solidFill>
-                <a:latin typeface="KoPub돋움체 Medium" panose="02020603020101020101" pitchFamily="18" charset="-127"/>
-                <a:ea typeface="KoPub돋움체 Medium" panose="02020603020101020101" pitchFamily="18" charset="-127"/>
+                <a:latin typeface="+mn-ea"/>
               </a:rPr>
               <a:t>PT</a:t>
             </a:r>
@@ -9683,8 +9679,7 @@
                 <a:solidFill>
                   <a:schemeClr val="bg1"/>
                 </a:solidFill>
-                <a:latin typeface="KoPub돋움체 Medium" panose="02020603020101020101" pitchFamily="18" charset="-127"/>
-                <a:ea typeface="KoPub돋움체 Medium" panose="02020603020101020101" pitchFamily="18" charset="-127"/>
+                <a:latin typeface="+mn-ea"/>
               </a:rPr>
               <a:t>  </a:t>
             </a:r>
@@ -9734,8 +9729,7 @@
                     <a:lumMod val="75000"/>
                   </a:schemeClr>
                 </a:solidFill>
-                <a:latin typeface="KoPub돋움체 Medium" panose="02020603020101020101" pitchFamily="18" charset="-127"/>
-                <a:ea typeface="KoPub돋움체 Medium" panose="02020603020101020101" pitchFamily="18" charset="-127"/>
+                <a:latin typeface="+mn-ea"/>
               </a:rPr>
               <a:t>ICT사업</a:t>
             </a:r>
@@ -9753,8 +9747,7 @@
                     <a:lumMod val="75000"/>
                   </a:schemeClr>
                 </a:solidFill>
-                <a:latin typeface="KoPub돋움체 Medium" panose="02020603020101020101" pitchFamily="18" charset="-127"/>
-                <a:ea typeface="KoPub돋움체 Medium" panose="02020603020101020101" pitchFamily="18" charset="-127"/>
+                <a:latin typeface="+mn-ea"/>
               </a:rPr>
               <a:t> 2</a:t>
             </a:r>
@@ -9772,8 +9765,7 @@
                     <a:lumMod val="75000"/>
                   </a:schemeClr>
                 </a:solidFill>
-                <a:latin typeface="KoPub돋움체 Medium" panose="02020603020101020101" pitchFamily="18" charset="-127"/>
-                <a:ea typeface="KoPub돋움체 Medium" panose="02020603020101020101" pitchFamily="18" charset="-127"/>
+                <a:latin typeface="+mn-ea"/>
               </a:rPr>
               <a:t>그룹</a:t>
             </a:r>
@@ -9790,8 +9782,7 @@
                   <a:lumMod val="75000"/>
                 </a:schemeClr>
               </a:solidFill>
-              <a:latin typeface="KoPub돋움체 Medium" panose="02020603020101020101" pitchFamily="18" charset="-127"/>
-              <a:ea typeface="KoPub돋움체 Medium" panose="02020603020101020101" pitchFamily="18" charset="-127"/>
+              <a:latin typeface="+mn-ea"/>
             </a:endParaRPr>
           </a:p>
           <a:p>
@@ -9810,8 +9801,7 @@
                     <a:lumMod val="75000"/>
                   </a:schemeClr>
                 </a:solidFill>
-                <a:latin typeface="KoPub돋움체 Medium" panose="02020603020101020101" pitchFamily="18" charset="-127"/>
-                <a:ea typeface="KoPub돋움체 Medium" panose="02020603020101020101" pitchFamily="18" charset="-127"/>
+                <a:latin typeface="+mn-ea"/>
               </a:rPr>
               <a:t>BSS</a:t>
             </a:r>
@@ -9829,8 +9819,7 @@
                     <a:lumMod val="75000"/>
                   </a:schemeClr>
                 </a:solidFill>
-                <a:latin typeface="KoPub돋움체 Medium" panose="02020603020101020101" pitchFamily="18" charset="-127"/>
-                <a:ea typeface="KoPub돋움체 Medium" panose="02020603020101020101" pitchFamily="18" charset="-127"/>
+                <a:latin typeface="+mn-ea"/>
               </a:rPr>
               <a:t>사업</a:t>
             </a:r>
@@ -9848,8 +9837,7 @@
                     <a:lumMod val="75000"/>
                   </a:schemeClr>
                 </a:solidFill>
-                <a:latin typeface="KoPub돋움체 Medium" panose="02020603020101020101" pitchFamily="18" charset="-127"/>
-                <a:ea typeface="KoPub돋움체 Medium" panose="02020603020101020101" pitchFamily="18" charset="-127"/>
+                <a:latin typeface="+mn-ea"/>
               </a:rPr>
               <a:t>4</a:t>
             </a:r>
@@ -9867,8 +9855,7 @@
                     <a:lumMod val="75000"/>
                   </a:schemeClr>
                 </a:solidFill>
-                <a:latin typeface="KoPub돋움체 Medium" panose="02020603020101020101" pitchFamily="18" charset="-127"/>
-                <a:ea typeface="KoPub돋움체 Medium" panose="02020603020101020101" pitchFamily="18" charset="-127"/>
+                <a:latin typeface="+mn-ea"/>
               </a:rPr>
               <a:t>팀</a:t>
             </a:r>
@@ -9885,8 +9872,7 @@
                   <a:lumMod val="75000"/>
                 </a:schemeClr>
               </a:solidFill>
-              <a:latin typeface="KoPub돋움체 Medium" panose="02020603020101020101" pitchFamily="18" charset="-127"/>
-              <a:ea typeface="KoPub돋움체 Medium" panose="02020603020101020101" pitchFamily="18" charset="-127"/>
+              <a:latin typeface="+mn-ea"/>
             </a:endParaRPr>
           </a:p>
           <a:p>
@@ -9903,8 +9889,7 @@
                 <a:solidFill>
                   <a:schemeClr val="bg1"/>
                 </a:solidFill>
-                <a:latin typeface="KoPub돋움체 Medium" panose="02020603020101020101" pitchFamily="18" charset="-127"/>
-                <a:ea typeface="KoPub돋움체 Medium" panose="02020603020101020101" pitchFamily="18" charset="-127"/>
+                <a:latin typeface="+mn-ea"/>
               </a:rPr>
               <a:t>오정택 사원</a:t>
             </a:r>
@@ -9981,6 +9966,13 @@
   <p:clrMapOvr>
     <a:masterClrMapping/>
   </p:clrMapOvr>
+  <p:timing>
+    <p:tnLst>
+      <p:par>
+        <p:cTn id="1" dur="indefinite" restart="never" nodeType="tmRoot"/>
+      </p:par>
+    </p:tnLst>
+  </p:timing>
 </p:sld>
 </file>
 
@@ -11704,7 +11696,7 @@
                 <a:solidFill>
                   <a:schemeClr val="tx1"/>
                 </a:solidFill>
-                <a:ea typeface="KoPub돋움체 Medium" panose="02020603020101020101" pitchFamily="18" charset="-127"/>
+                <a:latin typeface="+mn-ea"/>
               </a:rPr>
               <a:t>과제 선정 및 요구사항 분석</a:t>
             </a:r>
@@ -11719,7 +11711,7 @@
               <a:solidFill>
                 <a:schemeClr val="tx1"/>
               </a:solidFill>
-              <a:ea typeface="KoPub돋움체 Medium" panose="02020603020101020101" pitchFamily="18" charset="-127"/>
+              <a:latin typeface="+mn-ea"/>
             </a:endParaRPr>
           </a:p>
         </p:txBody>
@@ -12199,8 +12191,7 @@
                   <a:schemeClr val="tx1"/>
                 </a:solidFill>
                 <a:effectLst/>
-                <a:latin typeface="맑은 고딕" panose="020B0503020000020004" pitchFamily="50" charset="-127"/>
-                <a:ea typeface="맑은 고딕" panose="020B0503020000020004" pitchFamily="50" charset="-127"/>
+                <a:latin typeface="+mn-ea"/>
               </a:rPr>
               <a:t>요구사항 정의서</a:t>
             </a:r>
@@ -12209,6 +12200,7 @@
                 <a:schemeClr val="tx1"/>
               </a:solidFill>
               <a:effectLst/>
+              <a:latin typeface="+mn-ea"/>
             </a:endParaRPr>
           </a:p>
         </p:txBody>
@@ -13180,8 +13172,7 @@
                     <a:lumOff val="15000"/>
                   </a:prstClr>
                 </a:solidFill>
-                <a:latin typeface="KoPub돋움체 Bold" panose="02020603020101020101" pitchFamily="18" charset="-127"/>
-                <a:ea typeface="KoPub돋움체 Bold" panose="02020603020101020101" pitchFamily="18" charset="-127"/>
+                <a:latin typeface="+mn-ea"/>
                 <a:sym typeface="KoPub돋움체 Medium"/>
               </a:rPr>
               <a:t>주차</a:t>
@@ -13365,8 +13356,7 @@
                     <a:lumOff val="15000"/>
                   </a:prstClr>
                 </a:solidFill>
-                <a:latin typeface="KoPub돋움체 Bold" panose="02020603020101020101" pitchFamily="18" charset="-127"/>
-                <a:ea typeface="KoPub돋움체 Bold" panose="02020603020101020101" pitchFamily="18" charset="-127"/>
+                <a:latin typeface="+mn-ea"/>
                 <a:sym typeface="KoPub돋움체 Medium"/>
               </a:rPr>
               <a:t>수행업무</a:t>
@@ -13550,8 +13540,7 @@
                     <a:lumOff val="15000"/>
                   </a:prstClr>
                 </a:solidFill>
-                <a:latin typeface="KoPub돋움체 Bold" panose="02020603020101020101" pitchFamily="18" charset="-127"/>
-                <a:ea typeface="KoPub돋움체 Bold" panose="02020603020101020101" pitchFamily="18" charset="-127"/>
+                <a:latin typeface="+mn-ea"/>
                 <a:sym typeface="KoPub돋움체 Medium"/>
               </a:rPr>
               <a:t>산출물</a:t>
@@ -13682,6 +13671,13 @@
   <p:clrMapOvr>
     <a:masterClrMapping/>
   </p:clrMapOvr>
+  <p:timing>
+    <p:tnLst>
+      <p:par>
+        <p:cTn id="1" dur="indefinite" restart="never" nodeType="tmRoot"/>
+      </p:par>
+    </p:tnLst>
+  </p:timing>
 </p:sld>
 </file>
 
@@ -14576,8 +14572,7 @@
                     <a:lumOff val="15000"/>
                   </a:prstClr>
                 </a:solidFill>
-                <a:latin typeface="KoPub돋움체 Bold" panose="02020603020101020101" pitchFamily="18" charset="-127"/>
-                <a:ea typeface="KoPub돋움체 Bold" panose="02020603020101020101" pitchFamily="18" charset="-127"/>
+                <a:latin typeface="+mn-ea"/>
                 <a:sym typeface="KoPub돋움체 Medium"/>
               </a:rPr>
               <a:t>기술 스택</a:t>
@@ -14761,8 +14756,7 @@
                     <a:lumOff val="15000"/>
                   </a:prstClr>
                 </a:solidFill>
-                <a:latin typeface="KoPub돋움체 Bold" panose="02020603020101020101" pitchFamily="18" charset="-127"/>
-                <a:ea typeface="KoPub돋움체 Bold" panose="02020603020101020101" pitchFamily="18" charset="-127"/>
+                <a:latin typeface="+mn-ea"/>
                 <a:sym typeface="KoPub돋움체 Medium"/>
               </a:rPr>
               <a:t>주요 포인트</a:t>
@@ -14844,6 +14838,13 @@
   <p:clrMapOvr>
     <a:masterClrMapping/>
   </p:clrMapOvr>
+  <p:timing>
+    <p:tnLst>
+      <p:par>
+        <p:cTn id="1" dur="indefinite" restart="never" nodeType="tmRoot"/>
+      </p:par>
+    </p:tnLst>
+  </p:timing>
 </p:sld>
 </file>
 
@@ -14962,13 +14963,13 @@
             <p:nvPr/>
           </p:nvPicPr>
           <p:blipFill>
-            <a:blip r:embed="rId2">
+            <a:blip r:embed="rId2" cstate="hqprint">
               <a:extLst>
                 <a:ext uri="{28A0092B-C50C-407E-A947-70E740481C1C}">
                   <a14:useLocalDpi xmlns:a14="http://schemas.microsoft.com/office/drawing/2010/main" val="0"/>
                 </a:ext>
                 <a:ext uri="{837473B0-CC2E-450A-ABE3-18F120FF3D39}">
-                  <a1611:picAttrSrcUrl xmlns:a1611="http://schemas.microsoft.com/office/drawing/2016/11/main" r:id="rId3"/>
+                  <a1611:picAttrSrcUrl xmlns:a1611="http://schemas.microsoft.com/office/drawing/2016/11/main" xmlns="" r:id="rId3"/>
                 </a:ext>
               </a:extLst>
             </a:blip>
@@ -15001,13 +15002,13 @@
             <p:nvPr/>
           </p:nvPicPr>
           <p:blipFill>
-            <a:blip r:embed="rId4">
+            <a:blip r:embed="rId4" cstate="hqprint">
               <a:extLst>
                 <a:ext uri="{28A0092B-C50C-407E-A947-70E740481C1C}">
                   <a14:useLocalDpi xmlns:a14="http://schemas.microsoft.com/office/drawing/2010/main" val="0"/>
                 </a:ext>
                 <a:ext uri="{837473B0-CC2E-450A-ABE3-18F120FF3D39}">
-                  <a1611:picAttrSrcUrl xmlns:a1611="http://schemas.microsoft.com/office/drawing/2016/11/main" r:id="rId5"/>
+                  <a1611:picAttrSrcUrl xmlns:a1611="http://schemas.microsoft.com/office/drawing/2016/11/main" xmlns="" r:id="rId5"/>
                 </a:ext>
               </a:extLst>
             </a:blip>
@@ -16011,7 +16012,7 @@
             <a:prstDash val="sysDash"/>
             <a:extLst>
               <a:ext uri="{C807C97D-BFC1-408E-A445-0C87EB9F89A2}">
-                <ask:lineSketchStyleProps xmlns:ask="http://schemas.microsoft.com/office/drawing/2018/sketchyshapes" sd="1219033472">
+                <ask:lineSketchStyleProps xmlns:ask="http://schemas.microsoft.com/office/drawing/2018/sketchyshapes" xmlns="" sd="1219033472">
                   <a:prstGeom prst="rect">
                     <a:avLst/>
                   </a:prstGeom>
@@ -17330,6 +17331,13 @@
   <p:clrMapOvr>
     <a:masterClrMapping/>
   </p:clrMapOvr>
+  <p:timing>
+    <p:tnLst>
+      <p:par>
+        <p:cTn id="1" dur="indefinite" restart="never" nodeType="tmRoot"/>
+      </p:par>
+    </p:tnLst>
+  </p:timing>
 </p:sld>
 </file>
 
@@ -20511,6 +20519,13 @@
     <a:masterClrMapping/>
   </p:clrMapOvr>
   <p:transition spd="med"/>
+  <p:timing>
+    <p:tnLst>
+      <p:par>
+        <p:cTn id="1" dur="indefinite" restart="never" nodeType="tmRoot"/>
+      </p:par>
+    </p:tnLst>
+  </p:timing>
 </p:sld>
 </file>
 
@@ -20555,7 +20570,7 @@
         </p:nvSpPr>
         <p:spPr>
           <a:xfrm>
-            <a:off x="0" y="0"/>
+            <a:off x="0" y="-17584"/>
             <a:ext cx="12192000" cy="6858000"/>
           </a:xfrm>
           <a:prstGeom prst="rect">
@@ -20632,8 +20647,7 @@
                 <a:solidFill>
                   <a:schemeClr val="bg1"/>
                 </a:solidFill>
-                <a:latin typeface="KoPub돋움체 Medium" panose="02020603020101020101" pitchFamily="18" charset="-127"/>
-                <a:ea typeface="KoPub돋움체 Medium" panose="02020603020101020101" pitchFamily="18" charset="-127"/>
+                <a:latin typeface="+mn-ea"/>
               </a:rPr>
               <a:t>감사합니다</a:t>
             </a:r>
@@ -20710,6 +20724,13 @@
   <p:clrMapOvr>
     <a:masterClrMapping/>
   </p:clrMapOvr>
+  <p:timing>
+    <p:tnLst>
+      <p:par>
+        <p:cTn id="1" dur="indefinite" restart="never" nodeType="tmRoot"/>
+      </p:par>
+    </p:tnLst>
+  </p:timing>
 </p:sld>
 </file>
 
@@ -21304,6 +21325,23 @@
 </file>
 
 <file path=customXml/item1.xml><?xml version="1.0" encoding="utf-8"?>
+<?mso-contentType ?>
+<FormTemplates xmlns="http://schemas.microsoft.com/sharepoint/v3/contenttype/forms">
+  <Display>DocumentLibraryForm</Display>
+  <Edit>DocumentLibraryForm</Edit>
+  <New>DocumentLibraryForm</New>
+</FormTemplates>
+</file>
+
+<file path=customXml/item2.xml><?xml version="1.0" encoding="utf-8"?>
+<p:properties xmlns:p="http://schemas.microsoft.com/office/2006/metadata/properties" xmlns:xsi="http://www.w3.org/2001/XMLSchema-instance" xmlns:pc="http://schemas.microsoft.com/office/infopath/2007/PartnerControls">
+  <documentManagement>
+    <_activity xmlns="004c3549-55d9-4609-8a36-cec1dcd634a5" xsi:nil="true"/>
+  </documentManagement>
+</p:properties>
+</file>
+
+<file path=customXml/item3.xml><?xml version="1.0" encoding="utf-8"?>
 <ct:contentTypeSchema xmlns:ct="http://schemas.microsoft.com/office/2006/metadata/contentType" xmlns:ma="http://schemas.microsoft.com/office/2006/metadata/properties/metaAttributes" ct:_="" ma:_="" ma:contentTypeName="Document" ma:contentTypeID="0x010100C5ECC120E6FB4F4F865CFEBC79383C10" ma:contentTypeVersion="14" ma:contentTypeDescription="Create a new document." ma:contentTypeScope="" ma:versionID="8e5941150d1d6034296ce6e2f4c30c5a">
   <xsd:schema xmlns:xsd="http://www.w3.org/2001/XMLSchema" xmlns:xs="http://www.w3.org/2001/XMLSchema" xmlns:p="http://schemas.microsoft.com/office/2006/metadata/properties" xmlns:ns3="004c3549-55d9-4609-8a36-cec1dcd634a5" xmlns:ns4="b8bbb838-277e-4a48-8250-7513e354bba9" targetNamespace="http://schemas.microsoft.com/office/2006/metadata/properties" ma:root="true" ma:fieldsID="8d50d5589407f2ef2102a8b2faab395c" ns3:_="" ns4:_="">
     <xsd:import namespace="004c3549-55d9-4609-8a36-cec1dcd634a5"/>
@@ -21532,38 +21570,10 @@
 </ct:contentTypeSchema>
 </file>
 
-<file path=customXml/item2.xml><?xml version="1.0" encoding="utf-8"?>
-<p:properties xmlns:p="http://schemas.microsoft.com/office/2006/metadata/properties" xmlns:xsi="http://www.w3.org/2001/XMLSchema-instance" xmlns:pc="http://schemas.microsoft.com/office/infopath/2007/PartnerControls">
-  <documentManagement>
-    <_activity xmlns="004c3549-55d9-4609-8a36-cec1dcd634a5" xsi:nil="true"/>
-  </documentManagement>
-</p:properties>
-</file>
-
-<file path=customXml/item3.xml><?xml version="1.0" encoding="utf-8"?>
-<?mso-contentType ?>
-<FormTemplates xmlns="http://schemas.microsoft.com/sharepoint/v3/contenttype/forms">
-  <Display>DocumentLibraryForm</Display>
-  <Edit>DocumentLibraryForm</Edit>
-  <New>DocumentLibraryForm</New>
-</FormTemplates>
-</file>
-
 <file path=customXml/itemProps1.xml><?xml version="1.0" encoding="utf-8"?>
-<ds:datastoreItem xmlns:ds="http://schemas.openxmlformats.org/officeDocument/2006/customXml" ds:itemID="{07447222-FAA1-459C-93D6-004820158AF1}">
+<ds:datastoreItem xmlns:ds="http://schemas.openxmlformats.org/officeDocument/2006/customXml" ds:itemID="{9560C613-0839-4018-A80A-662314AD1665}">
   <ds:schemaRefs>
-    <ds:schemaRef ds:uri="http://schemas.microsoft.com/office/2006/metadata/contentType"/>
-    <ds:schemaRef ds:uri="http://schemas.microsoft.com/office/2006/metadata/properties/metaAttributes"/>
-    <ds:schemaRef ds:uri="http://www.w3.org/2001/XMLSchema"/>
-    <ds:schemaRef ds:uri="http://schemas.microsoft.com/office/2006/metadata/properties"/>
-    <ds:schemaRef ds:uri="004c3549-55d9-4609-8a36-cec1dcd634a5"/>
-    <ds:schemaRef ds:uri="b8bbb838-277e-4a48-8250-7513e354bba9"/>
-    <ds:schemaRef ds:uri="http://schemas.microsoft.com/office/2006/documentManagement/types"/>
-    <ds:schemaRef ds:uri="http://schemas.microsoft.com/office/infopath/2007/PartnerControls"/>
-    <ds:schemaRef ds:uri="http://schemas.openxmlformats.org/package/2006/metadata/core-properties"/>
-    <ds:schemaRef ds:uri="http://purl.org/dc/elements/1.1/"/>
-    <ds:schemaRef ds:uri="http://purl.org/dc/terms/"/>
-    <ds:schemaRef ds:uri="http://schemas.microsoft.com/internal/obd"/>
+    <ds:schemaRef ds:uri="http://schemas.microsoft.com/sharepoint/v3/contenttype/forms"/>
   </ds:schemaRefs>
 </ds:datastoreItem>
 </file>
@@ -21586,9 +21596,20 @@
 </file>
 
 <file path=customXml/itemProps3.xml><?xml version="1.0" encoding="utf-8"?>
-<ds:datastoreItem xmlns:ds="http://schemas.openxmlformats.org/officeDocument/2006/customXml" ds:itemID="{9560C613-0839-4018-A80A-662314AD1665}">
+<ds:datastoreItem xmlns:ds="http://schemas.openxmlformats.org/officeDocument/2006/customXml" ds:itemID="{07447222-FAA1-459C-93D6-004820158AF1}">
   <ds:schemaRefs>
-    <ds:schemaRef ds:uri="http://schemas.microsoft.com/sharepoint/v3/contenttype/forms"/>
+    <ds:schemaRef ds:uri="http://schemas.microsoft.com/office/2006/metadata/contentType"/>
+    <ds:schemaRef ds:uri="http://schemas.microsoft.com/office/2006/metadata/properties/metaAttributes"/>
+    <ds:schemaRef ds:uri="http://www.w3.org/2001/XMLSchema"/>
+    <ds:schemaRef ds:uri="http://schemas.microsoft.com/office/2006/metadata/properties"/>
+    <ds:schemaRef ds:uri="004c3549-55d9-4609-8a36-cec1dcd634a5"/>
+    <ds:schemaRef ds:uri="b8bbb838-277e-4a48-8250-7513e354bba9"/>
+    <ds:schemaRef ds:uri="http://schemas.microsoft.com/office/2006/documentManagement/types"/>
+    <ds:schemaRef ds:uri="http://schemas.microsoft.com/office/infopath/2007/PartnerControls"/>
+    <ds:schemaRef ds:uri="http://schemas.openxmlformats.org/package/2006/metadata/core-properties"/>
+    <ds:schemaRef ds:uri="http://purl.org/dc/elements/1.1/"/>
+    <ds:schemaRef ds:uri="http://purl.org/dc/terms/"/>
+    <ds:schemaRef ds:uri="http://schemas.microsoft.com/internal/obd"/>
   </ds:schemaRefs>
 </ds:datastoreItem>
 </file>
--- a/Project File/직무과제 PT(오정택).pptx
+++ b/Project File/직무과제 PT(오정택).pptx
@@ -8,8 +8,8 @@
   <p:sldIdLst>
     <p:sldId id="262" r:id="rId6"/>
     <p:sldId id="324" r:id="rId7"/>
-    <p:sldId id="326" r:id="rId8"/>
-    <p:sldId id="1621" r:id="rId9"/>
+    <p:sldId id="1621" r:id="rId8"/>
+    <p:sldId id="326" r:id="rId9"/>
     <p:sldId id="1620" r:id="rId10"/>
     <p:sldId id="323" r:id="rId11"/>
   </p:sldIdLst>
@@ -13700,1173 +13700,6 @@
       </p:grpSpPr>
       <p:sp>
         <p:nvSpPr>
-          <p:cNvPr id="2" name="사각형: 둥근 모서리 1">
-            <a:extLst>
-              <a:ext uri="{FF2B5EF4-FFF2-40B4-BE49-F238E27FC236}">
-                <a16:creationId xmlns:a16="http://schemas.microsoft.com/office/drawing/2014/main" id="{EF5BFC4C-0EBE-E441-F07F-771C83072F8C}"/>
-              </a:ext>
-            </a:extLst>
-          </p:cNvPr>
-          <p:cNvSpPr/>
-          <p:nvPr/>
-        </p:nvSpPr>
-        <p:spPr>
-          <a:xfrm>
-            <a:off x="1883301" y="2119036"/>
-            <a:ext cx="3519851" cy="3107304"/>
-          </a:xfrm>
-          <a:prstGeom prst="roundRect">
-            <a:avLst/>
-          </a:prstGeom>
-          <a:solidFill>
-            <a:schemeClr val="bg1"/>
-          </a:solidFill>
-          <a:ln w="25400">
-            <a:solidFill>
-              <a:schemeClr val="accent6">
-                <a:lumMod val="50000"/>
-              </a:schemeClr>
-            </a:solidFill>
-          </a:ln>
-          <a:effectLst>
-            <a:outerShdw blurRad="50800" dist="38100" dir="2700000" algn="tl" rotWithShape="0">
-              <a:prstClr val="black">
-                <a:alpha val="40000"/>
-              </a:prstClr>
-            </a:outerShdw>
-          </a:effectLst>
-        </p:spPr>
-        <p:style>
-          <a:lnRef idx="2">
-            <a:schemeClr val="accent1">
-              <a:shade val="50000"/>
-            </a:schemeClr>
-          </a:lnRef>
-          <a:fillRef idx="1">
-            <a:schemeClr val="accent1"/>
-          </a:fillRef>
-          <a:effectRef idx="0">
-            <a:schemeClr val="accent1"/>
-          </a:effectRef>
-          <a:fontRef idx="minor">
-            <a:schemeClr val="lt1"/>
-          </a:fontRef>
-        </p:style>
-        <p:txBody>
-          <a:bodyPr rtlCol="0" anchor="ctr"/>
-          <a:lstStyle/>
-          <a:p>
-            <a:pPr>
-              <a:lnSpc>
-                <a:spcPct val="130000"/>
-              </a:lnSpc>
-              <a:spcBef>
-                <a:spcPts val="600"/>
-              </a:spcBef>
-            </a:pPr>
-            <a:r>
-              <a:rPr lang="en-US" altLang="ko-KR" sz="1200" b="1" dirty="0">
-                <a:ln>
-                  <a:solidFill>
-                    <a:schemeClr val="bg1">
-                      <a:lumMod val="85000"/>
-                      <a:alpha val="0"/>
-                    </a:schemeClr>
-                  </a:solidFill>
-                </a:ln>
-                <a:solidFill>
-                  <a:schemeClr val="tx1"/>
-                </a:solidFill>
-              </a:rPr>
-              <a:t>Frontend: </a:t>
-            </a:r>
-          </a:p>
-          <a:p>
-            <a:pPr>
-              <a:lnSpc>
-                <a:spcPct val="130000"/>
-              </a:lnSpc>
-              <a:spcBef>
-                <a:spcPts val="600"/>
-              </a:spcBef>
-            </a:pPr>
-            <a:r>
-              <a:rPr lang="en-US" altLang="ko-KR" sz="1200" dirty="0">
-                <a:ln>
-                  <a:solidFill>
-                    <a:schemeClr val="bg1">
-                      <a:lumMod val="85000"/>
-                      <a:alpha val="0"/>
-                    </a:schemeClr>
-                  </a:solidFill>
-                </a:ln>
-                <a:solidFill>
-                  <a:schemeClr val="tx1"/>
-                </a:solidFill>
-              </a:rPr>
-              <a:t>Vue.js (2.7.16), Node.js (20.15.0)</a:t>
-            </a:r>
-          </a:p>
-          <a:p>
-            <a:pPr>
-              <a:lnSpc>
-                <a:spcPct val="130000"/>
-              </a:lnSpc>
-              <a:spcBef>
-                <a:spcPts val="600"/>
-              </a:spcBef>
-            </a:pPr>
-            <a:endParaRPr lang="en-US" altLang="ko-KR" sz="1200" dirty="0">
-              <a:ln>
-                <a:solidFill>
-                  <a:schemeClr val="bg1">
-                    <a:lumMod val="85000"/>
-                    <a:alpha val="0"/>
-                  </a:schemeClr>
-                </a:solidFill>
-              </a:ln>
-              <a:solidFill>
-                <a:schemeClr val="tx1"/>
-              </a:solidFill>
-            </a:endParaRPr>
-          </a:p>
-          <a:p>
-            <a:pPr>
-              <a:lnSpc>
-                <a:spcPct val="130000"/>
-              </a:lnSpc>
-              <a:spcBef>
-                <a:spcPts val="600"/>
-              </a:spcBef>
-            </a:pPr>
-            <a:r>
-              <a:rPr lang="en-US" altLang="ko-KR" sz="1200" b="1" dirty="0">
-                <a:ln>
-                  <a:solidFill>
-                    <a:schemeClr val="bg1">
-                      <a:lumMod val="85000"/>
-                      <a:alpha val="0"/>
-                    </a:schemeClr>
-                  </a:solidFill>
-                </a:ln>
-                <a:solidFill>
-                  <a:schemeClr val="tx1"/>
-                </a:solidFill>
-              </a:rPr>
-              <a:t>Backend: </a:t>
-            </a:r>
-          </a:p>
-          <a:p>
-            <a:pPr>
-              <a:lnSpc>
-                <a:spcPct val="130000"/>
-              </a:lnSpc>
-              <a:spcBef>
-                <a:spcPts val="600"/>
-              </a:spcBef>
-            </a:pPr>
-            <a:r>
-              <a:rPr lang="en-US" altLang="ko-KR" sz="1200" dirty="0" err="1">
-                <a:ln>
-                  <a:solidFill>
-                    <a:schemeClr val="bg1">
-                      <a:lumMod val="85000"/>
-                      <a:alpha val="0"/>
-                    </a:schemeClr>
-                  </a:solidFill>
-                </a:ln>
-                <a:solidFill>
-                  <a:schemeClr val="tx1"/>
-                </a:solidFill>
-              </a:rPr>
-              <a:t>SpringBoot</a:t>
-            </a:r>
-            <a:r>
-              <a:rPr lang="en-US" altLang="ko-KR" sz="1200" dirty="0">
-                <a:ln>
-                  <a:solidFill>
-                    <a:schemeClr val="bg1">
-                      <a:lumMod val="85000"/>
-                      <a:alpha val="0"/>
-                    </a:schemeClr>
-                  </a:solidFill>
-                </a:ln>
-                <a:solidFill>
-                  <a:schemeClr val="tx1"/>
-                </a:solidFill>
-              </a:rPr>
-              <a:t> (3.0.3), Java (17</a:t>
-            </a:r>
-            <a:r>
-              <a:rPr lang="en-US" altLang="zh-CN" sz="1200" dirty="0">
-                <a:ln>
-                  <a:solidFill>
-                    <a:schemeClr val="bg1">
-                      <a:lumMod val="85000"/>
-                      <a:alpha val="0"/>
-                    </a:schemeClr>
-                  </a:solidFill>
-                </a:ln>
-                <a:solidFill>
-                  <a:schemeClr val="tx1"/>
-                </a:solidFill>
-              </a:rPr>
-              <a:t>)</a:t>
-            </a:r>
-            <a:r>
-              <a:rPr lang="en-US" altLang="ko-KR" sz="1200" dirty="0">
-                <a:ln>
-                  <a:solidFill>
-                    <a:schemeClr val="bg1">
-                      <a:lumMod val="85000"/>
-                      <a:alpha val="0"/>
-                    </a:schemeClr>
-                  </a:solidFill>
-                </a:ln>
-                <a:solidFill>
-                  <a:schemeClr val="tx1"/>
-                </a:solidFill>
-              </a:rPr>
-              <a:t>, Tomcat (9.0.9) </a:t>
-            </a:r>
-          </a:p>
-          <a:p>
-            <a:pPr>
-              <a:lnSpc>
-                <a:spcPct val="130000"/>
-              </a:lnSpc>
-              <a:spcBef>
-                <a:spcPts val="600"/>
-              </a:spcBef>
-            </a:pPr>
-            <a:endParaRPr lang="en-US" altLang="ko-KR" sz="1200" dirty="0">
-              <a:ln>
-                <a:solidFill>
-                  <a:schemeClr val="bg1">
-                    <a:lumMod val="85000"/>
-                    <a:alpha val="0"/>
-                  </a:schemeClr>
-                </a:solidFill>
-              </a:ln>
-              <a:solidFill>
-                <a:schemeClr val="tx1"/>
-              </a:solidFill>
-            </a:endParaRPr>
-          </a:p>
-          <a:p>
-            <a:pPr>
-              <a:lnSpc>
-                <a:spcPct val="130000"/>
-              </a:lnSpc>
-              <a:spcBef>
-                <a:spcPts val="600"/>
-              </a:spcBef>
-            </a:pPr>
-            <a:r>
-              <a:rPr lang="en-US" altLang="ko-KR" sz="1200" b="1" dirty="0">
-                <a:ln>
-                  <a:solidFill>
-                    <a:schemeClr val="bg1">
-                      <a:lumMod val="85000"/>
-                      <a:alpha val="0"/>
-                    </a:schemeClr>
-                  </a:solidFill>
-                </a:ln>
-                <a:solidFill>
-                  <a:schemeClr val="tx1"/>
-                </a:solidFill>
-              </a:rPr>
-              <a:t>Database: </a:t>
-            </a:r>
-          </a:p>
-          <a:p>
-            <a:pPr>
-              <a:lnSpc>
-                <a:spcPct val="130000"/>
-              </a:lnSpc>
-              <a:spcBef>
-                <a:spcPts val="600"/>
-              </a:spcBef>
-            </a:pPr>
-            <a:r>
-              <a:rPr lang="en-US" altLang="ko-KR" sz="1200" dirty="0">
-                <a:ln>
-                  <a:solidFill>
-                    <a:schemeClr val="bg1">
-                      <a:lumMod val="85000"/>
-                      <a:alpha val="0"/>
-                    </a:schemeClr>
-                  </a:solidFill>
-                </a:ln>
-                <a:solidFill>
-                  <a:schemeClr val="tx1"/>
-                </a:solidFill>
-              </a:rPr>
-              <a:t>MariaDB (12.8.0)</a:t>
-            </a:r>
-          </a:p>
-        </p:txBody>
-      </p:sp>
-      <p:sp>
-        <p:nvSpPr>
-          <p:cNvPr id="22" name="사각형: 둥근 모서리 21">
-            <a:extLst>
-              <a:ext uri="{FF2B5EF4-FFF2-40B4-BE49-F238E27FC236}">
-                <a16:creationId xmlns:a16="http://schemas.microsoft.com/office/drawing/2014/main" id="{7AA59955-E8B4-8C76-A598-2E705E76B262}"/>
-              </a:ext>
-            </a:extLst>
-          </p:cNvPr>
-          <p:cNvSpPr/>
-          <p:nvPr/>
-        </p:nvSpPr>
-        <p:spPr>
-          <a:xfrm>
-            <a:off x="6614375" y="2119036"/>
-            <a:ext cx="3519851" cy="3107304"/>
-          </a:xfrm>
-          <a:prstGeom prst="roundRect">
-            <a:avLst/>
-          </a:prstGeom>
-          <a:solidFill>
-            <a:schemeClr val="bg1"/>
-          </a:solidFill>
-          <a:ln w="25400">
-            <a:solidFill>
-              <a:schemeClr val="accent6">
-                <a:lumMod val="50000"/>
-              </a:schemeClr>
-            </a:solidFill>
-          </a:ln>
-          <a:effectLst>
-            <a:outerShdw blurRad="50800" dist="38100" dir="2700000" algn="tl" rotWithShape="0">
-              <a:prstClr val="black">
-                <a:alpha val="40000"/>
-              </a:prstClr>
-            </a:outerShdw>
-          </a:effectLst>
-        </p:spPr>
-        <p:style>
-          <a:lnRef idx="2">
-            <a:schemeClr val="accent1">
-              <a:shade val="50000"/>
-            </a:schemeClr>
-          </a:lnRef>
-          <a:fillRef idx="1">
-            <a:schemeClr val="accent1"/>
-          </a:fillRef>
-          <a:effectRef idx="0">
-            <a:schemeClr val="accent1"/>
-          </a:effectRef>
-          <a:fontRef idx="minor">
-            <a:schemeClr val="lt1"/>
-          </a:fontRef>
-        </p:style>
-        <p:txBody>
-          <a:bodyPr rtlCol="0" anchor="ctr"/>
-          <a:lstStyle/>
-          <a:p>
-            <a:pPr>
-              <a:lnSpc>
-                <a:spcPct val="130000"/>
-              </a:lnSpc>
-              <a:spcBef>
-                <a:spcPts val="600"/>
-              </a:spcBef>
-            </a:pPr>
-            <a:r>
-              <a:rPr lang="en-US" altLang="ko-KR" sz="1200" b="1" dirty="0">
-                <a:ln>
-                  <a:solidFill>
-                    <a:schemeClr val="bg1">
-                      <a:lumMod val="85000"/>
-                      <a:alpha val="0"/>
-                    </a:schemeClr>
-                  </a:solidFill>
-                </a:ln>
-                <a:solidFill>
-                  <a:schemeClr val="tx1"/>
-                </a:solidFill>
-              </a:rPr>
-              <a:t>Layout: </a:t>
-            </a:r>
-          </a:p>
-          <a:p>
-            <a:pPr>
-              <a:lnSpc>
-                <a:spcPct val="130000"/>
-              </a:lnSpc>
-              <a:spcBef>
-                <a:spcPts val="600"/>
-              </a:spcBef>
-            </a:pPr>
-            <a:r>
-              <a:rPr lang="en-US" altLang="ko-KR" sz="1200" dirty="0">
-                <a:ln>
-                  <a:solidFill>
-                    <a:schemeClr val="bg1">
-                      <a:lumMod val="85000"/>
-                      <a:alpha val="0"/>
-                    </a:schemeClr>
-                  </a:solidFill>
-                </a:ln>
-                <a:solidFill>
-                  <a:schemeClr val="tx1"/>
-                </a:solidFill>
-              </a:rPr>
-              <a:t>NARU (SKT I/F </a:t>
-            </a:r>
-            <a:r>
-              <a:rPr lang="ko-KR" altLang="en-US" sz="1200" dirty="0">
-                <a:ln>
-                  <a:solidFill>
-                    <a:schemeClr val="bg1">
-                      <a:lumMod val="85000"/>
-                      <a:alpha val="0"/>
-                    </a:schemeClr>
-                  </a:solidFill>
-                </a:ln>
-                <a:solidFill>
-                  <a:schemeClr val="tx1"/>
-                </a:solidFill>
-              </a:rPr>
-              <a:t>관리 시스템</a:t>
-            </a:r>
-            <a:r>
-              <a:rPr lang="en-US" altLang="ko-KR" sz="1200" dirty="0">
-                <a:ln>
-                  <a:solidFill>
-                    <a:schemeClr val="bg1">
-                      <a:lumMod val="85000"/>
-                      <a:alpha val="0"/>
-                    </a:schemeClr>
-                  </a:solidFill>
-                </a:ln>
-                <a:solidFill>
-                  <a:schemeClr val="tx1"/>
-                </a:solidFill>
-              </a:rPr>
-              <a:t>)</a:t>
-            </a:r>
-          </a:p>
-          <a:p>
-            <a:pPr>
-              <a:lnSpc>
-                <a:spcPct val="130000"/>
-              </a:lnSpc>
-              <a:spcBef>
-                <a:spcPts val="600"/>
-              </a:spcBef>
-            </a:pPr>
-            <a:endParaRPr lang="en-US" altLang="ko-KR" sz="1200" dirty="0">
-              <a:ln>
-                <a:solidFill>
-                  <a:schemeClr val="bg1">
-                    <a:lumMod val="85000"/>
-                    <a:alpha val="0"/>
-                  </a:schemeClr>
-                </a:solidFill>
-              </a:ln>
-              <a:solidFill>
-                <a:schemeClr val="tx1"/>
-              </a:solidFill>
-            </a:endParaRPr>
-          </a:p>
-          <a:p>
-            <a:pPr>
-              <a:lnSpc>
-                <a:spcPct val="130000"/>
-              </a:lnSpc>
-              <a:spcBef>
-                <a:spcPts val="600"/>
-              </a:spcBef>
-            </a:pPr>
-            <a:r>
-              <a:rPr lang="ko-KR" altLang="en-US" sz="1200" b="1" dirty="0">
-                <a:ln>
-                  <a:solidFill>
-                    <a:schemeClr val="bg1">
-                      <a:lumMod val="85000"/>
-                      <a:alpha val="0"/>
-                    </a:schemeClr>
-                  </a:solidFill>
-                </a:ln>
-                <a:solidFill>
-                  <a:schemeClr val="tx1"/>
-                </a:solidFill>
-              </a:rPr>
-              <a:t>실시간 검색</a:t>
-            </a:r>
-            <a:r>
-              <a:rPr lang="en-US" altLang="ko-KR" sz="1200" b="1" dirty="0">
-                <a:ln>
-                  <a:solidFill>
-                    <a:schemeClr val="bg1">
-                      <a:lumMod val="85000"/>
-                      <a:alpha val="0"/>
-                    </a:schemeClr>
-                  </a:solidFill>
-                </a:ln>
-                <a:solidFill>
-                  <a:schemeClr val="tx1"/>
-                </a:solidFill>
-              </a:rPr>
-              <a:t>: </a:t>
-            </a:r>
-          </a:p>
-          <a:p>
-            <a:pPr>
-              <a:lnSpc>
-                <a:spcPct val="130000"/>
-              </a:lnSpc>
-              <a:spcBef>
-                <a:spcPts val="600"/>
-              </a:spcBef>
-            </a:pPr>
-            <a:r>
-              <a:rPr lang="en-US" altLang="ko-KR" sz="1200" dirty="0">
-                <a:ln>
-                  <a:solidFill>
-                    <a:schemeClr val="bg1">
-                      <a:lumMod val="85000"/>
-                      <a:alpha val="0"/>
-                    </a:schemeClr>
-                  </a:solidFill>
-                </a:ln>
-                <a:solidFill>
-                  <a:schemeClr val="tx1"/>
-                </a:solidFill>
-              </a:rPr>
-              <a:t>Ajax</a:t>
-            </a:r>
-          </a:p>
-          <a:p>
-            <a:pPr>
-              <a:lnSpc>
-                <a:spcPct val="130000"/>
-              </a:lnSpc>
-              <a:spcBef>
-                <a:spcPts val="600"/>
-              </a:spcBef>
-            </a:pPr>
-            <a:endParaRPr lang="en-US" altLang="ko-KR" sz="1200" dirty="0">
-              <a:ln>
-                <a:solidFill>
-                  <a:schemeClr val="bg1">
-                    <a:lumMod val="85000"/>
-                    <a:alpha val="0"/>
-                  </a:schemeClr>
-                </a:solidFill>
-              </a:ln>
-              <a:solidFill>
-                <a:schemeClr val="tx1"/>
-              </a:solidFill>
-            </a:endParaRPr>
-          </a:p>
-          <a:p>
-            <a:pPr>
-              <a:lnSpc>
-                <a:spcPct val="130000"/>
-              </a:lnSpc>
-              <a:spcBef>
-                <a:spcPts val="600"/>
-              </a:spcBef>
-            </a:pPr>
-            <a:r>
-              <a:rPr lang="ko-KR" altLang="en-US" sz="1200" b="1" dirty="0">
-                <a:ln>
-                  <a:solidFill>
-                    <a:schemeClr val="bg1">
-                      <a:lumMod val="85000"/>
-                      <a:alpha val="0"/>
-                    </a:schemeClr>
-                  </a:solidFill>
-                </a:ln>
-                <a:solidFill>
-                  <a:schemeClr val="tx1"/>
-                </a:solidFill>
-              </a:rPr>
-              <a:t>접근 권한 </a:t>
-            </a:r>
-            <a:r>
-              <a:rPr lang="en-US" altLang="ko-KR" sz="1200" b="1" dirty="0">
-                <a:ln>
-                  <a:solidFill>
-                    <a:schemeClr val="bg1">
-                      <a:lumMod val="85000"/>
-                      <a:alpha val="0"/>
-                    </a:schemeClr>
-                  </a:solidFill>
-                </a:ln>
-                <a:solidFill>
-                  <a:schemeClr val="tx1"/>
-                </a:solidFill>
-              </a:rPr>
-              <a:t>&amp; </a:t>
-            </a:r>
-            <a:r>
-              <a:rPr lang="ko-KR" altLang="en-US" sz="1200" b="1" dirty="0" err="1">
-                <a:ln>
-                  <a:solidFill>
-                    <a:schemeClr val="bg1">
-                      <a:lumMod val="85000"/>
-                      <a:alpha val="0"/>
-                    </a:schemeClr>
-                  </a:solidFill>
-                </a:ln>
-                <a:solidFill>
-                  <a:schemeClr val="tx1"/>
-                </a:solidFill>
-              </a:rPr>
-              <a:t>인터셉터</a:t>
-            </a:r>
-            <a:r>
-              <a:rPr lang="ko-KR" altLang="en-US" sz="1200" b="1" dirty="0">
-                <a:ln>
-                  <a:solidFill>
-                    <a:schemeClr val="bg1">
-                      <a:lumMod val="85000"/>
-                      <a:alpha val="0"/>
-                    </a:schemeClr>
-                  </a:solidFill>
-                </a:ln>
-                <a:solidFill>
-                  <a:schemeClr val="tx1"/>
-                </a:solidFill>
-              </a:rPr>
-              <a:t> </a:t>
-            </a:r>
-            <a:r>
-              <a:rPr lang="en-US" altLang="ko-KR" sz="1200" b="1" dirty="0">
-                <a:ln>
-                  <a:solidFill>
-                    <a:schemeClr val="bg1">
-                      <a:lumMod val="85000"/>
-                      <a:alpha val="0"/>
-                    </a:schemeClr>
-                  </a:solidFill>
-                </a:ln>
-                <a:solidFill>
-                  <a:schemeClr val="tx1"/>
-                </a:solidFill>
-              </a:rPr>
-              <a:t>: </a:t>
-            </a:r>
-          </a:p>
-          <a:p>
-            <a:pPr>
-              <a:lnSpc>
-                <a:spcPct val="130000"/>
-              </a:lnSpc>
-              <a:spcBef>
-                <a:spcPts val="600"/>
-              </a:spcBef>
-            </a:pPr>
-            <a:r>
-              <a:rPr lang="en-US" altLang="ko-KR" sz="1200" dirty="0" err="1">
-                <a:ln>
-                  <a:solidFill>
-                    <a:schemeClr val="bg1">
-                      <a:lumMod val="85000"/>
-                      <a:alpha val="0"/>
-                    </a:schemeClr>
-                  </a:solidFill>
-                </a:ln>
-                <a:solidFill>
-                  <a:schemeClr val="tx1"/>
-                </a:solidFill>
-              </a:rPr>
-              <a:t>Json</a:t>
-            </a:r>
-            <a:r>
-              <a:rPr lang="en-US" altLang="ko-KR" sz="1200" dirty="0">
-                <a:ln>
-                  <a:solidFill>
-                    <a:schemeClr val="bg1">
-                      <a:lumMod val="85000"/>
-                      <a:alpha val="0"/>
-                    </a:schemeClr>
-                  </a:solidFill>
-                </a:ln>
-                <a:solidFill>
-                  <a:schemeClr val="tx1"/>
-                </a:solidFill>
-              </a:rPr>
-              <a:t> Web Token + Route Guards </a:t>
-            </a:r>
-          </a:p>
-        </p:txBody>
-      </p:sp>
-      <p:sp>
-        <p:nvSpPr>
-          <p:cNvPr id="23" name="TextBox 22">
-            <a:extLst>
-              <a:ext uri="{FF2B5EF4-FFF2-40B4-BE49-F238E27FC236}">
-                <a16:creationId xmlns:a16="http://schemas.microsoft.com/office/drawing/2014/main" id="{06101AFB-6965-E288-CD27-8A9466207B48}"/>
-              </a:ext>
-            </a:extLst>
-          </p:cNvPr>
-          <p:cNvSpPr txBox="1"/>
-          <p:nvPr/>
-        </p:nvSpPr>
-        <p:spPr>
-          <a:xfrm>
-            <a:off x="2778793" y="1562971"/>
-            <a:ext cx="1728868" cy="282768"/>
-          </a:xfrm>
-          <a:prstGeom prst="rect">
-            <a:avLst/>
-          </a:prstGeom>
-          <a:solidFill>
-            <a:schemeClr val="accent6">
-              <a:lumMod val="20000"/>
-              <a:lumOff val="80000"/>
-            </a:schemeClr>
-          </a:solidFill>
-          <a:ln w="19050">
-            <a:noFill/>
-          </a:ln>
-        </p:spPr>
-        <p:style>
-          <a:lnRef idx="2">
-            <a:schemeClr val="accent1">
-              <a:shade val="50000"/>
-            </a:schemeClr>
-          </a:lnRef>
-          <a:fillRef idx="1">
-            <a:schemeClr val="accent1"/>
-          </a:fillRef>
-          <a:effectRef idx="0">
-            <a:schemeClr val="accent1"/>
-          </a:effectRef>
-          <a:fontRef idx="minor">
-            <a:schemeClr val="lt1"/>
-          </a:fontRef>
-        </p:style>
-        <p:txBody>
-          <a:bodyPr lIns="0" rIns="0" rtlCol="0" anchor="ctr">
-            <a:scene3d>
-              <a:camera prst="orthographicFront"/>
-              <a:lightRig rig="threePt" dir="t"/>
-            </a:scene3d>
-            <a:sp3d>
-              <a:bevelT w="0" h="0"/>
-              <a:bevelB w="0" h="0"/>
-              <a:contourClr>
-                <a:schemeClr val="tx1">
-                  <a:lumMod val="65000"/>
-                  <a:lumOff val="35000"/>
-                </a:schemeClr>
-              </a:contourClr>
-            </a:sp3d>
-          </a:bodyPr>
-          <a:lstStyle>
-            <a:defPPr>
-              <a:defRPr lang="ko-KR"/>
-            </a:defPPr>
-            <a:lvl1pPr defTabSz="1090422">
-              <a:defRPr sz="2100">
-                <a:solidFill>
-                  <a:schemeClr val="lt1"/>
-                </a:solidFill>
-              </a:defRPr>
-            </a:lvl1pPr>
-            <a:lvl2pPr marL="0" lvl="1" algn="ctr" defTabSz="1067426">
-              <a:lnSpc>
-                <a:spcPct val="90000"/>
-              </a:lnSpc>
-              <a:buClr>
-                <a:srgbClr val="3271AA"/>
-              </a:buClr>
-              <a:buSzPct val="140000"/>
-              <a:tabLst>
-                <a:tab pos="814888" algn="l"/>
-              </a:tabLst>
-              <a:defRPr sz="1200">
-                <a:ln>
-                  <a:noFill/>
-                </a:ln>
-                <a:solidFill>
-                  <a:schemeClr val="tx1">
-                    <a:lumMod val="85000"/>
-                    <a:lumOff val="15000"/>
-                  </a:schemeClr>
-                </a:solidFill>
-                <a:latin typeface="Arial" pitchFamily="34" charset="0"/>
-                <a:ea typeface="맑은 고딕" pitchFamily="50" charset="-127"/>
-                <a:cs typeface="Arial" pitchFamily="34" charset="0"/>
-              </a:defRPr>
-            </a:lvl2pPr>
-            <a:lvl3pPr marL="1090422" defTabSz="1090422">
-              <a:defRPr sz="2100">
-                <a:solidFill>
-                  <a:schemeClr val="lt1"/>
-                </a:solidFill>
-              </a:defRPr>
-            </a:lvl3pPr>
-            <a:lvl4pPr marL="1635633" defTabSz="1090422">
-              <a:defRPr sz="2100">
-                <a:solidFill>
-                  <a:schemeClr val="lt1"/>
-                </a:solidFill>
-              </a:defRPr>
-            </a:lvl4pPr>
-            <a:lvl5pPr marL="2180844" defTabSz="1090422">
-              <a:defRPr sz="2100">
-                <a:solidFill>
-                  <a:schemeClr val="lt1"/>
-                </a:solidFill>
-              </a:defRPr>
-            </a:lvl5pPr>
-            <a:lvl6pPr marL="2726055" defTabSz="1090422">
-              <a:defRPr sz="2100">
-                <a:solidFill>
-                  <a:schemeClr val="lt1"/>
-                </a:solidFill>
-              </a:defRPr>
-            </a:lvl6pPr>
-            <a:lvl7pPr marL="3271266" defTabSz="1090422">
-              <a:defRPr sz="2100">
-                <a:solidFill>
-                  <a:schemeClr val="lt1"/>
-                </a:solidFill>
-              </a:defRPr>
-            </a:lvl7pPr>
-            <a:lvl8pPr marL="3816477" defTabSz="1090422">
-              <a:defRPr sz="2100">
-                <a:solidFill>
-                  <a:schemeClr val="lt1"/>
-                </a:solidFill>
-              </a:defRPr>
-            </a:lvl8pPr>
-            <a:lvl9pPr marL="4361688" defTabSz="1090422">
-              <a:defRPr sz="2100">
-                <a:solidFill>
-                  <a:schemeClr val="lt1"/>
-                </a:solidFill>
-              </a:defRPr>
-            </a:lvl9pPr>
-          </a:lstStyle>
-          <a:p>
-            <a:pPr indent="-96471" algn="ctr" defTabSz="945888" fontAlgn="base" latinLnBrk="0">
-              <a:spcBef>
-                <a:spcPct val="0"/>
-              </a:spcBef>
-              <a:buSzPct val="80000"/>
-              <a:tabLst>
-                <a:tab pos="5461679" algn="l"/>
-              </a:tabLst>
-              <a:defRPr/>
-            </a:pPr>
-            <a:r>
-              <a:rPr kumimoji="1" lang="ko-KR" altLang="en-US" sz="1200" b="1" dirty="0">
-                <a:ln>
-                  <a:solidFill>
-                    <a:prstClr val="white">
-                      <a:alpha val="0"/>
-                    </a:prstClr>
-                  </a:solidFill>
-                </a:ln>
-                <a:solidFill>
-                  <a:prstClr val="black">
-                    <a:lumMod val="85000"/>
-                    <a:lumOff val="15000"/>
-                  </a:prstClr>
-                </a:solidFill>
-                <a:latin typeface="+mn-ea"/>
-                <a:sym typeface="KoPub돋움체 Medium"/>
-              </a:rPr>
-              <a:t>기술 스택</a:t>
-            </a:r>
-          </a:p>
-        </p:txBody>
-      </p:sp>
-      <p:sp>
-        <p:nvSpPr>
-          <p:cNvPr id="24" name="TextBox 23">
-            <a:extLst>
-              <a:ext uri="{FF2B5EF4-FFF2-40B4-BE49-F238E27FC236}">
-                <a16:creationId xmlns:a16="http://schemas.microsoft.com/office/drawing/2014/main" id="{92DDD7B0-59BC-9489-5A36-628246639B32}"/>
-              </a:ext>
-            </a:extLst>
-          </p:cNvPr>
-          <p:cNvSpPr txBox="1"/>
-          <p:nvPr/>
-        </p:nvSpPr>
-        <p:spPr>
-          <a:xfrm>
-            <a:off x="7509867" y="1562971"/>
-            <a:ext cx="1728868" cy="282768"/>
-          </a:xfrm>
-          <a:prstGeom prst="rect">
-            <a:avLst/>
-          </a:prstGeom>
-          <a:solidFill>
-            <a:schemeClr val="accent6">
-              <a:lumMod val="20000"/>
-              <a:lumOff val="80000"/>
-            </a:schemeClr>
-          </a:solidFill>
-          <a:ln w="19050">
-            <a:noFill/>
-          </a:ln>
-        </p:spPr>
-        <p:style>
-          <a:lnRef idx="2">
-            <a:schemeClr val="accent1">
-              <a:shade val="50000"/>
-            </a:schemeClr>
-          </a:lnRef>
-          <a:fillRef idx="1">
-            <a:schemeClr val="accent1"/>
-          </a:fillRef>
-          <a:effectRef idx="0">
-            <a:schemeClr val="accent1"/>
-          </a:effectRef>
-          <a:fontRef idx="minor">
-            <a:schemeClr val="lt1"/>
-          </a:fontRef>
-        </p:style>
-        <p:txBody>
-          <a:bodyPr lIns="0" rIns="0" rtlCol="0" anchor="ctr">
-            <a:scene3d>
-              <a:camera prst="orthographicFront"/>
-              <a:lightRig rig="threePt" dir="t"/>
-            </a:scene3d>
-            <a:sp3d>
-              <a:bevelT w="0" h="0"/>
-              <a:bevelB w="0" h="0"/>
-              <a:contourClr>
-                <a:schemeClr val="tx1">
-                  <a:lumMod val="65000"/>
-                  <a:lumOff val="35000"/>
-                </a:schemeClr>
-              </a:contourClr>
-            </a:sp3d>
-          </a:bodyPr>
-          <a:lstStyle>
-            <a:defPPr>
-              <a:defRPr lang="ko-KR"/>
-            </a:defPPr>
-            <a:lvl1pPr defTabSz="1090422">
-              <a:defRPr sz="2100">
-                <a:solidFill>
-                  <a:schemeClr val="lt1"/>
-                </a:solidFill>
-              </a:defRPr>
-            </a:lvl1pPr>
-            <a:lvl2pPr marL="0" lvl="1" algn="ctr" defTabSz="1067426">
-              <a:lnSpc>
-                <a:spcPct val="90000"/>
-              </a:lnSpc>
-              <a:buClr>
-                <a:srgbClr val="3271AA"/>
-              </a:buClr>
-              <a:buSzPct val="140000"/>
-              <a:tabLst>
-                <a:tab pos="814888" algn="l"/>
-              </a:tabLst>
-              <a:defRPr sz="1200">
-                <a:ln>
-                  <a:noFill/>
-                </a:ln>
-                <a:solidFill>
-                  <a:schemeClr val="tx1">
-                    <a:lumMod val="85000"/>
-                    <a:lumOff val="15000"/>
-                  </a:schemeClr>
-                </a:solidFill>
-                <a:latin typeface="Arial" pitchFamily="34" charset="0"/>
-                <a:ea typeface="맑은 고딕" pitchFamily="50" charset="-127"/>
-                <a:cs typeface="Arial" pitchFamily="34" charset="0"/>
-              </a:defRPr>
-            </a:lvl2pPr>
-            <a:lvl3pPr marL="1090422" defTabSz="1090422">
-              <a:defRPr sz="2100">
-                <a:solidFill>
-                  <a:schemeClr val="lt1"/>
-                </a:solidFill>
-              </a:defRPr>
-            </a:lvl3pPr>
-            <a:lvl4pPr marL="1635633" defTabSz="1090422">
-              <a:defRPr sz="2100">
-                <a:solidFill>
-                  <a:schemeClr val="lt1"/>
-                </a:solidFill>
-              </a:defRPr>
-            </a:lvl4pPr>
-            <a:lvl5pPr marL="2180844" defTabSz="1090422">
-              <a:defRPr sz="2100">
-                <a:solidFill>
-                  <a:schemeClr val="lt1"/>
-                </a:solidFill>
-              </a:defRPr>
-            </a:lvl5pPr>
-            <a:lvl6pPr marL="2726055" defTabSz="1090422">
-              <a:defRPr sz="2100">
-                <a:solidFill>
-                  <a:schemeClr val="lt1"/>
-                </a:solidFill>
-              </a:defRPr>
-            </a:lvl6pPr>
-            <a:lvl7pPr marL="3271266" defTabSz="1090422">
-              <a:defRPr sz="2100">
-                <a:solidFill>
-                  <a:schemeClr val="lt1"/>
-                </a:solidFill>
-              </a:defRPr>
-            </a:lvl7pPr>
-            <a:lvl8pPr marL="3816477" defTabSz="1090422">
-              <a:defRPr sz="2100">
-                <a:solidFill>
-                  <a:schemeClr val="lt1"/>
-                </a:solidFill>
-              </a:defRPr>
-            </a:lvl8pPr>
-            <a:lvl9pPr marL="4361688" defTabSz="1090422">
-              <a:defRPr sz="2100">
-                <a:solidFill>
-                  <a:schemeClr val="lt1"/>
-                </a:solidFill>
-              </a:defRPr>
-            </a:lvl9pPr>
-          </a:lstStyle>
-          <a:p>
-            <a:pPr indent="-96471" algn="ctr" defTabSz="945888" fontAlgn="base" latinLnBrk="0">
-              <a:spcBef>
-                <a:spcPct val="0"/>
-              </a:spcBef>
-              <a:buSzPct val="80000"/>
-              <a:tabLst>
-                <a:tab pos="5461679" algn="l"/>
-              </a:tabLst>
-              <a:defRPr/>
-            </a:pPr>
-            <a:r>
-              <a:rPr kumimoji="1" lang="ko-KR" altLang="en-US" sz="1200" b="1" dirty="0">
-                <a:ln>
-                  <a:solidFill>
-                    <a:prstClr val="white">
-                      <a:alpha val="0"/>
-                    </a:prstClr>
-                  </a:solidFill>
-                </a:ln>
-                <a:solidFill>
-                  <a:prstClr val="black">
-                    <a:lumMod val="85000"/>
-                    <a:lumOff val="15000"/>
-                  </a:prstClr>
-                </a:solidFill>
-                <a:latin typeface="+mn-ea"/>
-                <a:sym typeface="KoPub돋움체 Medium"/>
-              </a:rPr>
-              <a:t>주요 포인트</a:t>
-            </a:r>
-          </a:p>
-        </p:txBody>
-      </p:sp>
-      <p:sp>
-        <p:nvSpPr>
-          <p:cNvPr id="5" name="제목 1">
-            <a:extLst>
-              <a:ext uri="{FF2B5EF4-FFF2-40B4-BE49-F238E27FC236}">
-                <a16:creationId xmlns:a16="http://schemas.microsoft.com/office/drawing/2014/main" id="{EC90B7E9-6825-74CB-BDEE-73443EAA70D8}"/>
-              </a:ext>
-            </a:extLst>
-          </p:cNvPr>
-          <p:cNvSpPr txBox="1">
-            <a:spLocks/>
-          </p:cNvSpPr>
-          <p:nvPr/>
-        </p:nvSpPr>
-        <p:spPr>
-          <a:xfrm>
-            <a:off x="215845" y="173587"/>
-            <a:ext cx="3048593" cy="363854"/>
-          </a:xfrm>
-          <a:prstGeom prst="rect">
-            <a:avLst/>
-          </a:prstGeom>
-          <a:solidFill>
-            <a:schemeClr val="accent6">
-              <a:lumMod val="50000"/>
-            </a:schemeClr>
-          </a:solidFill>
-        </p:spPr>
-        <p:txBody>
-          <a:bodyPr vert="horz" lIns="91440" tIns="45720" rIns="91440" bIns="45720" rtlCol="0" anchor="ctr">
-            <a:normAutofit/>
-          </a:bodyPr>
-          <a:lstStyle>
-            <a:lvl1pPr algn="l" defTabSz="914400" rtl="0" eaLnBrk="1" latinLnBrk="1" hangingPunct="1">
-              <a:lnSpc>
-                <a:spcPct val="90000"/>
-              </a:lnSpc>
-              <a:spcBef>
-                <a:spcPct val="0"/>
-              </a:spcBef>
-              <a:buNone/>
-              <a:defRPr sz="4400" kern="1200">
-                <a:solidFill>
-                  <a:schemeClr val="tx1"/>
-                </a:solidFill>
-                <a:latin typeface="+mj-lt"/>
-                <a:ea typeface="+mj-ea"/>
-                <a:cs typeface="+mj-cs"/>
-              </a:defRPr>
-            </a:lvl1pPr>
-          </a:lstStyle>
-          <a:p>
-            <a:pPr algn="ctr"/>
-            <a:r>
-              <a:rPr lang="ko-KR" altLang="en-US" sz="1400" b="1" dirty="0">
-                <a:solidFill>
-                  <a:schemeClr val="bg1"/>
-                </a:solidFill>
-              </a:rPr>
-              <a:t>주요 기술</a:t>
-            </a:r>
-          </a:p>
-        </p:txBody>
-      </p:sp>
-    </p:spTree>
-    <p:extLst>
-      <p:ext uri="{BB962C8B-B14F-4D97-AF65-F5344CB8AC3E}">
-        <p14:creationId xmlns:p14="http://schemas.microsoft.com/office/powerpoint/2010/main" val="698554361"/>
-      </p:ext>
-    </p:extLst>
-  </p:cSld>
-  <p:clrMapOvr>
-    <a:masterClrMapping/>
-  </p:clrMapOvr>
-  <p:timing>
-    <p:tnLst>
-      <p:par>
-        <p:cTn id="1" dur="indefinite" restart="never" nodeType="tmRoot"/>
-      </p:par>
-    </p:tnLst>
-  </p:timing>
-</p:sld>
-</file>
-
-<file path=ppt/slides/slide4.xml><?xml version="1.0" encoding="utf-8"?>
-<p:sld xmlns:a="http://schemas.openxmlformats.org/drawingml/2006/main" xmlns:r="http://schemas.openxmlformats.org/officeDocument/2006/relationships" xmlns:p="http://schemas.openxmlformats.org/presentationml/2006/main">
-  <p:cSld>
-    <p:spTree>
-      <p:nvGrpSpPr>
-        <p:cNvPr id="1" name=""/>
-        <p:cNvGrpSpPr/>
-        <p:nvPr/>
-      </p:nvGrpSpPr>
-      <p:grpSpPr>
-        <a:xfrm>
-          <a:off x="0" y="0"/>
-          <a:ext cx="0" cy="0"/>
-          <a:chOff x="0" y="0"/>
-          <a:chExt cx="0" cy="0"/>
-        </a:xfrm>
-      </p:grpSpPr>
-      <p:sp>
-        <p:nvSpPr>
           <p:cNvPr id="7" name="사각형: 둥근 모서리 6">
             <a:extLst>
               <a:ext uri="{FF2B5EF4-FFF2-40B4-BE49-F238E27FC236}">
@@ -17325,6 +16158,1173 @@
     <p:extLst>
       <p:ext uri="{BB962C8B-B14F-4D97-AF65-F5344CB8AC3E}">
         <p14:creationId xmlns:p14="http://schemas.microsoft.com/office/powerpoint/2010/main" val="2563886469"/>
+      </p:ext>
+    </p:extLst>
+  </p:cSld>
+  <p:clrMapOvr>
+    <a:masterClrMapping/>
+  </p:clrMapOvr>
+  <p:timing>
+    <p:tnLst>
+      <p:par>
+        <p:cTn id="1" dur="indefinite" restart="never" nodeType="tmRoot"/>
+      </p:par>
+    </p:tnLst>
+  </p:timing>
+</p:sld>
+</file>
+
+<file path=ppt/slides/slide4.xml><?xml version="1.0" encoding="utf-8"?>
+<p:sld xmlns:a="http://schemas.openxmlformats.org/drawingml/2006/main" xmlns:r="http://schemas.openxmlformats.org/officeDocument/2006/relationships" xmlns:p="http://schemas.openxmlformats.org/presentationml/2006/main">
+  <p:cSld>
+    <p:spTree>
+      <p:nvGrpSpPr>
+        <p:cNvPr id="1" name=""/>
+        <p:cNvGrpSpPr/>
+        <p:nvPr/>
+      </p:nvGrpSpPr>
+      <p:grpSpPr>
+        <a:xfrm>
+          <a:off x="0" y="0"/>
+          <a:ext cx="0" cy="0"/>
+          <a:chOff x="0" y="0"/>
+          <a:chExt cx="0" cy="0"/>
+        </a:xfrm>
+      </p:grpSpPr>
+      <p:sp>
+        <p:nvSpPr>
+          <p:cNvPr id="2" name="사각형: 둥근 모서리 1">
+            <a:extLst>
+              <a:ext uri="{FF2B5EF4-FFF2-40B4-BE49-F238E27FC236}">
+                <a16:creationId xmlns:a16="http://schemas.microsoft.com/office/drawing/2014/main" id="{EF5BFC4C-0EBE-E441-F07F-771C83072F8C}"/>
+              </a:ext>
+            </a:extLst>
+          </p:cNvPr>
+          <p:cNvSpPr/>
+          <p:nvPr/>
+        </p:nvSpPr>
+        <p:spPr>
+          <a:xfrm>
+            <a:off x="1883301" y="2119036"/>
+            <a:ext cx="3519851" cy="3107304"/>
+          </a:xfrm>
+          <a:prstGeom prst="roundRect">
+            <a:avLst/>
+          </a:prstGeom>
+          <a:solidFill>
+            <a:schemeClr val="bg1"/>
+          </a:solidFill>
+          <a:ln w="25400">
+            <a:solidFill>
+              <a:schemeClr val="accent6">
+                <a:lumMod val="50000"/>
+              </a:schemeClr>
+            </a:solidFill>
+          </a:ln>
+          <a:effectLst>
+            <a:outerShdw blurRad="50800" dist="38100" dir="2700000" algn="tl" rotWithShape="0">
+              <a:prstClr val="black">
+                <a:alpha val="40000"/>
+              </a:prstClr>
+            </a:outerShdw>
+          </a:effectLst>
+        </p:spPr>
+        <p:style>
+          <a:lnRef idx="2">
+            <a:schemeClr val="accent1">
+              <a:shade val="50000"/>
+            </a:schemeClr>
+          </a:lnRef>
+          <a:fillRef idx="1">
+            <a:schemeClr val="accent1"/>
+          </a:fillRef>
+          <a:effectRef idx="0">
+            <a:schemeClr val="accent1"/>
+          </a:effectRef>
+          <a:fontRef idx="minor">
+            <a:schemeClr val="lt1"/>
+          </a:fontRef>
+        </p:style>
+        <p:txBody>
+          <a:bodyPr rtlCol="0" anchor="ctr"/>
+          <a:lstStyle/>
+          <a:p>
+            <a:pPr>
+              <a:lnSpc>
+                <a:spcPct val="130000"/>
+              </a:lnSpc>
+              <a:spcBef>
+                <a:spcPts val="600"/>
+              </a:spcBef>
+            </a:pPr>
+            <a:r>
+              <a:rPr lang="en-US" altLang="ko-KR" sz="1200" b="1" dirty="0">
+                <a:ln>
+                  <a:solidFill>
+                    <a:schemeClr val="bg1">
+                      <a:lumMod val="85000"/>
+                      <a:alpha val="0"/>
+                    </a:schemeClr>
+                  </a:solidFill>
+                </a:ln>
+                <a:solidFill>
+                  <a:schemeClr val="tx1"/>
+                </a:solidFill>
+              </a:rPr>
+              <a:t>Frontend: </a:t>
+            </a:r>
+          </a:p>
+          <a:p>
+            <a:pPr>
+              <a:lnSpc>
+                <a:spcPct val="130000"/>
+              </a:lnSpc>
+              <a:spcBef>
+                <a:spcPts val="600"/>
+              </a:spcBef>
+            </a:pPr>
+            <a:r>
+              <a:rPr lang="en-US" altLang="ko-KR" sz="1200" dirty="0">
+                <a:ln>
+                  <a:solidFill>
+                    <a:schemeClr val="bg1">
+                      <a:lumMod val="85000"/>
+                      <a:alpha val="0"/>
+                    </a:schemeClr>
+                  </a:solidFill>
+                </a:ln>
+                <a:solidFill>
+                  <a:schemeClr val="tx1"/>
+                </a:solidFill>
+              </a:rPr>
+              <a:t>Vue.js (2.7.16), Node.js (20.15.0)</a:t>
+            </a:r>
+          </a:p>
+          <a:p>
+            <a:pPr>
+              <a:lnSpc>
+                <a:spcPct val="130000"/>
+              </a:lnSpc>
+              <a:spcBef>
+                <a:spcPts val="600"/>
+              </a:spcBef>
+            </a:pPr>
+            <a:endParaRPr lang="en-US" altLang="ko-KR" sz="1200" dirty="0">
+              <a:ln>
+                <a:solidFill>
+                  <a:schemeClr val="bg1">
+                    <a:lumMod val="85000"/>
+                    <a:alpha val="0"/>
+                  </a:schemeClr>
+                </a:solidFill>
+              </a:ln>
+              <a:solidFill>
+                <a:schemeClr val="tx1"/>
+              </a:solidFill>
+            </a:endParaRPr>
+          </a:p>
+          <a:p>
+            <a:pPr>
+              <a:lnSpc>
+                <a:spcPct val="130000"/>
+              </a:lnSpc>
+              <a:spcBef>
+                <a:spcPts val="600"/>
+              </a:spcBef>
+            </a:pPr>
+            <a:r>
+              <a:rPr lang="en-US" altLang="ko-KR" sz="1200" b="1" dirty="0">
+                <a:ln>
+                  <a:solidFill>
+                    <a:schemeClr val="bg1">
+                      <a:lumMod val="85000"/>
+                      <a:alpha val="0"/>
+                    </a:schemeClr>
+                  </a:solidFill>
+                </a:ln>
+                <a:solidFill>
+                  <a:schemeClr val="tx1"/>
+                </a:solidFill>
+              </a:rPr>
+              <a:t>Backend: </a:t>
+            </a:r>
+          </a:p>
+          <a:p>
+            <a:pPr>
+              <a:lnSpc>
+                <a:spcPct val="130000"/>
+              </a:lnSpc>
+              <a:spcBef>
+                <a:spcPts val="600"/>
+              </a:spcBef>
+            </a:pPr>
+            <a:r>
+              <a:rPr lang="en-US" altLang="ko-KR" sz="1200" dirty="0" err="1">
+                <a:ln>
+                  <a:solidFill>
+                    <a:schemeClr val="bg1">
+                      <a:lumMod val="85000"/>
+                      <a:alpha val="0"/>
+                    </a:schemeClr>
+                  </a:solidFill>
+                </a:ln>
+                <a:solidFill>
+                  <a:schemeClr val="tx1"/>
+                </a:solidFill>
+              </a:rPr>
+              <a:t>SpringBoot</a:t>
+            </a:r>
+            <a:r>
+              <a:rPr lang="en-US" altLang="ko-KR" sz="1200" dirty="0">
+                <a:ln>
+                  <a:solidFill>
+                    <a:schemeClr val="bg1">
+                      <a:lumMod val="85000"/>
+                      <a:alpha val="0"/>
+                    </a:schemeClr>
+                  </a:solidFill>
+                </a:ln>
+                <a:solidFill>
+                  <a:schemeClr val="tx1"/>
+                </a:solidFill>
+              </a:rPr>
+              <a:t> (3.0.3), Java (17</a:t>
+            </a:r>
+            <a:r>
+              <a:rPr lang="en-US" altLang="zh-CN" sz="1200" dirty="0">
+                <a:ln>
+                  <a:solidFill>
+                    <a:schemeClr val="bg1">
+                      <a:lumMod val="85000"/>
+                      <a:alpha val="0"/>
+                    </a:schemeClr>
+                  </a:solidFill>
+                </a:ln>
+                <a:solidFill>
+                  <a:schemeClr val="tx1"/>
+                </a:solidFill>
+              </a:rPr>
+              <a:t>)</a:t>
+            </a:r>
+            <a:r>
+              <a:rPr lang="en-US" altLang="ko-KR" sz="1200" dirty="0">
+                <a:ln>
+                  <a:solidFill>
+                    <a:schemeClr val="bg1">
+                      <a:lumMod val="85000"/>
+                      <a:alpha val="0"/>
+                    </a:schemeClr>
+                  </a:solidFill>
+                </a:ln>
+                <a:solidFill>
+                  <a:schemeClr val="tx1"/>
+                </a:solidFill>
+              </a:rPr>
+              <a:t>, Tomcat (9.0.9) </a:t>
+            </a:r>
+          </a:p>
+          <a:p>
+            <a:pPr>
+              <a:lnSpc>
+                <a:spcPct val="130000"/>
+              </a:lnSpc>
+              <a:spcBef>
+                <a:spcPts val="600"/>
+              </a:spcBef>
+            </a:pPr>
+            <a:endParaRPr lang="en-US" altLang="ko-KR" sz="1200" dirty="0">
+              <a:ln>
+                <a:solidFill>
+                  <a:schemeClr val="bg1">
+                    <a:lumMod val="85000"/>
+                    <a:alpha val="0"/>
+                  </a:schemeClr>
+                </a:solidFill>
+              </a:ln>
+              <a:solidFill>
+                <a:schemeClr val="tx1"/>
+              </a:solidFill>
+            </a:endParaRPr>
+          </a:p>
+          <a:p>
+            <a:pPr>
+              <a:lnSpc>
+                <a:spcPct val="130000"/>
+              </a:lnSpc>
+              <a:spcBef>
+                <a:spcPts val="600"/>
+              </a:spcBef>
+            </a:pPr>
+            <a:r>
+              <a:rPr lang="en-US" altLang="ko-KR" sz="1200" b="1" dirty="0">
+                <a:ln>
+                  <a:solidFill>
+                    <a:schemeClr val="bg1">
+                      <a:lumMod val="85000"/>
+                      <a:alpha val="0"/>
+                    </a:schemeClr>
+                  </a:solidFill>
+                </a:ln>
+                <a:solidFill>
+                  <a:schemeClr val="tx1"/>
+                </a:solidFill>
+              </a:rPr>
+              <a:t>Database: </a:t>
+            </a:r>
+          </a:p>
+          <a:p>
+            <a:pPr>
+              <a:lnSpc>
+                <a:spcPct val="130000"/>
+              </a:lnSpc>
+              <a:spcBef>
+                <a:spcPts val="600"/>
+              </a:spcBef>
+            </a:pPr>
+            <a:r>
+              <a:rPr lang="en-US" altLang="ko-KR" sz="1200" dirty="0">
+                <a:ln>
+                  <a:solidFill>
+                    <a:schemeClr val="bg1">
+                      <a:lumMod val="85000"/>
+                      <a:alpha val="0"/>
+                    </a:schemeClr>
+                  </a:solidFill>
+                </a:ln>
+                <a:solidFill>
+                  <a:schemeClr val="tx1"/>
+                </a:solidFill>
+              </a:rPr>
+              <a:t>MariaDB (12.8.0)</a:t>
+            </a:r>
+          </a:p>
+        </p:txBody>
+      </p:sp>
+      <p:sp>
+        <p:nvSpPr>
+          <p:cNvPr id="22" name="사각형: 둥근 모서리 21">
+            <a:extLst>
+              <a:ext uri="{FF2B5EF4-FFF2-40B4-BE49-F238E27FC236}">
+                <a16:creationId xmlns:a16="http://schemas.microsoft.com/office/drawing/2014/main" id="{7AA59955-E8B4-8C76-A598-2E705E76B262}"/>
+              </a:ext>
+            </a:extLst>
+          </p:cNvPr>
+          <p:cNvSpPr/>
+          <p:nvPr/>
+        </p:nvSpPr>
+        <p:spPr>
+          <a:xfrm>
+            <a:off x="6614375" y="2119036"/>
+            <a:ext cx="3519851" cy="3107304"/>
+          </a:xfrm>
+          <a:prstGeom prst="roundRect">
+            <a:avLst/>
+          </a:prstGeom>
+          <a:solidFill>
+            <a:schemeClr val="bg1"/>
+          </a:solidFill>
+          <a:ln w="25400">
+            <a:solidFill>
+              <a:schemeClr val="accent6">
+                <a:lumMod val="50000"/>
+              </a:schemeClr>
+            </a:solidFill>
+          </a:ln>
+          <a:effectLst>
+            <a:outerShdw blurRad="50800" dist="38100" dir="2700000" algn="tl" rotWithShape="0">
+              <a:prstClr val="black">
+                <a:alpha val="40000"/>
+              </a:prstClr>
+            </a:outerShdw>
+          </a:effectLst>
+        </p:spPr>
+        <p:style>
+          <a:lnRef idx="2">
+            <a:schemeClr val="accent1">
+              <a:shade val="50000"/>
+            </a:schemeClr>
+          </a:lnRef>
+          <a:fillRef idx="1">
+            <a:schemeClr val="accent1"/>
+          </a:fillRef>
+          <a:effectRef idx="0">
+            <a:schemeClr val="accent1"/>
+          </a:effectRef>
+          <a:fontRef idx="minor">
+            <a:schemeClr val="lt1"/>
+          </a:fontRef>
+        </p:style>
+        <p:txBody>
+          <a:bodyPr rtlCol="0" anchor="ctr"/>
+          <a:lstStyle/>
+          <a:p>
+            <a:pPr>
+              <a:lnSpc>
+                <a:spcPct val="130000"/>
+              </a:lnSpc>
+              <a:spcBef>
+                <a:spcPts val="600"/>
+              </a:spcBef>
+            </a:pPr>
+            <a:r>
+              <a:rPr lang="en-US" altLang="ko-KR" sz="1200" b="1" dirty="0">
+                <a:ln>
+                  <a:solidFill>
+                    <a:schemeClr val="bg1">
+                      <a:lumMod val="85000"/>
+                      <a:alpha val="0"/>
+                    </a:schemeClr>
+                  </a:solidFill>
+                </a:ln>
+                <a:solidFill>
+                  <a:schemeClr val="tx1"/>
+                </a:solidFill>
+              </a:rPr>
+              <a:t>Layout: </a:t>
+            </a:r>
+          </a:p>
+          <a:p>
+            <a:pPr>
+              <a:lnSpc>
+                <a:spcPct val="130000"/>
+              </a:lnSpc>
+              <a:spcBef>
+                <a:spcPts val="600"/>
+              </a:spcBef>
+            </a:pPr>
+            <a:r>
+              <a:rPr lang="en-US" altLang="ko-KR" sz="1200" dirty="0">
+                <a:ln>
+                  <a:solidFill>
+                    <a:schemeClr val="bg1">
+                      <a:lumMod val="85000"/>
+                      <a:alpha val="0"/>
+                    </a:schemeClr>
+                  </a:solidFill>
+                </a:ln>
+                <a:solidFill>
+                  <a:schemeClr val="tx1"/>
+                </a:solidFill>
+              </a:rPr>
+              <a:t>NARU (SKT I/F </a:t>
+            </a:r>
+            <a:r>
+              <a:rPr lang="ko-KR" altLang="en-US" sz="1200" dirty="0">
+                <a:ln>
+                  <a:solidFill>
+                    <a:schemeClr val="bg1">
+                      <a:lumMod val="85000"/>
+                      <a:alpha val="0"/>
+                    </a:schemeClr>
+                  </a:solidFill>
+                </a:ln>
+                <a:solidFill>
+                  <a:schemeClr val="tx1"/>
+                </a:solidFill>
+              </a:rPr>
+              <a:t>관리 시스템</a:t>
+            </a:r>
+            <a:r>
+              <a:rPr lang="en-US" altLang="ko-KR" sz="1200" dirty="0">
+                <a:ln>
+                  <a:solidFill>
+                    <a:schemeClr val="bg1">
+                      <a:lumMod val="85000"/>
+                      <a:alpha val="0"/>
+                    </a:schemeClr>
+                  </a:solidFill>
+                </a:ln>
+                <a:solidFill>
+                  <a:schemeClr val="tx1"/>
+                </a:solidFill>
+              </a:rPr>
+              <a:t>)</a:t>
+            </a:r>
+          </a:p>
+          <a:p>
+            <a:pPr>
+              <a:lnSpc>
+                <a:spcPct val="130000"/>
+              </a:lnSpc>
+              <a:spcBef>
+                <a:spcPts val="600"/>
+              </a:spcBef>
+            </a:pPr>
+            <a:endParaRPr lang="en-US" altLang="ko-KR" sz="1200" dirty="0">
+              <a:ln>
+                <a:solidFill>
+                  <a:schemeClr val="bg1">
+                    <a:lumMod val="85000"/>
+                    <a:alpha val="0"/>
+                  </a:schemeClr>
+                </a:solidFill>
+              </a:ln>
+              <a:solidFill>
+                <a:schemeClr val="tx1"/>
+              </a:solidFill>
+            </a:endParaRPr>
+          </a:p>
+          <a:p>
+            <a:pPr>
+              <a:lnSpc>
+                <a:spcPct val="130000"/>
+              </a:lnSpc>
+              <a:spcBef>
+                <a:spcPts val="600"/>
+              </a:spcBef>
+            </a:pPr>
+            <a:r>
+              <a:rPr lang="ko-KR" altLang="en-US" sz="1200" b="1" dirty="0">
+                <a:ln>
+                  <a:solidFill>
+                    <a:schemeClr val="bg1">
+                      <a:lumMod val="85000"/>
+                      <a:alpha val="0"/>
+                    </a:schemeClr>
+                  </a:solidFill>
+                </a:ln>
+                <a:solidFill>
+                  <a:schemeClr val="tx1"/>
+                </a:solidFill>
+              </a:rPr>
+              <a:t>실시간 검색</a:t>
+            </a:r>
+            <a:r>
+              <a:rPr lang="en-US" altLang="ko-KR" sz="1200" b="1" dirty="0">
+                <a:ln>
+                  <a:solidFill>
+                    <a:schemeClr val="bg1">
+                      <a:lumMod val="85000"/>
+                      <a:alpha val="0"/>
+                    </a:schemeClr>
+                  </a:solidFill>
+                </a:ln>
+                <a:solidFill>
+                  <a:schemeClr val="tx1"/>
+                </a:solidFill>
+              </a:rPr>
+              <a:t>: </a:t>
+            </a:r>
+          </a:p>
+          <a:p>
+            <a:pPr>
+              <a:lnSpc>
+                <a:spcPct val="130000"/>
+              </a:lnSpc>
+              <a:spcBef>
+                <a:spcPts val="600"/>
+              </a:spcBef>
+            </a:pPr>
+            <a:r>
+              <a:rPr lang="en-US" altLang="ko-KR" sz="1200" dirty="0">
+                <a:ln>
+                  <a:solidFill>
+                    <a:schemeClr val="bg1">
+                      <a:lumMod val="85000"/>
+                      <a:alpha val="0"/>
+                    </a:schemeClr>
+                  </a:solidFill>
+                </a:ln>
+                <a:solidFill>
+                  <a:schemeClr val="tx1"/>
+                </a:solidFill>
+              </a:rPr>
+              <a:t>Ajax</a:t>
+            </a:r>
+          </a:p>
+          <a:p>
+            <a:pPr>
+              <a:lnSpc>
+                <a:spcPct val="130000"/>
+              </a:lnSpc>
+              <a:spcBef>
+                <a:spcPts val="600"/>
+              </a:spcBef>
+            </a:pPr>
+            <a:endParaRPr lang="en-US" altLang="ko-KR" sz="1200" dirty="0">
+              <a:ln>
+                <a:solidFill>
+                  <a:schemeClr val="bg1">
+                    <a:lumMod val="85000"/>
+                    <a:alpha val="0"/>
+                  </a:schemeClr>
+                </a:solidFill>
+              </a:ln>
+              <a:solidFill>
+                <a:schemeClr val="tx1"/>
+              </a:solidFill>
+            </a:endParaRPr>
+          </a:p>
+          <a:p>
+            <a:pPr>
+              <a:lnSpc>
+                <a:spcPct val="130000"/>
+              </a:lnSpc>
+              <a:spcBef>
+                <a:spcPts val="600"/>
+              </a:spcBef>
+            </a:pPr>
+            <a:r>
+              <a:rPr lang="ko-KR" altLang="en-US" sz="1200" b="1" dirty="0">
+                <a:ln>
+                  <a:solidFill>
+                    <a:schemeClr val="bg1">
+                      <a:lumMod val="85000"/>
+                      <a:alpha val="0"/>
+                    </a:schemeClr>
+                  </a:solidFill>
+                </a:ln>
+                <a:solidFill>
+                  <a:schemeClr val="tx1"/>
+                </a:solidFill>
+              </a:rPr>
+              <a:t>접근 권한 </a:t>
+            </a:r>
+            <a:r>
+              <a:rPr lang="en-US" altLang="ko-KR" sz="1200" b="1" dirty="0">
+                <a:ln>
+                  <a:solidFill>
+                    <a:schemeClr val="bg1">
+                      <a:lumMod val="85000"/>
+                      <a:alpha val="0"/>
+                    </a:schemeClr>
+                  </a:solidFill>
+                </a:ln>
+                <a:solidFill>
+                  <a:schemeClr val="tx1"/>
+                </a:solidFill>
+              </a:rPr>
+              <a:t>&amp; </a:t>
+            </a:r>
+            <a:r>
+              <a:rPr lang="ko-KR" altLang="en-US" sz="1200" b="1" dirty="0" err="1">
+                <a:ln>
+                  <a:solidFill>
+                    <a:schemeClr val="bg1">
+                      <a:lumMod val="85000"/>
+                      <a:alpha val="0"/>
+                    </a:schemeClr>
+                  </a:solidFill>
+                </a:ln>
+                <a:solidFill>
+                  <a:schemeClr val="tx1"/>
+                </a:solidFill>
+              </a:rPr>
+              <a:t>인터셉터</a:t>
+            </a:r>
+            <a:r>
+              <a:rPr lang="ko-KR" altLang="en-US" sz="1200" b="1" dirty="0">
+                <a:ln>
+                  <a:solidFill>
+                    <a:schemeClr val="bg1">
+                      <a:lumMod val="85000"/>
+                      <a:alpha val="0"/>
+                    </a:schemeClr>
+                  </a:solidFill>
+                </a:ln>
+                <a:solidFill>
+                  <a:schemeClr val="tx1"/>
+                </a:solidFill>
+              </a:rPr>
+              <a:t> </a:t>
+            </a:r>
+            <a:r>
+              <a:rPr lang="en-US" altLang="ko-KR" sz="1200" b="1" dirty="0">
+                <a:ln>
+                  <a:solidFill>
+                    <a:schemeClr val="bg1">
+                      <a:lumMod val="85000"/>
+                      <a:alpha val="0"/>
+                    </a:schemeClr>
+                  </a:solidFill>
+                </a:ln>
+                <a:solidFill>
+                  <a:schemeClr val="tx1"/>
+                </a:solidFill>
+              </a:rPr>
+              <a:t>: </a:t>
+            </a:r>
+          </a:p>
+          <a:p>
+            <a:pPr>
+              <a:lnSpc>
+                <a:spcPct val="130000"/>
+              </a:lnSpc>
+              <a:spcBef>
+                <a:spcPts val="600"/>
+              </a:spcBef>
+            </a:pPr>
+            <a:r>
+              <a:rPr lang="en-US" altLang="ko-KR" sz="1200" dirty="0" err="1">
+                <a:ln>
+                  <a:solidFill>
+                    <a:schemeClr val="bg1">
+                      <a:lumMod val="85000"/>
+                      <a:alpha val="0"/>
+                    </a:schemeClr>
+                  </a:solidFill>
+                </a:ln>
+                <a:solidFill>
+                  <a:schemeClr val="tx1"/>
+                </a:solidFill>
+              </a:rPr>
+              <a:t>Json</a:t>
+            </a:r>
+            <a:r>
+              <a:rPr lang="en-US" altLang="ko-KR" sz="1200" dirty="0">
+                <a:ln>
+                  <a:solidFill>
+                    <a:schemeClr val="bg1">
+                      <a:lumMod val="85000"/>
+                      <a:alpha val="0"/>
+                    </a:schemeClr>
+                  </a:solidFill>
+                </a:ln>
+                <a:solidFill>
+                  <a:schemeClr val="tx1"/>
+                </a:solidFill>
+              </a:rPr>
+              <a:t> Web Token + Route Guards </a:t>
+            </a:r>
+          </a:p>
+        </p:txBody>
+      </p:sp>
+      <p:sp>
+        <p:nvSpPr>
+          <p:cNvPr id="23" name="TextBox 22">
+            <a:extLst>
+              <a:ext uri="{FF2B5EF4-FFF2-40B4-BE49-F238E27FC236}">
+                <a16:creationId xmlns:a16="http://schemas.microsoft.com/office/drawing/2014/main" id="{06101AFB-6965-E288-CD27-8A9466207B48}"/>
+              </a:ext>
+            </a:extLst>
+          </p:cNvPr>
+          <p:cNvSpPr txBox="1"/>
+          <p:nvPr/>
+        </p:nvSpPr>
+        <p:spPr>
+          <a:xfrm>
+            <a:off x="2778793" y="1562971"/>
+            <a:ext cx="1728868" cy="282768"/>
+          </a:xfrm>
+          <a:prstGeom prst="rect">
+            <a:avLst/>
+          </a:prstGeom>
+          <a:solidFill>
+            <a:schemeClr val="accent6">
+              <a:lumMod val="20000"/>
+              <a:lumOff val="80000"/>
+            </a:schemeClr>
+          </a:solidFill>
+          <a:ln w="19050">
+            <a:noFill/>
+          </a:ln>
+        </p:spPr>
+        <p:style>
+          <a:lnRef idx="2">
+            <a:schemeClr val="accent1">
+              <a:shade val="50000"/>
+            </a:schemeClr>
+          </a:lnRef>
+          <a:fillRef idx="1">
+            <a:schemeClr val="accent1"/>
+          </a:fillRef>
+          <a:effectRef idx="0">
+            <a:schemeClr val="accent1"/>
+          </a:effectRef>
+          <a:fontRef idx="minor">
+            <a:schemeClr val="lt1"/>
+          </a:fontRef>
+        </p:style>
+        <p:txBody>
+          <a:bodyPr lIns="0" rIns="0" rtlCol="0" anchor="ctr">
+            <a:scene3d>
+              <a:camera prst="orthographicFront"/>
+              <a:lightRig rig="threePt" dir="t"/>
+            </a:scene3d>
+            <a:sp3d>
+              <a:bevelT w="0" h="0"/>
+              <a:bevelB w="0" h="0"/>
+              <a:contourClr>
+                <a:schemeClr val="tx1">
+                  <a:lumMod val="65000"/>
+                  <a:lumOff val="35000"/>
+                </a:schemeClr>
+              </a:contourClr>
+            </a:sp3d>
+          </a:bodyPr>
+          <a:lstStyle>
+            <a:defPPr>
+              <a:defRPr lang="ko-KR"/>
+            </a:defPPr>
+            <a:lvl1pPr defTabSz="1090422">
+              <a:defRPr sz="2100">
+                <a:solidFill>
+                  <a:schemeClr val="lt1"/>
+                </a:solidFill>
+              </a:defRPr>
+            </a:lvl1pPr>
+            <a:lvl2pPr marL="0" lvl="1" algn="ctr" defTabSz="1067426">
+              <a:lnSpc>
+                <a:spcPct val="90000"/>
+              </a:lnSpc>
+              <a:buClr>
+                <a:srgbClr val="3271AA"/>
+              </a:buClr>
+              <a:buSzPct val="140000"/>
+              <a:tabLst>
+                <a:tab pos="814888" algn="l"/>
+              </a:tabLst>
+              <a:defRPr sz="1200">
+                <a:ln>
+                  <a:noFill/>
+                </a:ln>
+                <a:solidFill>
+                  <a:schemeClr val="tx1">
+                    <a:lumMod val="85000"/>
+                    <a:lumOff val="15000"/>
+                  </a:schemeClr>
+                </a:solidFill>
+                <a:latin typeface="Arial" pitchFamily="34" charset="0"/>
+                <a:ea typeface="맑은 고딕" pitchFamily="50" charset="-127"/>
+                <a:cs typeface="Arial" pitchFamily="34" charset="0"/>
+              </a:defRPr>
+            </a:lvl2pPr>
+            <a:lvl3pPr marL="1090422" defTabSz="1090422">
+              <a:defRPr sz="2100">
+                <a:solidFill>
+                  <a:schemeClr val="lt1"/>
+                </a:solidFill>
+              </a:defRPr>
+            </a:lvl3pPr>
+            <a:lvl4pPr marL="1635633" defTabSz="1090422">
+              <a:defRPr sz="2100">
+                <a:solidFill>
+                  <a:schemeClr val="lt1"/>
+                </a:solidFill>
+              </a:defRPr>
+            </a:lvl4pPr>
+            <a:lvl5pPr marL="2180844" defTabSz="1090422">
+              <a:defRPr sz="2100">
+                <a:solidFill>
+                  <a:schemeClr val="lt1"/>
+                </a:solidFill>
+              </a:defRPr>
+            </a:lvl5pPr>
+            <a:lvl6pPr marL="2726055" defTabSz="1090422">
+              <a:defRPr sz="2100">
+                <a:solidFill>
+                  <a:schemeClr val="lt1"/>
+                </a:solidFill>
+              </a:defRPr>
+            </a:lvl6pPr>
+            <a:lvl7pPr marL="3271266" defTabSz="1090422">
+              <a:defRPr sz="2100">
+                <a:solidFill>
+                  <a:schemeClr val="lt1"/>
+                </a:solidFill>
+              </a:defRPr>
+            </a:lvl7pPr>
+            <a:lvl8pPr marL="3816477" defTabSz="1090422">
+              <a:defRPr sz="2100">
+                <a:solidFill>
+                  <a:schemeClr val="lt1"/>
+                </a:solidFill>
+              </a:defRPr>
+            </a:lvl8pPr>
+            <a:lvl9pPr marL="4361688" defTabSz="1090422">
+              <a:defRPr sz="2100">
+                <a:solidFill>
+                  <a:schemeClr val="lt1"/>
+                </a:solidFill>
+              </a:defRPr>
+            </a:lvl9pPr>
+          </a:lstStyle>
+          <a:p>
+            <a:pPr indent="-96471" algn="ctr" defTabSz="945888" fontAlgn="base" latinLnBrk="0">
+              <a:spcBef>
+                <a:spcPct val="0"/>
+              </a:spcBef>
+              <a:buSzPct val="80000"/>
+              <a:tabLst>
+                <a:tab pos="5461679" algn="l"/>
+              </a:tabLst>
+              <a:defRPr/>
+            </a:pPr>
+            <a:r>
+              <a:rPr kumimoji="1" lang="ko-KR" altLang="en-US" sz="1200" b="1" dirty="0">
+                <a:ln>
+                  <a:solidFill>
+                    <a:prstClr val="white">
+                      <a:alpha val="0"/>
+                    </a:prstClr>
+                  </a:solidFill>
+                </a:ln>
+                <a:solidFill>
+                  <a:prstClr val="black">
+                    <a:lumMod val="85000"/>
+                    <a:lumOff val="15000"/>
+                  </a:prstClr>
+                </a:solidFill>
+                <a:latin typeface="+mn-ea"/>
+                <a:sym typeface="KoPub돋움체 Medium"/>
+              </a:rPr>
+              <a:t>기술 스택</a:t>
+            </a:r>
+          </a:p>
+        </p:txBody>
+      </p:sp>
+      <p:sp>
+        <p:nvSpPr>
+          <p:cNvPr id="24" name="TextBox 23">
+            <a:extLst>
+              <a:ext uri="{FF2B5EF4-FFF2-40B4-BE49-F238E27FC236}">
+                <a16:creationId xmlns:a16="http://schemas.microsoft.com/office/drawing/2014/main" id="{92DDD7B0-59BC-9489-5A36-628246639B32}"/>
+              </a:ext>
+            </a:extLst>
+          </p:cNvPr>
+          <p:cNvSpPr txBox="1"/>
+          <p:nvPr/>
+        </p:nvSpPr>
+        <p:spPr>
+          <a:xfrm>
+            <a:off x="7509867" y="1562971"/>
+            <a:ext cx="1728868" cy="282768"/>
+          </a:xfrm>
+          <a:prstGeom prst="rect">
+            <a:avLst/>
+          </a:prstGeom>
+          <a:solidFill>
+            <a:schemeClr val="accent6">
+              <a:lumMod val="20000"/>
+              <a:lumOff val="80000"/>
+            </a:schemeClr>
+          </a:solidFill>
+          <a:ln w="19050">
+            <a:noFill/>
+          </a:ln>
+        </p:spPr>
+        <p:style>
+          <a:lnRef idx="2">
+            <a:schemeClr val="accent1">
+              <a:shade val="50000"/>
+            </a:schemeClr>
+          </a:lnRef>
+          <a:fillRef idx="1">
+            <a:schemeClr val="accent1"/>
+          </a:fillRef>
+          <a:effectRef idx="0">
+            <a:schemeClr val="accent1"/>
+          </a:effectRef>
+          <a:fontRef idx="minor">
+            <a:schemeClr val="lt1"/>
+          </a:fontRef>
+        </p:style>
+        <p:txBody>
+          <a:bodyPr lIns="0" rIns="0" rtlCol="0" anchor="ctr">
+            <a:scene3d>
+              <a:camera prst="orthographicFront"/>
+              <a:lightRig rig="threePt" dir="t"/>
+            </a:scene3d>
+            <a:sp3d>
+              <a:bevelT w="0" h="0"/>
+              <a:bevelB w="0" h="0"/>
+              <a:contourClr>
+                <a:schemeClr val="tx1">
+                  <a:lumMod val="65000"/>
+                  <a:lumOff val="35000"/>
+                </a:schemeClr>
+              </a:contourClr>
+            </a:sp3d>
+          </a:bodyPr>
+          <a:lstStyle>
+            <a:defPPr>
+              <a:defRPr lang="ko-KR"/>
+            </a:defPPr>
+            <a:lvl1pPr defTabSz="1090422">
+              <a:defRPr sz="2100">
+                <a:solidFill>
+                  <a:schemeClr val="lt1"/>
+                </a:solidFill>
+              </a:defRPr>
+            </a:lvl1pPr>
+            <a:lvl2pPr marL="0" lvl="1" algn="ctr" defTabSz="1067426">
+              <a:lnSpc>
+                <a:spcPct val="90000"/>
+              </a:lnSpc>
+              <a:buClr>
+                <a:srgbClr val="3271AA"/>
+              </a:buClr>
+              <a:buSzPct val="140000"/>
+              <a:tabLst>
+                <a:tab pos="814888" algn="l"/>
+              </a:tabLst>
+              <a:defRPr sz="1200">
+                <a:ln>
+                  <a:noFill/>
+                </a:ln>
+                <a:solidFill>
+                  <a:schemeClr val="tx1">
+                    <a:lumMod val="85000"/>
+                    <a:lumOff val="15000"/>
+                  </a:schemeClr>
+                </a:solidFill>
+                <a:latin typeface="Arial" pitchFamily="34" charset="0"/>
+                <a:ea typeface="맑은 고딕" pitchFamily="50" charset="-127"/>
+                <a:cs typeface="Arial" pitchFamily="34" charset="0"/>
+              </a:defRPr>
+            </a:lvl2pPr>
+            <a:lvl3pPr marL="1090422" defTabSz="1090422">
+              <a:defRPr sz="2100">
+                <a:solidFill>
+                  <a:schemeClr val="lt1"/>
+                </a:solidFill>
+              </a:defRPr>
+            </a:lvl3pPr>
+            <a:lvl4pPr marL="1635633" defTabSz="1090422">
+              <a:defRPr sz="2100">
+                <a:solidFill>
+                  <a:schemeClr val="lt1"/>
+                </a:solidFill>
+              </a:defRPr>
+            </a:lvl4pPr>
+            <a:lvl5pPr marL="2180844" defTabSz="1090422">
+              <a:defRPr sz="2100">
+                <a:solidFill>
+                  <a:schemeClr val="lt1"/>
+                </a:solidFill>
+              </a:defRPr>
+            </a:lvl5pPr>
+            <a:lvl6pPr marL="2726055" defTabSz="1090422">
+              <a:defRPr sz="2100">
+                <a:solidFill>
+                  <a:schemeClr val="lt1"/>
+                </a:solidFill>
+              </a:defRPr>
+            </a:lvl6pPr>
+            <a:lvl7pPr marL="3271266" defTabSz="1090422">
+              <a:defRPr sz="2100">
+                <a:solidFill>
+                  <a:schemeClr val="lt1"/>
+                </a:solidFill>
+              </a:defRPr>
+            </a:lvl7pPr>
+            <a:lvl8pPr marL="3816477" defTabSz="1090422">
+              <a:defRPr sz="2100">
+                <a:solidFill>
+                  <a:schemeClr val="lt1"/>
+                </a:solidFill>
+              </a:defRPr>
+            </a:lvl8pPr>
+            <a:lvl9pPr marL="4361688" defTabSz="1090422">
+              <a:defRPr sz="2100">
+                <a:solidFill>
+                  <a:schemeClr val="lt1"/>
+                </a:solidFill>
+              </a:defRPr>
+            </a:lvl9pPr>
+          </a:lstStyle>
+          <a:p>
+            <a:pPr indent="-96471" algn="ctr" defTabSz="945888" fontAlgn="base" latinLnBrk="0">
+              <a:spcBef>
+                <a:spcPct val="0"/>
+              </a:spcBef>
+              <a:buSzPct val="80000"/>
+              <a:tabLst>
+                <a:tab pos="5461679" algn="l"/>
+              </a:tabLst>
+              <a:defRPr/>
+            </a:pPr>
+            <a:r>
+              <a:rPr kumimoji="1" lang="ko-KR" altLang="en-US" sz="1200" b="1" dirty="0">
+                <a:ln>
+                  <a:solidFill>
+                    <a:prstClr val="white">
+                      <a:alpha val="0"/>
+                    </a:prstClr>
+                  </a:solidFill>
+                </a:ln>
+                <a:solidFill>
+                  <a:prstClr val="black">
+                    <a:lumMod val="85000"/>
+                    <a:lumOff val="15000"/>
+                  </a:prstClr>
+                </a:solidFill>
+                <a:latin typeface="+mn-ea"/>
+                <a:sym typeface="KoPub돋움체 Medium"/>
+              </a:rPr>
+              <a:t>주요 포인트</a:t>
+            </a:r>
+          </a:p>
+        </p:txBody>
+      </p:sp>
+      <p:sp>
+        <p:nvSpPr>
+          <p:cNvPr id="5" name="제목 1">
+            <a:extLst>
+              <a:ext uri="{FF2B5EF4-FFF2-40B4-BE49-F238E27FC236}">
+                <a16:creationId xmlns:a16="http://schemas.microsoft.com/office/drawing/2014/main" id="{EC90B7E9-6825-74CB-BDEE-73443EAA70D8}"/>
+              </a:ext>
+            </a:extLst>
+          </p:cNvPr>
+          <p:cNvSpPr txBox="1">
+            <a:spLocks/>
+          </p:cNvSpPr>
+          <p:nvPr/>
+        </p:nvSpPr>
+        <p:spPr>
+          <a:xfrm>
+            <a:off x="215845" y="173587"/>
+            <a:ext cx="3048593" cy="363854"/>
+          </a:xfrm>
+          <a:prstGeom prst="rect">
+            <a:avLst/>
+          </a:prstGeom>
+          <a:solidFill>
+            <a:schemeClr val="accent6">
+              <a:lumMod val="50000"/>
+            </a:schemeClr>
+          </a:solidFill>
+        </p:spPr>
+        <p:txBody>
+          <a:bodyPr vert="horz" lIns="91440" tIns="45720" rIns="91440" bIns="45720" rtlCol="0" anchor="ctr">
+            <a:normAutofit/>
+          </a:bodyPr>
+          <a:lstStyle>
+            <a:lvl1pPr algn="l" defTabSz="914400" rtl="0" eaLnBrk="1" latinLnBrk="1" hangingPunct="1">
+              <a:lnSpc>
+                <a:spcPct val="90000"/>
+              </a:lnSpc>
+              <a:spcBef>
+                <a:spcPct val="0"/>
+              </a:spcBef>
+              <a:buNone/>
+              <a:defRPr sz="4400" kern="1200">
+                <a:solidFill>
+                  <a:schemeClr val="tx1"/>
+                </a:solidFill>
+                <a:latin typeface="+mj-lt"/>
+                <a:ea typeface="+mj-ea"/>
+                <a:cs typeface="+mj-cs"/>
+              </a:defRPr>
+            </a:lvl1pPr>
+          </a:lstStyle>
+          <a:p>
+            <a:pPr algn="ctr"/>
+            <a:r>
+              <a:rPr lang="ko-KR" altLang="en-US" sz="1400" b="1" dirty="0">
+                <a:solidFill>
+                  <a:schemeClr val="bg1"/>
+                </a:solidFill>
+              </a:rPr>
+              <a:t>주요 기술</a:t>
+            </a:r>
+          </a:p>
+        </p:txBody>
+      </p:sp>
+    </p:spTree>
+    <p:extLst>
+      <p:ext uri="{BB962C8B-B14F-4D97-AF65-F5344CB8AC3E}">
+        <p14:creationId xmlns:p14="http://schemas.microsoft.com/office/powerpoint/2010/main" val="698554361"/>
       </p:ext>
     </p:extLst>
   </p:cSld>
